--- a/h-c0n_PPT_template_2023-v2.pptx
+++ b/h-c0n_PPT_template_2023-v2.pptx
@@ -8,10 +8,10 @@
     <p:sldMasterId id="2147483687" r:id="rId4"/>
   </p:sldMasterIdLst>
   <p:notesMasterIdLst>
-    <p:notesMasterId r:id="rId19"/>
+    <p:notesMasterId r:id="rId26"/>
   </p:notesMasterIdLst>
   <p:handoutMasterIdLst>
-    <p:handoutMasterId r:id="rId20"/>
+    <p:handoutMasterId r:id="rId27"/>
   </p:handoutMasterIdLst>
   <p:sldIdLst>
     <p:sldId id="256" r:id="rId5"/>
@@ -25,9 +25,16 @@
     <p:sldId id="267" r:id="rId13"/>
     <p:sldId id="269" r:id="rId14"/>
     <p:sldId id="270" r:id="rId15"/>
-    <p:sldId id="260" r:id="rId16"/>
-    <p:sldId id="257" r:id="rId17"/>
-    <p:sldId id="263" r:id="rId18"/>
+    <p:sldId id="271" r:id="rId16"/>
+    <p:sldId id="272" r:id="rId17"/>
+    <p:sldId id="273" r:id="rId18"/>
+    <p:sldId id="274" r:id="rId19"/>
+    <p:sldId id="275" r:id="rId20"/>
+    <p:sldId id="276" r:id="rId21"/>
+    <p:sldId id="277" r:id="rId22"/>
+    <p:sldId id="260" r:id="rId23"/>
+    <p:sldId id="257" r:id="rId24"/>
+    <p:sldId id="263" r:id="rId25"/>
   </p:sldIdLst>
   <p:sldSz cx="12192000" cy="6858000"/>
   <p:notesSz cx="6858000" cy="9144000"/>
@@ -1789,7 +1796,7 @@
           <p:cNvPr id="4" name="PlaceHolder 3">
             <a:extLst>
               <a:ext uri="{FF2B5EF4-FFF2-40B4-BE49-F238E27FC236}">
-                <a16:creationId xmlns:a16="http://schemas.microsoft.com/office/drawing/2014/main" id="{77816F8B-6269-491C-91AB-7B0D34422C93}"/>
+                <a16:creationId xmlns:a16="http://schemas.microsoft.com/office/drawing/2014/main" id="{B408EF08-45D5-4D01-9D79-BB0CDDC0CF71}"/>
               </a:ext>
             </a:extLst>
           </p:cNvPr>
@@ -1822,7 +1829,7 @@
           <p:cNvPr id="5" name="PlaceHolder 4">
             <a:extLst>
               <a:ext uri="{FF2B5EF4-FFF2-40B4-BE49-F238E27FC236}">
-                <a16:creationId xmlns:a16="http://schemas.microsoft.com/office/drawing/2014/main" id="{D7BBF45F-1687-46D9-9B05-2CF5F46A9236}"/>
+                <a16:creationId xmlns:a16="http://schemas.microsoft.com/office/drawing/2014/main" id="{1756CF89-56A8-4DB3-B00B-34B79FBAA5B5}"/>
               </a:ext>
             </a:extLst>
           </p:cNvPr>
@@ -1855,7 +1862,7 @@
           <p:cNvPr id="6" name="PlaceHolder 5">
             <a:extLst>
               <a:ext uri="{FF2B5EF4-FFF2-40B4-BE49-F238E27FC236}">
-                <a16:creationId xmlns:a16="http://schemas.microsoft.com/office/drawing/2014/main" id="{209B8E10-A051-435F-8743-79E08B3417CE}"/>
+                <a16:creationId xmlns:a16="http://schemas.microsoft.com/office/drawing/2014/main" id="{00B295AC-4D5E-4AE1-BC90-FD453E630FF2}"/>
               </a:ext>
             </a:extLst>
           </p:cNvPr>
@@ -1888,7 +1895,7 @@
           <p:cNvPr id="7" name="PlaceHolder 6">
             <a:extLst>
               <a:ext uri="{FF2B5EF4-FFF2-40B4-BE49-F238E27FC236}">
-                <a16:creationId xmlns:a16="http://schemas.microsoft.com/office/drawing/2014/main" id="{13F1BA30-BFC8-402C-A9BC-E1707A196B00}"/>
+                <a16:creationId xmlns:a16="http://schemas.microsoft.com/office/drawing/2014/main" id="{72849A74-606C-4903-A7DE-EC22A43C2523}"/>
               </a:ext>
             </a:extLst>
           </p:cNvPr>
@@ -1909,7 +1916,7 @@
           <a:lstStyle/>
           <a:p>
             <a:pPr lvl="0"/>
-            <a:fld id="{1A3A7007-B48C-4B3A-B31F-C3758657A4E9}" type="slidenum">
+            <a:fld id="{4D5EF58F-E226-410A-95FE-C5F42D21ED26}" type="slidenum">
               <a:t>12</a:t>
             </a:fld>
             <a:endParaRPr lang="es-ES"/>
@@ -1921,7 +1928,7 @@
           <p:cNvPr id="2" name="Marcador de imagen de diapositiva 1">
             <a:extLst>
               <a:ext uri="{FF2B5EF4-FFF2-40B4-BE49-F238E27FC236}">
-                <a16:creationId xmlns:a16="http://schemas.microsoft.com/office/drawing/2014/main" id="{5CF56032-F14B-4CA6-90C8-A93629755212}"/>
+                <a16:creationId xmlns:a16="http://schemas.microsoft.com/office/drawing/2014/main" id="{E195561E-986C-431D-92D0-9731CFECF89B}"/>
               </a:ext>
             </a:extLst>
           </p:cNvPr>
@@ -1953,7 +1960,7 @@
           <p:cNvPr id="3" name="Marcador de notas 2">
             <a:extLst>
               <a:ext uri="{FF2B5EF4-FFF2-40B4-BE49-F238E27FC236}">
-                <a16:creationId xmlns:a16="http://schemas.microsoft.com/office/drawing/2014/main" id="{B7968065-152C-4811-A81F-06EAB1ACDB5C}"/>
+                <a16:creationId xmlns:a16="http://schemas.microsoft.com/office/drawing/2014/main" id="{BB063B43-DFFA-4013-B597-51BF8A6EDA87}"/>
               </a:ext>
             </a:extLst>
           </p:cNvPr>
@@ -1969,14 +1976,22 @@
           <a:bodyPr/>
           <a:lstStyle/>
           <a:p>
-            <a:pPr marL="216000" indent="-216000" hangingPunct="0"/>
-            <a:endParaRPr lang="en-US">
+            <a:pPr marL="342900" indent="-342900" hangingPunct="0">
+              <a:buFontTx/>
+              <a:buChar char="-"/>
+            </a:pPr>
+            <a:endParaRPr lang="en-US" dirty="0">
               <a:latin typeface="Liberation Sans" pitchFamily="18"/>
             </a:endParaRPr>
           </a:p>
         </p:txBody>
       </p:sp>
     </p:spTree>
+    <p:extLst>
+      <p:ext uri="{BB962C8B-B14F-4D97-AF65-F5344CB8AC3E}">
+        <p14:creationId xmlns:p14="http://schemas.microsoft.com/office/powerpoint/2010/main" val="1538015076"/>
+      </p:ext>
+    </p:extLst>
   </p:cSld>
   <p:clrMapOvr>
     <a:masterClrMapping/>
@@ -2186,14 +2201,22 @@
           <a:bodyPr/>
           <a:lstStyle/>
           <a:p>
-            <a:pPr marL="216000" indent="-216000" hangingPunct="0"/>
-            <a:endParaRPr lang="en-US">
+            <a:pPr marL="342900" indent="-342900" hangingPunct="0">
+              <a:buFontTx/>
+              <a:buChar char="-"/>
+            </a:pPr>
+            <a:endParaRPr lang="en-US" dirty="0">
               <a:latin typeface="Liberation Sans" pitchFamily="18"/>
             </a:endParaRPr>
           </a:p>
         </p:txBody>
       </p:sp>
     </p:spTree>
+    <p:extLst>
+      <p:ext uri="{BB962C8B-B14F-4D97-AF65-F5344CB8AC3E}">
+        <p14:creationId xmlns:p14="http://schemas.microsoft.com/office/powerpoint/2010/main" val="1791822175"/>
+      </p:ext>
+    </p:extLst>
   </p:cSld>
   <p:clrMapOvr>
     <a:masterClrMapping/>
@@ -2223,7 +2246,7 @@
           <p:cNvPr id="4" name="PlaceHolder 3">
             <a:extLst>
               <a:ext uri="{FF2B5EF4-FFF2-40B4-BE49-F238E27FC236}">
-                <a16:creationId xmlns:a16="http://schemas.microsoft.com/office/drawing/2014/main" id="{B383EF30-2ACC-48ED-A23B-D38CD41C987F}"/>
+                <a16:creationId xmlns:a16="http://schemas.microsoft.com/office/drawing/2014/main" id="{B408EF08-45D5-4D01-9D79-BB0CDDC0CF71}"/>
               </a:ext>
             </a:extLst>
           </p:cNvPr>
@@ -2256,7 +2279,7 @@
           <p:cNvPr id="5" name="PlaceHolder 4">
             <a:extLst>
               <a:ext uri="{FF2B5EF4-FFF2-40B4-BE49-F238E27FC236}">
-                <a16:creationId xmlns:a16="http://schemas.microsoft.com/office/drawing/2014/main" id="{B7EB269B-54EC-481D-B745-CD833F25A396}"/>
+                <a16:creationId xmlns:a16="http://schemas.microsoft.com/office/drawing/2014/main" id="{1756CF89-56A8-4DB3-B00B-34B79FBAA5B5}"/>
               </a:ext>
             </a:extLst>
           </p:cNvPr>
@@ -2289,7 +2312,7 @@
           <p:cNvPr id="6" name="PlaceHolder 5">
             <a:extLst>
               <a:ext uri="{FF2B5EF4-FFF2-40B4-BE49-F238E27FC236}">
-                <a16:creationId xmlns:a16="http://schemas.microsoft.com/office/drawing/2014/main" id="{53719381-B6F9-4166-8F93-52F5E90143F0}"/>
+                <a16:creationId xmlns:a16="http://schemas.microsoft.com/office/drawing/2014/main" id="{00B295AC-4D5E-4AE1-BC90-FD453E630FF2}"/>
               </a:ext>
             </a:extLst>
           </p:cNvPr>
@@ -2322,7 +2345,7 @@
           <p:cNvPr id="7" name="PlaceHolder 6">
             <a:extLst>
               <a:ext uri="{FF2B5EF4-FFF2-40B4-BE49-F238E27FC236}">
-                <a16:creationId xmlns:a16="http://schemas.microsoft.com/office/drawing/2014/main" id="{C8ED1ADE-35DB-4EE7-BE86-30F9F58D2636}"/>
+                <a16:creationId xmlns:a16="http://schemas.microsoft.com/office/drawing/2014/main" id="{72849A74-606C-4903-A7DE-EC22A43C2523}"/>
               </a:ext>
             </a:extLst>
           </p:cNvPr>
@@ -2343,7 +2366,7 @@
           <a:lstStyle/>
           <a:p>
             <a:pPr lvl="0"/>
-            <a:fld id="{B41FD732-EF42-4D5A-9427-CEAD4A5C52DA}" type="slidenum">
+            <a:fld id="{4D5EF58F-E226-410A-95FE-C5F42D21ED26}" type="slidenum">
               <a:t>14</a:t>
             </a:fld>
             <a:endParaRPr lang="es-ES"/>
@@ -2355,7 +2378,7 @@
           <p:cNvPr id="2" name="Marcador de imagen de diapositiva 1">
             <a:extLst>
               <a:ext uri="{FF2B5EF4-FFF2-40B4-BE49-F238E27FC236}">
-                <a16:creationId xmlns:a16="http://schemas.microsoft.com/office/drawing/2014/main" id="{04170479-1F76-41F3-8620-14B9F0956B5B}"/>
+                <a16:creationId xmlns:a16="http://schemas.microsoft.com/office/drawing/2014/main" id="{E195561E-986C-431D-92D0-9731CFECF89B}"/>
               </a:ext>
             </a:extLst>
           </p:cNvPr>
@@ -2387,7 +2410,7 @@
           <p:cNvPr id="3" name="Marcador de notas 2">
             <a:extLst>
               <a:ext uri="{FF2B5EF4-FFF2-40B4-BE49-F238E27FC236}">
-                <a16:creationId xmlns:a16="http://schemas.microsoft.com/office/drawing/2014/main" id="{C53A4FA4-4A62-48AD-89FD-ECF77DC14803}"/>
+                <a16:creationId xmlns:a16="http://schemas.microsoft.com/office/drawing/2014/main" id="{BB063B43-DFFA-4013-B597-51BF8A6EDA87}"/>
               </a:ext>
             </a:extLst>
           </p:cNvPr>
@@ -2403,6 +2426,738 @@
           <a:bodyPr/>
           <a:lstStyle/>
           <a:p>
+            <a:pPr marL="342900" indent="-342900" hangingPunct="0">
+              <a:buFontTx/>
+              <a:buChar char="-"/>
+            </a:pPr>
+            <a:r>
+              <a:rPr lang="en-US" dirty="0" err="1">
+                <a:latin typeface="Liberation Sans" pitchFamily="18"/>
+              </a:rPr>
+              <a:t>Comentar</a:t>
+            </a:r>
+            <a:r>
+              <a:rPr lang="en-US" dirty="0">
+                <a:latin typeface="Liberation Sans" pitchFamily="18"/>
+              </a:rPr>
+              <a:t> que SCOPE != </a:t>
+            </a:r>
+            <a:r>
+              <a:rPr lang="en-US" dirty="0" err="1">
+                <a:latin typeface="Liberation Sans" pitchFamily="18"/>
+              </a:rPr>
+              <a:t>Permisos</a:t>
+            </a:r>
+            <a:r>
+              <a:rPr lang="en-US" dirty="0">
+                <a:latin typeface="Liberation Sans" pitchFamily="18"/>
+              </a:rPr>
+              <a:t>. </a:t>
+            </a:r>
+            <a:r>
+              <a:rPr lang="en-US" dirty="0" err="1">
+                <a:latin typeface="Liberation Sans" pitchFamily="18"/>
+              </a:rPr>
+              <a:t>En</a:t>
+            </a:r>
+            <a:r>
+              <a:rPr lang="en-US" dirty="0">
+                <a:latin typeface="Liberation Sans" pitchFamily="18"/>
+              </a:rPr>
+              <a:t> WNF_AUDC_CAPTURE solo </a:t>
+            </a:r>
+            <a:r>
+              <a:rPr lang="en-US" dirty="0" err="1">
+                <a:latin typeface="Liberation Sans" pitchFamily="18"/>
+              </a:rPr>
+              <a:t>el</a:t>
+            </a:r>
+            <a:r>
+              <a:rPr lang="en-US" dirty="0">
+                <a:latin typeface="Liberation Sans" pitchFamily="18"/>
+              </a:rPr>
+              <a:t> scope SYSTEM sera </a:t>
+            </a:r>
+            <a:r>
+              <a:rPr lang="en-US" dirty="0" err="1">
+                <a:latin typeface="Liberation Sans" pitchFamily="18"/>
+              </a:rPr>
+              <a:t>notificado</a:t>
+            </a:r>
+            <a:r>
+              <a:rPr lang="en-US" dirty="0">
+                <a:latin typeface="Liberation Sans" pitchFamily="18"/>
+              </a:rPr>
+              <a:t>, </a:t>
+            </a:r>
+            <a:r>
+              <a:rPr lang="en-US" dirty="0" err="1">
+                <a:latin typeface="Liberation Sans" pitchFamily="18"/>
+              </a:rPr>
+              <a:t>pero</a:t>
+            </a:r>
+            <a:r>
+              <a:rPr lang="en-US" dirty="0">
+                <a:latin typeface="Liberation Sans" pitchFamily="18"/>
+              </a:rPr>
+              <a:t> </a:t>
+            </a:r>
+            <a:r>
+              <a:rPr lang="en-US" dirty="0" err="1">
+                <a:latin typeface="Liberation Sans" pitchFamily="18"/>
+              </a:rPr>
+              <a:t>unicamente</a:t>
+            </a:r>
+            <a:r>
+              <a:rPr lang="en-US" dirty="0">
+                <a:latin typeface="Liberation Sans" pitchFamily="18"/>
+              </a:rPr>
+              <a:t> un </a:t>
+            </a:r>
+            <a:r>
+              <a:rPr lang="en-US" dirty="0" err="1">
+                <a:latin typeface="Liberation Sans" pitchFamily="18"/>
+              </a:rPr>
+              <a:t>servicio</a:t>
+            </a:r>
+            <a:r>
+              <a:rPr lang="en-US" dirty="0">
+                <a:latin typeface="Liberation Sans" pitchFamily="18"/>
+              </a:rPr>
+              <a:t> </a:t>
+            </a:r>
+            <a:r>
+              <a:rPr lang="en-US" dirty="0" err="1">
+                <a:latin typeface="Liberation Sans" pitchFamily="18"/>
+              </a:rPr>
+              <a:t>puede</a:t>
+            </a:r>
+            <a:r>
+              <a:rPr lang="en-US" dirty="0">
+                <a:latin typeface="Liberation Sans" pitchFamily="18"/>
+              </a:rPr>
+              <a:t> </a:t>
+            </a:r>
+            <a:r>
+              <a:rPr lang="en-US" dirty="0" err="1">
+                <a:latin typeface="Liberation Sans" pitchFamily="18"/>
+              </a:rPr>
+              <a:t>modificarlo</a:t>
+            </a:r>
+            <a:r>
+              <a:rPr lang="en-US" dirty="0">
+                <a:latin typeface="Liberation Sans" pitchFamily="18"/>
+              </a:rPr>
+              <a:t> (</a:t>
+            </a:r>
+            <a:r>
+              <a:rPr lang="en-US" dirty="0" err="1">
+                <a:latin typeface="Liberation Sans" pitchFamily="18"/>
+              </a:rPr>
+              <a:t>ver</a:t>
+            </a:r>
+            <a:r>
+              <a:rPr lang="en-US" dirty="0">
+                <a:latin typeface="Liberation Sans" pitchFamily="18"/>
+              </a:rPr>
+              <a:t> </a:t>
+            </a:r>
+            <a:r>
+              <a:rPr lang="en-US" dirty="0" err="1">
+                <a:latin typeface="Liberation Sans" pitchFamily="18"/>
+              </a:rPr>
+              <a:t>el</a:t>
+            </a:r>
+            <a:r>
+              <a:rPr lang="en-US" dirty="0">
+                <a:latin typeface="Liberation Sans" pitchFamily="18"/>
+              </a:rPr>
+              <a:t> security descriptor)</a:t>
+            </a:r>
+          </a:p>
+        </p:txBody>
+      </p:sp>
+    </p:spTree>
+    <p:extLst>
+      <p:ext uri="{BB962C8B-B14F-4D97-AF65-F5344CB8AC3E}">
+        <p14:creationId xmlns:p14="http://schemas.microsoft.com/office/powerpoint/2010/main" val="430886986"/>
+      </p:ext>
+    </p:extLst>
+  </p:cSld>
+  <p:clrMapOvr>
+    <a:masterClrMapping/>
+  </p:clrMapOvr>
+</p:notes>
+</file>
+
+<file path=ppt/notesSlides/notesSlide15.xml><?xml version="1.0" encoding="utf-8"?>
+<p:notes xmlns:a="http://schemas.openxmlformats.org/drawingml/2006/main" xmlns:r="http://schemas.openxmlformats.org/officeDocument/2006/relationships" xmlns:p="http://schemas.openxmlformats.org/presentationml/2006/main">
+  <p:cSld>
+    <p:spTree>
+      <p:nvGrpSpPr>
+        <p:cNvPr id="1" name=""/>
+        <p:cNvGrpSpPr/>
+        <p:nvPr/>
+      </p:nvGrpSpPr>
+      <p:grpSpPr>
+        <a:xfrm>
+          <a:off x="0" y="0"/>
+          <a:ext cx="0" cy="0"/>
+          <a:chOff x="0" y="0"/>
+          <a:chExt cx="0" cy="0"/>
+        </a:xfrm>
+      </p:grpSpPr>
+      <p:sp>
+        <p:nvSpPr>
+          <p:cNvPr id="4" name="PlaceHolder 3">
+            <a:extLst>
+              <a:ext uri="{FF2B5EF4-FFF2-40B4-BE49-F238E27FC236}">
+                <a16:creationId xmlns:a16="http://schemas.microsoft.com/office/drawing/2014/main" id="{B408EF08-45D5-4D01-9D79-BB0CDDC0CF71}"/>
+              </a:ext>
+            </a:extLst>
+          </p:cNvPr>
+          <p:cNvSpPr txBox="1">
+            <a:spLocks noGrp="1"/>
+          </p:cNvSpPr>
+          <p:nvPr>
+            <p:ph type="hdr" sz="quarter"/>
+          </p:nvPr>
+        </p:nvSpPr>
+        <p:spPr>
+          <a:ln/>
+        </p:spPr>
+        <p:txBody>
+          <a:bodyPr vert="horz" wrap="square" lIns="0" tIns="0" rIns="0" bIns="0" anchor="t" anchorCtr="0">
+            <a:noAutofit/>
+          </a:bodyPr>
+          <a:lstStyle/>
+          <a:p>
+            <a:pPr lvl="0"/>
+            <a:r>
+              <a:rPr lang="es-ES"/>
+              <a:t> </a:t>
+            </a:r>
+          </a:p>
+        </p:txBody>
+      </p:sp>
+      <p:sp>
+        <p:nvSpPr>
+          <p:cNvPr id="5" name="PlaceHolder 4">
+            <a:extLst>
+              <a:ext uri="{FF2B5EF4-FFF2-40B4-BE49-F238E27FC236}">
+                <a16:creationId xmlns:a16="http://schemas.microsoft.com/office/drawing/2014/main" id="{1756CF89-56A8-4DB3-B00B-34B79FBAA5B5}"/>
+              </a:ext>
+            </a:extLst>
+          </p:cNvPr>
+          <p:cNvSpPr txBox="1">
+            <a:spLocks noGrp="1"/>
+          </p:cNvSpPr>
+          <p:nvPr>
+            <p:ph type="dt" idx="1"/>
+          </p:nvPr>
+        </p:nvSpPr>
+        <p:spPr>
+          <a:ln/>
+        </p:spPr>
+        <p:txBody>
+          <a:bodyPr vert="horz" wrap="square" lIns="0" tIns="0" rIns="0" bIns="0" anchor="t" anchorCtr="0">
+            <a:noAutofit/>
+          </a:bodyPr>
+          <a:lstStyle/>
+          <a:p>
+            <a:pPr lvl="0"/>
+            <a:r>
+              <a:rPr lang="es-ES"/>
+              <a:t>&lt;date/time&gt;</a:t>
+            </a:r>
+          </a:p>
+        </p:txBody>
+      </p:sp>
+      <p:sp>
+        <p:nvSpPr>
+          <p:cNvPr id="6" name="PlaceHolder 5">
+            <a:extLst>
+              <a:ext uri="{FF2B5EF4-FFF2-40B4-BE49-F238E27FC236}">
+                <a16:creationId xmlns:a16="http://schemas.microsoft.com/office/drawing/2014/main" id="{00B295AC-4D5E-4AE1-BC90-FD453E630FF2}"/>
+              </a:ext>
+            </a:extLst>
+          </p:cNvPr>
+          <p:cNvSpPr txBox="1">
+            <a:spLocks noGrp="1"/>
+          </p:cNvSpPr>
+          <p:nvPr>
+            <p:ph type="ftr" sz="quarter" idx="4"/>
+          </p:nvPr>
+        </p:nvSpPr>
+        <p:spPr>
+          <a:ln/>
+        </p:spPr>
+        <p:txBody>
+          <a:bodyPr vert="horz" wrap="square" lIns="0" tIns="0" rIns="0" bIns="0" anchor="b" anchorCtr="0">
+            <a:noAutofit/>
+          </a:bodyPr>
+          <a:lstStyle/>
+          <a:p>
+            <a:pPr lvl="0"/>
+            <a:r>
+              <a:rPr lang="es-ES"/>
+              <a:t>&lt;footer&gt;</a:t>
+            </a:r>
+          </a:p>
+        </p:txBody>
+      </p:sp>
+      <p:sp>
+        <p:nvSpPr>
+          <p:cNvPr id="7" name="PlaceHolder 6">
+            <a:extLst>
+              <a:ext uri="{FF2B5EF4-FFF2-40B4-BE49-F238E27FC236}">
+                <a16:creationId xmlns:a16="http://schemas.microsoft.com/office/drawing/2014/main" id="{72849A74-606C-4903-A7DE-EC22A43C2523}"/>
+              </a:ext>
+            </a:extLst>
+          </p:cNvPr>
+          <p:cNvSpPr txBox="1">
+            <a:spLocks noGrp="1"/>
+          </p:cNvSpPr>
+          <p:nvPr>
+            <p:ph type="sldNum" sz="quarter" idx="5"/>
+          </p:nvPr>
+        </p:nvSpPr>
+        <p:spPr>
+          <a:ln/>
+        </p:spPr>
+        <p:txBody>
+          <a:bodyPr vert="horz" wrap="square" lIns="0" tIns="0" rIns="0" bIns="0" anchor="b" anchorCtr="0">
+            <a:noAutofit/>
+          </a:bodyPr>
+          <a:lstStyle/>
+          <a:p>
+            <a:pPr lvl="0"/>
+            <a:fld id="{4D5EF58F-E226-410A-95FE-C5F42D21ED26}" type="slidenum">
+              <a:t>15</a:t>
+            </a:fld>
+            <a:endParaRPr lang="es-ES"/>
+          </a:p>
+        </p:txBody>
+      </p:sp>
+      <p:sp>
+        <p:nvSpPr>
+          <p:cNvPr id="2" name="Marcador de imagen de diapositiva 1">
+            <a:extLst>
+              <a:ext uri="{FF2B5EF4-FFF2-40B4-BE49-F238E27FC236}">
+                <a16:creationId xmlns:a16="http://schemas.microsoft.com/office/drawing/2014/main" id="{E195561E-986C-431D-92D0-9731CFECF89B}"/>
+              </a:ext>
+            </a:extLst>
+          </p:cNvPr>
+          <p:cNvSpPr>
+            <a:spLocks noGrp="1" noRot="1" noChangeAspect="1" noResize="1"/>
+          </p:cNvSpPr>
+          <p:nvPr>
+            <p:ph type="sldImg"/>
+          </p:nvPr>
+        </p:nvSpPr>
+        <p:spPr>
+          <a:xfrm>
+            <a:off x="217488" y="812800"/>
+            <a:ext cx="7124700" cy="4008438"/>
+          </a:xfrm>
+          <a:solidFill>
+            <a:srgbClr val="5B9BD5"/>
+          </a:solidFill>
+          <a:ln w="25560" cap="flat">
+            <a:solidFill>
+              <a:srgbClr val="41719C"/>
+            </a:solidFill>
+            <a:prstDash val="solid"/>
+          </a:ln>
+        </p:spPr>
+      </p:sp>
+      <p:sp>
+        <p:nvSpPr>
+          <p:cNvPr id="3" name="Marcador de notas 2">
+            <a:extLst>
+              <a:ext uri="{FF2B5EF4-FFF2-40B4-BE49-F238E27FC236}">
+                <a16:creationId xmlns:a16="http://schemas.microsoft.com/office/drawing/2014/main" id="{BB063B43-DFFA-4013-B597-51BF8A6EDA87}"/>
+              </a:ext>
+            </a:extLst>
+          </p:cNvPr>
+          <p:cNvSpPr txBox="1">
+            <a:spLocks noGrp="1"/>
+          </p:cNvSpPr>
+          <p:nvPr>
+            <p:ph type="body" sz="quarter" idx="1"/>
+          </p:nvPr>
+        </p:nvSpPr>
+        <p:spPr/>
+        <p:txBody>
+          <a:bodyPr/>
+          <a:lstStyle/>
+          <a:p>
+            <a:pPr marL="342900" indent="-342900" hangingPunct="0">
+              <a:buFontTx/>
+              <a:buChar char="-"/>
+            </a:pPr>
+            <a:r>
+              <a:rPr lang="en-US" dirty="0" err="1">
+                <a:latin typeface="Liberation Sans" pitchFamily="18"/>
+              </a:rPr>
+              <a:t>Comentar</a:t>
+            </a:r>
+            <a:r>
+              <a:rPr lang="en-US" dirty="0">
+                <a:latin typeface="Liberation Sans" pitchFamily="18"/>
+              </a:rPr>
+              <a:t> que SCOPE != </a:t>
+            </a:r>
+            <a:r>
+              <a:rPr lang="en-US" dirty="0" err="1">
+                <a:latin typeface="Liberation Sans" pitchFamily="18"/>
+              </a:rPr>
+              <a:t>Permisos</a:t>
+            </a:r>
+            <a:r>
+              <a:rPr lang="en-US" dirty="0">
+                <a:latin typeface="Liberation Sans" pitchFamily="18"/>
+              </a:rPr>
+              <a:t>. </a:t>
+            </a:r>
+            <a:r>
+              <a:rPr lang="en-US" dirty="0" err="1">
+                <a:latin typeface="Liberation Sans" pitchFamily="18"/>
+              </a:rPr>
+              <a:t>En</a:t>
+            </a:r>
+            <a:r>
+              <a:rPr lang="en-US" dirty="0">
+                <a:latin typeface="Liberation Sans" pitchFamily="18"/>
+              </a:rPr>
+              <a:t> WNF_AUDC_CAPTURE solo </a:t>
+            </a:r>
+            <a:r>
+              <a:rPr lang="en-US" dirty="0" err="1">
+                <a:latin typeface="Liberation Sans" pitchFamily="18"/>
+              </a:rPr>
+              <a:t>el</a:t>
+            </a:r>
+            <a:r>
+              <a:rPr lang="en-US" dirty="0">
+                <a:latin typeface="Liberation Sans" pitchFamily="18"/>
+              </a:rPr>
+              <a:t> scope SYSTEM sera </a:t>
+            </a:r>
+            <a:r>
+              <a:rPr lang="en-US" dirty="0" err="1">
+                <a:latin typeface="Liberation Sans" pitchFamily="18"/>
+              </a:rPr>
+              <a:t>notificado</a:t>
+            </a:r>
+            <a:r>
+              <a:rPr lang="en-US" dirty="0">
+                <a:latin typeface="Liberation Sans" pitchFamily="18"/>
+              </a:rPr>
+              <a:t>, </a:t>
+            </a:r>
+            <a:r>
+              <a:rPr lang="en-US" dirty="0" err="1">
+                <a:latin typeface="Liberation Sans" pitchFamily="18"/>
+              </a:rPr>
+              <a:t>pero</a:t>
+            </a:r>
+            <a:r>
+              <a:rPr lang="en-US" dirty="0">
+                <a:latin typeface="Liberation Sans" pitchFamily="18"/>
+              </a:rPr>
+              <a:t> </a:t>
+            </a:r>
+            <a:r>
+              <a:rPr lang="en-US" dirty="0" err="1">
+                <a:latin typeface="Liberation Sans" pitchFamily="18"/>
+              </a:rPr>
+              <a:t>unicamente</a:t>
+            </a:r>
+            <a:r>
+              <a:rPr lang="en-US" dirty="0">
+                <a:latin typeface="Liberation Sans" pitchFamily="18"/>
+              </a:rPr>
+              <a:t> un </a:t>
+            </a:r>
+            <a:r>
+              <a:rPr lang="en-US" dirty="0" err="1">
+                <a:latin typeface="Liberation Sans" pitchFamily="18"/>
+              </a:rPr>
+              <a:t>servicio</a:t>
+            </a:r>
+            <a:r>
+              <a:rPr lang="en-US" dirty="0">
+                <a:latin typeface="Liberation Sans" pitchFamily="18"/>
+              </a:rPr>
+              <a:t> </a:t>
+            </a:r>
+            <a:r>
+              <a:rPr lang="en-US" dirty="0" err="1">
+                <a:latin typeface="Liberation Sans" pitchFamily="18"/>
+              </a:rPr>
+              <a:t>puede</a:t>
+            </a:r>
+            <a:r>
+              <a:rPr lang="en-US" dirty="0">
+                <a:latin typeface="Liberation Sans" pitchFamily="18"/>
+              </a:rPr>
+              <a:t> </a:t>
+            </a:r>
+            <a:r>
+              <a:rPr lang="en-US" dirty="0" err="1">
+                <a:latin typeface="Liberation Sans" pitchFamily="18"/>
+              </a:rPr>
+              <a:t>modificarlo</a:t>
+            </a:r>
+            <a:r>
+              <a:rPr lang="en-US" dirty="0">
+                <a:latin typeface="Liberation Sans" pitchFamily="18"/>
+              </a:rPr>
+              <a:t> (</a:t>
+            </a:r>
+            <a:r>
+              <a:rPr lang="en-US" dirty="0" err="1">
+                <a:latin typeface="Liberation Sans" pitchFamily="18"/>
+              </a:rPr>
+              <a:t>ver</a:t>
+            </a:r>
+            <a:r>
+              <a:rPr lang="en-US" dirty="0">
+                <a:latin typeface="Liberation Sans" pitchFamily="18"/>
+              </a:rPr>
+              <a:t> </a:t>
+            </a:r>
+            <a:r>
+              <a:rPr lang="en-US" dirty="0" err="1">
+                <a:latin typeface="Liberation Sans" pitchFamily="18"/>
+              </a:rPr>
+              <a:t>el</a:t>
+            </a:r>
+            <a:r>
+              <a:rPr lang="en-US" dirty="0">
+                <a:latin typeface="Liberation Sans" pitchFamily="18"/>
+              </a:rPr>
+              <a:t> security descriptor)</a:t>
+            </a:r>
+          </a:p>
+        </p:txBody>
+      </p:sp>
+    </p:spTree>
+    <p:extLst>
+      <p:ext uri="{BB962C8B-B14F-4D97-AF65-F5344CB8AC3E}">
+        <p14:creationId xmlns:p14="http://schemas.microsoft.com/office/powerpoint/2010/main" val="3153973767"/>
+      </p:ext>
+    </p:extLst>
+  </p:cSld>
+  <p:clrMapOvr>
+    <a:masterClrMapping/>
+  </p:clrMapOvr>
+</p:notes>
+</file>
+
+<file path=ppt/notesSlides/notesSlide16.xml><?xml version="1.0" encoding="utf-8"?>
+<p:notes xmlns:a="http://schemas.openxmlformats.org/drawingml/2006/main" xmlns:r="http://schemas.openxmlformats.org/officeDocument/2006/relationships" xmlns:p="http://schemas.openxmlformats.org/presentationml/2006/main">
+  <p:cSld>
+    <p:spTree>
+      <p:nvGrpSpPr>
+        <p:cNvPr id="1" name=""/>
+        <p:cNvGrpSpPr/>
+        <p:nvPr/>
+      </p:nvGrpSpPr>
+      <p:grpSpPr>
+        <a:xfrm>
+          <a:off x="0" y="0"/>
+          <a:ext cx="0" cy="0"/>
+          <a:chOff x="0" y="0"/>
+          <a:chExt cx="0" cy="0"/>
+        </a:xfrm>
+      </p:grpSpPr>
+      <p:sp>
+        <p:nvSpPr>
+          <p:cNvPr id="4" name="PlaceHolder 3">
+            <a:extLst>
+              <a:ext uri="{FF2B5EF4-FFF2-40B4-BE49-F238E27FC236}">
+                <a16:creationId xmlns:a16="http://schemas.microsoft.com/office/drawing/2014/main" id="{B383EF30-2ACC-48ED-A23B-D38CD41C987F}"/>
+              </a:ext>
+            </a:extLst>
+          </p:cNvPr>
+          <p:cNvSpPr txBox="1">
+            <a:spLocks noGrp="1"/>
+          </p:cNvSpPr>
+          <p:nvPr>
+            <p:ph type="hdr" sz="quarter"/>
+          </p:nvPr>
+        </p:nvSpPr>
+        <p:spPr>
+          <a:ln/>
+        </p:spPr>
+        <p:txBody>
+          <a:bodyPr vert="horz" wrap="square" lIns="0" tIns="0" rIns="0" bIns="0" anchor="t" anchorCtr="0">
+            <a:noAutofit/>
+          </a:bodyPr>
+          <a:lstStyle/>
+          <a:p>
+            <a:pPr lvl="0"/>
+            <a:r>
+              <a:rPr lang="es-ES"/>
+              <a:t> </a:t>
+            </a:r>
+          </a:p>
+        </p:txBody>
+      </p:sp>
+      <p:sp>
+        <p:nvSpPr>
+          <p:cNvPr id="5" name="PlaceHolder 4">
+            <a:extLst>
+              <a:ext uri="{FF2B5EF4-FFF2-40B4-BE49-F238E27FC236}">
+                <a16:creationId xmlns:a16="http://schemas.microsoft.com/office/drawing/2014/main" id="{B7EB269B-54EC-481D-B745-CD833F25A396}"/>
+              </a:ext>
+            </a:extLst>
+          </p:cNvPr>
+          <p:cNvSpPr txBox="1">
+            <a:spLocks noGrp="1"/>
+          </p:cNvSpPr>
+          <p:nvPr>
+            <p:ph type="dt" idx="1"/>
+          </p:nvPr>
+        </p:nvSpPr>
+        <p:spPr>
+          <a:ln/>
+        </p:spPr>
+        <p:txBody>
+          <a:bodyPr vert="horz" wrap="square" lIns="0" tIns="0" rIns="0" bIns="0" anchor="t" anchorCtr="0">
+            <a:noAutofit/>
+          </a:bodyPr>
+          <a:lstStyle/>
+          <a:p>
+            <a:pPr lvl="0"/>
+            <a:r>
+              <a:rPr lang="es-ES"/>
+              <a:t>&lt;date/time&gt;</a:t>
+            </a:r>
+          </a:p>
+        </p:txBody>
+      </p:sp>
+      <p:sp>
+        <p:nvSpPr>
+          <p:cNvPr id="6" name="PlaceHolder 5">
+            <a:extLst>
+              <a:ext uri="{FF2B5EF4-FFF2-40B4-BE49-F238E27FC236}">
+                <a16:creationId xmlns:a16="http://schemas.microsoft.com/office/drawing/2014/main" id="{53719381-B6F9-4166-8F93-52F5E90143F0}"/>
+              </a:ext>
+            </a:extLst>
+          </p:cNvPr>
+          <p:cNvSpPr txBox="1">
+            <a:spLocks noGrp="1"/>
+          </p:cNvSpPr>
+          <p:nvPr>
+            <p:ph type="ftr" sz="quarter" idx="4"/>
+          </p:nvPr>
+        </p:nvSpPr>
+        <p:spPr>
+          <a:ln/>
+        </p:spPr>
+        <p:txBody>
+          <a:bodyPr vert="horz" wrap="square" lIns="0" tIns="0" rIns="0" bIns="0" anchor="b" anchorCtr="0">
+            <a:noAutofit/>
+          </a:bodyPr>
+          <a:lstStyle/>
+          <a:p>
+            <a:pPr lvl="0"/>
+            <a:r>
+              <a:rPr lang="es-ES"/>
+              <a:t>&lt;footer&gt;</a:t>
+            </a:r>
+          </a:p>
+        </p:txBody>
+      </p:sp>
+      <p:sp>
+        <p:nvSpPr>
+          <p:cNvPr id="7" name="PlaceHolder 6">
+            <a:extLst>
+              <a:ext uri="{FF2B5EF4-FFF2-40B4-BE49-F238E27FC236}">
+                <a16:creationId xmlns:a16="http://schemas.microsoft.com/office/drawing/2014/main" id="{C8ED1ADE-35DB-4EE7-BE86-30F9F58D2636}"/>
+              </a:ext>
+            </a:extLst>
+          </p:cNvPr>
+          <p:cNvSpPr txBox="1">
+            <a:spLocks noGrp="1"/>
+          </p:cNvSpPr>
+          <p:nvPr>
+            <p:ph type="sldNum" sz="quarter" idx="5"/>
+          </p:nvPr>
+        </p:nvSpPr>
+        <p:spPr>
+          <a:ln/>
+        </p:spPr>
+        <p:txBody>
+          <a:bodyPr vert="horz" wrap="square" lIns="0" tIns="0" rIns="0" bIns="0" anchor="b" anchorCtr="0">
+            <a:noAutofit/>
+          </a:bodyPr>
+          <a:lstStyle/>
+          <a:p>
+            <a:pPr lvl="0"/>
+            <a:fld id="{B41FD732-EF42-4D5A-9427-CEAD4A5C52DA}" type="slidenum">
+              <a:t>16</a:t>
+            </a:fld>
+            <a:endParaRPr lang="es-ES"/>
+          </a:p>
+        </p:txBody>
+      </p:sp>
+      <p:sp>
+        <p:nvSpPr>
+          <p:cNvPr id="2" name="Marcador de imagen de diapositiva 1">
+            <a:extLst>
+              <a:ext uri="{FF2B5EF4-FFF2-40B4-BE49-F238E27FC236}">
+                <a16:creationId xmlns:a16="http://schemas.microsoft.com/office/drawing/2014/main" id="{04170479-1F76-41F3-8620-14B9F0956B5B}"/>
+              </a:ext>
+            </a:extLst>
+          </p:cNvPr>
+          <p:cNvSpPr>
+            <a:spLocks noGrp="1" noRot="1" noChangeAspect="1" noResize="1"/>
+          </p:cNvSpPr>
+          <p:nvPr>
+            <p:ph type="sldImg"/>
+          </p:nvPr>
+        </p:nvSpPr>
+        <p:spPr>
+          <a:xfrm>
+            <a:off x="217488" y="812800"/>
+            <a:ext cx="7124700" cy="4008438"/>
+          </a:xfrm>
+          <a:solidFill>
+            <a:srgbClr val="5B9BD5"/>
+          </a:solidFill>
+          <a:ln w="25560" cap="flat">
+            <a:solidFill>
+              <a:srgbClr val="41719C"/>
+            </a:solidFill>
+            <a:prstDash val="solid"/>
+          </a:ln>
+        </p:spPr>
+      </p:sp>
+      <p:sp>
+        <p:nvSpPr>
+          <p:cNvPr id="3" name="Marcador de notas 2">
+            <a:extLst>
+              <a:ext uri="{FF2B5EF4-FFF2-40B4-BE49-F238E27FC236}">
+                <a16:creationId xmlns:a16="http://schemas.microsoft.com/office/drawing/2014/main" id="{C53A4FA4-4A62-48AD-89FD-ECF77DC14803}"/>
+              </a:ext>
+            </a:extLst>
+          </p:cNvPr>
+          <p:cNvSpPr txBox="1">
+            <a:spLocks noGrp="1"/>
+          </p:cNvSpPr>
+          <p:nvPr>
+            <p:ph type="body" sz="quarter" idx="1"/>
+          </p:nvPr>
+        </p:nvSpPr>
+        <p:spPr/>
+        <p:txBody>
+          <a:bodyPr/>
+          <a:lstStyle/>
+          <a:p>
             <a:pPr marL="216000" indent="-216000" hangingPunct="0"/>
             <a:endParaRPr lang="en-US">
               <a:latin typeface="Liberation Sans" pitchFamily="18"/>
@@ -2413,9 +3168,676 @@
     </p:spTree>
     <p:extLst>
       <p:ext uri="{BB962C8B-B14F-4D97-AF65-F5344CB8AC3E}">
-        <p14:creationId xmlns:p14="http://schemas.microsoft.com/office/powerpoint/2010/main" val="3606565462"/>
+        <p14:creationId xmlns:p14="http://schemas.microsoft.com/office/powerpoint/2010/main" val="768770011"/>
       </p:ext>
     </p:extLst>
+  </p:cSld>
+  <p:clrMapOvr>
+    <a:masterClrMapping/>
+  </p:clrMapOvr>
+</p:notes>
+</file>
+
+<file path=ppt/notesSlides/notesSlide17.xml><?xml version="1.0" encoding="utf-8"?>
+<p:notes xmlns:a="http://schemas.openxmlformats.org/drawingml/2006/main" xmlns:r="http://schemas.openxmlformats.org/officeDocument/2006/relationships" xmlns:p="http://schemas.openxmlformats.org/presentationml/2006/main">
+  <p:cSld>
+    <p:spTree>
+      <p:nvGrpSpPr>
+        <p:cNvPr id="1" name=""/>
+        <p:cNvGrpSpPr/>
+        <p:nvPr/>
+      </p:nvGrpSpPr>
+      <p:grpSpPr>
+        <a:xfrm>
+          <a:off x="0" y="0"/>
+          <a:ext cx="0" cy="0"/>
+          <a:chOff x="0" y="0"/>
+          <a:chExt cx="0" cy="0"/>
+        </a:xfrm>
+      </p:grpSpPr>
+      <p:sp>
+        <p:nvSpPr>
+          <p:cNvPr id="4" name="PlaceHolder 3">
+            <a:extLst>
+              <a:ext uri="{FF2B5EF4-FFF2-40B4-BE49-F238E27FC236}">
+                <a16:creationId xmlns:a16="http://schemas.microsoft.com/office/drawing/2014/main" id="{B408EF08-45D5-4D01-9D79-BB0CDDC0CF71}"/>
+              </a:ext>
+            </a:extLst>
+          </p:cNvPr>
+          <p:cNvSpPr txBox="1">
+            <a:spLocks noGrp="1"/>
+          </p:cNvSpPr>
+          <p:nvPr>
+            <p:ph type="hdr" sz="quarter"/>
+          </p:nvPr>
+        </p:nvSpPr>
+        <p:spPr>
+          <a:ln/>
+        </p:spPr>
+        <p:txBody>
+          <a:bodyPr vert="horz" wrap="square" lIns="0" tIns="0" rIns="0" bIns="0" anchor="t" anchorCtr="0">
+            <a:noAutofit/>
+          </a:bodyPr>
+          <a:lstStyle/>
+          <a:p>
+            <a:pPr lvl="0"/>
+            <a:r>
+              <a:rPr lang="es-ES"/>
+              <a:t> </a:t>
+            </a:r>
+          </a:p>
+        </p:txBody>
+      </p:sp>
+      <p:sp>
+        <p:nvSpPr>
+          <p:cNvPr id="5" name="PlaceHolder 4">
+            <a:extLst>
+              <a:ext uri="{FF2B5EF4-FFF2-40B4-BE49-F238E27FC236}">
+                <a16:creationId xmlns:a16="http://schemas.microsoft.com/office/drawing/2014/main" id="{1756CF89-56A8-4DB3-B00B-34B79FBAA5B5}"/>
+              </a:ext>
+            </a:extLst>
+          </p:cNvPr>
+          <p:cNvSpPr txBox="1">
+            <a:spLocks noGrp="1"/>
+          </p:cNvSpPr>
+          <p:nvPr>
+            <p:ph type="dt" idx="1"/>
+          </p:nvPr>
+        </p:nvSpPr>
+        <p:spPr>
+          <a:ln/>
+        </p:spPr>
+        <p:txBody>
+          <a:bodyPr vert="horz" wrap="square" lIns="0" tIns="0" rIns="0" bIns="0" anchor="t" anchorCtr="0">
+            <a:noAutofit/>
+          </a:bodyPr>
+          <a:lstStyle/>
+          <a:p>
+            <a:pPr lvl="0"/>
+            <a:r>
+              <a:rPr lang="es-ES"/>
+              <a:t>&lt;date/time&gt;</a:t>
+            </a:r>
+          </a:p>
+        </p:txBody>
+      </p:sp>
+      <p:sp>
+        <p:nvSpPr>
+          <p:cNvPr id="6" name="PlaceHolder 5">
+            <a:extLst>
+              <a:ext uri="{FF2B5EF4-FFF2-40B4-BE49-F238E27FC236}">
+                <a16:creationId xmlns:a16="http://schemas.microsoft.com/office/drawing/2014/main" id="{00B295AC-4D5E-4AE1-BC90-FD453E630FF2}"/>
+              </a:ext>
+            </a:extLst>
+          </p:cNvPr>
+          <p:cNvSpPr txBox="1">
+            <a:spLocks noGrp="1"/>
+          </p:cNvSpPr>
+          <p:nvPr>
+            <p:ph type="ftr" sz="quarter" idx="4"/>
+          </p:nvPr>
+        </p:nvSpPr>
+        <p:spPr>
+          <a:ln/>
+        </p:spPr>
+        <p:txBody>
+          <a:bodyPr vert="horz" wrap="square" lIns="0" tIns="0" rIns="0" bIns="0" anchor="b" anchorCtr="0">
+            <a:noAutofit/>
+          </a:bodyPr>
+          <a:lstStyle/>
+          <a:p>
+            <a:pPr lvl="0"/>
+            <a:r>
+              <a:rPr lang="es-ES"/>
+              <a:t>&lt;footer&gt;</a:t>
+            </a:r>
+          </a:p>
+        </p:txBody>
+      </p:sp>
+      <p:sp>
+        <p:nvSpPr>
+          <p:cNvPr id="7" name="PlaceHolder 6">
+            <a:extLst>
+              <a:ext uri="{FF2B5EF4-FFF2-40B4-BE49-F238E27FC236}">
+                <a16:creationId xmlns:a16="http://schemas.microsoft.com/office/drawing/2014/main" id="{72849A74-606C-4903-A7DE-EC22A43C2523}"/>
+              </a:ext>
+            </a:extLst>
+          </p:cNvPr>
+          <p:cNvSpPr txBox="1">
+            <a:spLocks noGrp="1"/>
+          </p:cNvSpPr>
+          <p:nvPr>
+            <p:ph type="sldNum" sz="quarter" idx="5"/>
+          </p:nvPr>
+        </p:nvSpPr>
+        <p:spPr>
+          <a:ln/>
+        </p:spPr>
+        <p:txBody>
+          <a:bodyPr vert="horz" wrap="square" lIns="0" tIns="0" rIns="0" bIns="0" anchor="b" anchorCtr="0">
+            <a:noAutofit/>
+          </a:bodyPr>
+          <a:lstStyle/>
+          <a:p>
+            <a:pPr lvl="0"/>
+            <a:fld id="{4D5EF58F-E226-410A-95FE-C5F42D21ED26}" type="slidenum">
+              <a:t>17</a:t>
+            </a:fld>
+            <a:endParaRPr lang="es-ES"/>
+          </a:p>
+        </p:txBody>
+      </p:sp>
+      <p:sp>
+        <p:nvSpPr>
+          <p:cNvPr id="2" name="Marcador de imagen de diapositiva 1">
+            <a:extLst>
+              <a:ext uri="{FF2B5EF4-FFF2-40B4-BE49-F238E27FC236}">
+                <a16:creationId xmlns:a16="http://schemas.microsoft.com/office/drawing/2014/main" id="{E195561E-986C-431D-92D0-9731CFECF89B}"/>
+              </a:ext>
+            </a:extLst>
+          </p:cNvPr>
+          <p:cNvSpPr>
+            <a:spLocks noGrp="1" noRot="1" noChangeAspect="1" noResize="1"/>
+          </p:cNvSpPr>
+          <p:nvPr>
+            <p:ph type="sldImg"/>
+          </p:nvPr>
+        </p:nvSpPr>
+        <p:spPr>
+          <a:xfrm>
+            <a:off x="217488" y="812800"/>
+            <a:ext cx="7124700" cy="4008438"/>
+          </a:xfrm>
+          <a:solidFill>
+            <a:srgbClr val="5B9BD5"/>
+          </a:solidFill>
+          <a:ln w="25560" cap="flat">
+            <a:solidFill>
+              <a:srgbClr val="41719C"/>
+            </a:solidFill>
+            <a:prstDash val="solid"/>
+          </a:ln>
+        </p:spPr>
+      </p:sp>
+      <p:sp>
+        <p:nvSpPr>
+          <p:cNvPr id="3" name="Marcador de notas 2">
+            <a:extLst>
+              <a:ext uri="{FF2B5EF4-FFF2-40B4-BE49-F238E27FC236}">
+                <a16:creationId xmlns:a16="http://schemas.microsoft.com/office/drawing/2014/main" id="{BB063B43-DFFA-4013-B597-51BF8A6EDA87}"/>
+              </a:ext>
+            </a:extLst>
+          </p:cNvPr>
+          <p:cNvSpPr txBox="1">
+            <a:spLocks noGrp="1"/>
+          </p:cNvSpPr>
+          <p:nvPr>
+            <p:ph type="body" sz="quarter" idx="1"/>
+          </p:nvPr>
+        </p:nvSpPr>
+        <p:spPr/>
+        <p:txBody>
+          <a:bodyPr/>
+          <a:lstStyle/>
+          <a:p>
+            <a:pPr marL="342900" indent="-342900" hangingPunct="0">
+              <a:buFontTx/>
+              <a:buChar char="-"/>
+            </a:pPr>
+            <a:endParaRPr lang="en-US" dirty="0">
+              <a:latin typeface="Liberation Sans" pitchFamily="18"/>
+            </a:endParaRPr>
+          </a:p>
+        </p:txBody>
+      </p:sp>
+    </p:spTree>
+    <p:extLst>
+      <p:ext uri="{BB962C8B-B14F-4D97-AF65-F5344CB8AC3E}">
+        <p14:creationId xmlns:p14="http://schemas.microsoft.com/office/powerpoint/2010/main" val="194087722"/>
+      </p:ext>
+    </p:extLst>
+  </p:cSld>
+  <p:clrMapOvr>
+    <a:masterClrMapping/>
+  </p:clrMapOvr>
+</p:notes>
+</file>
+
+<file path=ppt/notesSlides/notesSlide18.xml><?xml version="1.0" encoding="utf-8"?>
+<p:notes xmlns:a="http://schemas.openxmlformats.org/drawingml/2006/main" xmlns:r="http://schemas.openxmlformats.org/officeDocument/2006/relationships" xmlns:p="http://schemas.openxmlformats.org/presentationml/2006/main">
+  <p:cSld>
+    <p:spTree>
+      <p:nvGrpSpPr>
+        <p:cNvPr id="1" name=""/>
+        <p:cNvGrpSpPr/>
+        <p:nvPr/>
+      </p:nvGrpSpPr>
+      <p:grpSpPr>
+        <a:xfrm>
+          <a:off x="0" y="0"/>
+          <a:ext cx="0" cy="0"/>
+          <a:chOff x="0" y="0"/>
+          <a:chExt cx="0" cy="0"/>
+        </a:xfrm>
+      </p:grpSpPr>
+      <p:sp>
+        <p:nvSpPr>
+          <p:cNvPr id="4" name="PlaceHolder 3">
+            <a:extLst>
+              <a:ext uri="{FF2B5EF4-FFF2-40B4-BE49-F238E27FC236}">
+                <a16:creationId xmlns:a16="http://schemas.microsoft.com/office/drawing/2014/main" id="{B408EF08-45D5-4D01-9D79-BB0CDDC0CF71}"/>
+              </a:ext>
+            </a:extLst>
+          </p:cNvPr>
+          <p:cNvSpPr txBox="1">
+            <a:spLocks noGrp="1"/>
+          </p:cNvSpPr>
+          <p:nvPr>
+            <p:ph type="hdr" sz="quarter"/>
+          </p:nvPr>
+        </p:nvSpPr>
+        <p:spPr>
+          <a:ln/>
+        </p:spPr>
+        <p:txBody>
+          <a:bodyPr vert="horz" wrap="square" lIns="0" tIns="0" rIns="0" bIns="0" anchor="t" anchorCtr="0">
+            <a:noAutofit/>
+          </a:bodyPr>
+          <a:lstStyle/>
+          <a:p>
+            <a:pPr lvl="0"/>
+            <a:r>
+              <a:rPr lang="es-ES"/>
+              <a:t> </a:t>
+            </a:r>
+          </a:p>
+        </p:txBody>
+      </p:sp>
+      <p:sp>
+        <p:nvSpPr>
+          <p:cNvPr id="5" name="PlaceHolder 4">
+            <a:extLst>
+              <a:ext uri="{FF2B5EF4-FFF2-40B4-BE49-F238E27FC236}">
+                <a16:creationId xmlns:a16="http://schemas.microsoft.com/office/drawing/2014/main" id="{1756CF89-56A8-4DB3-B00B-34B79FBAA5B5}"/>
+              </a:ext>
+            </a:extLst>
+          </p:cNvPr>
+          <p:cNvSpPr txBox="1">
+            <a:spLocks noGrp="1"/>
+          </p:cNvSpPr>
+          <p:nvPr>
+            <p:ph type="dt" idx="1"/>
+          </p:nvPr>
+        </p:nvSpPr>
+        <p:spPr>
+          <a:ln/>
+        </p:spPr>
+        <p:txBody>
+          <a:bodyPr vert="horz" wrap="square" lIns="0" tIns="0" rIns="0" bIns="0" anchor="t" anchorCtr="0">
+            <a:noAutofit/>
+          </a:bodyPr>
+          <a:lstStyle/>
+          <a:p>
+            <a:pPr lvl="0"/>
+            <a:r>
+              <a:rPr lang="es-ES"/>
+              <a:t>&lt;date/time&gt;</a:t>
+            </a:r>
+          </a:p>
+        </p:txBody>
+      </p:sp>
+      <p:sp>
+        <p:nvSpPr>
+          <p:cNvPr id="6" name="PlaceHolder 5">
+            <a:extLst>
+              <a:ext uri="{FF2B5EF4-FFF2-40B4-BE49-F238E27FC236}">
+                <a16:creationId xmlns:a16="http://schemas.microsoft.com/office/drawing/2014/main" id="{00B295AC-4D5E-4AE1-BC90-FD453E630FF2}"/>
+              </a:ext>
+            </a:extLst>
+          </p:cNvPr>
+          <p:cNvSpPr txBox="1">
+            <a:spLocks noGrp="1"/>
+          </p:cNvSpPr>
+          <p:nvPr>
+            <p:ph type="ftr" sz="quarter" idx="4"/>
+          </p:nvPr>
+        </p:nvSpPr>
+        <p:spPr>
+          <a:ln/>
+        </p:spPr>
+        <p:txBody>
+          <a:bodyPr vert="horz" wrap="square" lIns="0" tIns="0" rIns="0" bIns="0" anchor="b" anchorCtr="0">
+            <a:noAutofit/>
+          </a:bodyPr>
+          <a:lstStyle/>
+          <a:p>
+            <a:pPr lvl="0"/>
+            <a:r>
+              <a:rPr lang="es-ES"/>
+              <a:t>&lt;footer&gt;</a:t>
+            </a:r>
+          </a:p>
+        </p:txBody>
+      </p:sp>
+      <p:sp>
+        <p:nvSpPr>
+          <p:cNvPr id="7" name="PlaceHolder 6">
+            <a:extLst>
+              <a:ext uri="{FF2B5EF4-FFF2-40B4-BE49-F238E27FC236}">
+                <a16:creationId xmlns:a16="http://schemas.microsoft.com/office/drawing/2014/main" id="{72849A74-606C-4903-A7DE-EC22A43C2523}"/>
+              </a:ext>
+            </a:extLst>
+          </p:cNvPr>
+          <p:cNvSpPr txBox="1">
+            <a:spLocks noGrp="1"/>
+          </p:cNvSpPr>
+          <p:nvPr>
+            <p:ph type="sldNum" sz="quarter" idx="5"/>
+          </p:nvPr>
+        </p:nvSpPr>
+        <p:spPr>
+          <a:ln/>
+        </p:spPr>
+        <p:txBody>
+          <a:bodyPr vert="horz" wrap="square" lIns="0" tIns="0" rIns="0" bIns="0" anchor="b" anchorCtr="0">
+            <a:noAutofit/>
+          </a:bodyPr>
+          <a:lstStyle/>
+          <a:p>
+            <a:pPr lvl="0"/>
+            <a:fld id="{4D5EF58F-E226-410A-95FE-C5F42D21ED26}" type="slidenum">
+              <a:t>18</a:t>
+            </a:fld>
+            <a:endParaRPr lang="es-ES"/>
+          </a:p>
+        </p:txBody>
+      </p:sp>
+      <p:sp>
+        <p:nvSpPr>
+          <p:cNvPr id="2" name="Marcador de imagen de diapositiva 1">
+            <a:extLst>
+              <a:ext uri="{FF2B5EF4-FFF2-40B4-BE49-F238E27FC236}">
+                <a16:creationId xmlns:a16="http://schemas.microsoft.com/office/drawing/2014/main" id="{E195561E-986C-431D-92D0-9731CFECF89B}"/>
+              </a:ext>
+            </a:extLst>
+          </p:cNvPr>
+          <p:cNvSpPr>
+            <a:spLocks noGrp="1" noRot="1" noChangeAspect="1" noResize="1"/>
+          </p:cNvSpPr>
+          <p:nvPr>
+            <p:ph type="sldImg"/>
+          </p:nvPr>
+        </p:nvSpPr>
+        <p:spPr>
+          <a:xfrm>
+            <a:off x="217488" y="812800"/>
+            <a:ext cx="7124700" cy="4008438"/>
+          </a:xfrm>
+          <a:solidFill>
+            <a:srgbClr val="5B9BD5"/>
+          </a:solidFill>
+          <a:ln w="25560" cap="flat">
+            <a:solidFill>
+              <a:srgbClr val="41719C"/>
+            </a:solidFill>
+            <a:prstDash val="solid"/>
+          </a:ln>
+        </p:spPr>
+      </p:sp>
+      <p:sp>
+        <p:nvSpPr>
+          <p:cNvPr id="3" name="Marcador de notas 2">
+            <a:extLst>
+              <a:ext uri="{FF2B5EF4-FFF2-40B4-BE49-F238E27FC236}">
+                <a16:creationId xmlns:a16="http://schemas.microsoft.com/office/drawing/2014/main" id="{BB063B43-DFFA-4013-B597-51BF8A6EDA87}"/>
+              </a:ext>
+            </a:extLst>
+          </p:cNvPr>
+          <p:cNvSpPr txBox="1">
+            <a:spLocks noGrp="1"/>
+          </p:cNvSpPr>
+          <p:nvPr>
+            <p:ph type="body" sz="quarter" idx="1"/>
+          </p:nvPr>
+        </p:nvSpPr>
+        <p:spPr/>
+        <p:txBody>
+          <a:bodyPr/>
+          <a:lstStyle/>
+          <a:p>
+            <a:pPr marL="342900" indent="-342900" hangingPunct="0">
+              <a:buFontTx/>
+              <a:buChar char="-"/>
+            </a:pPr>
+            <a:endParaRPr lang="en-US" dirty="0">
+              <a:latin typeface="Liberation Sans" pitchFamily="18"/>
+            </a:endParaRPr>
+          </a:p>
+        </p:txBody>
+      </p:sp>
+    </p:spTree>
+    <p:extLst>
+      <p:ext uri="{BB962C8B-B14F-4D97-AF65-F5344CB8AC3E}">
+        <p14:creationId xmlns:p14="http://schemas.microsoft.com/office/powerpoint/2010/main" val="3489377499"/>
+      </p:ext>
+    </p:extLst>
+  </p:cSld>
+  <p:clrMapOvr>
+    <a:masterClrMapping/>
+  </p:clrMapOvr>
+</p:notes>
+</file>
+
+<file path=ppt/notesSlides/notesSlide19.xml><?xml version="1.0" encoding="utf-8"?>
+<p:notes xmlns:a="http://schemas.openxmlformats.org/drawingml/2006/main" xmlns:r="http://schemas.openxmlformats.org/officeDocument/2006/relationships" xmlns:p="http://schemas.openxmlformats.org/presentationml/2006/main">
+  <p:cSld>
+    <p:spTree>
+      <p:nvGrpSpPr>
+        <p:cNvPr id="1" name=""/>
+        <p:cNvGrpSpPr/>
+        <p:nvPr/>
+      </p:nvGrpSpPr>
+      <p:grpSpPr>
+        <a:xfrm>
+          <a:off x="0" y="0"/>
+          <a:ext cx="0" cy="0"/>
+          <a:chOff x="0" y="0"/>
+          <a:chExt cx="0" cy="0"/>
+        </a:xfrm>
+      </p:grpSpPr>
+      <p:sp>
+        <p:nvSpPr>
+          <p:cNvPr id="4" name="PlaceHolder 3">
+            <a:extLst>
+              <a:ext uri="{FF2B5EF4-FFF2-40B4-BE49-F238E27FC236}">
+                <a16:creationId xmlns:a16="http://schemas.microsoft.com/office/drawing/2014/main" id="{77816F8B-6269-491C-91AB-7B0D34422C93}"/>
+              </a:ext>
+            </a:extLst>
+          </p:cNvPr>
+          <p:cNvSpPr txBox="1">
+            <a:spLocks noGrp="1"/>
+          </p:cNvSpPr>
+          <p:nvPr>
+            <p:ph type="hdr" sz="quarter"/>
+          </p:nvPr>
+        </p:nvSpPr>
+        <p:spPr>
+          <a:ln/>
+        </p:spPr>
+        <p:txBody>
+          <a:bodyPr vert="horz" wrap="square" lIns="0" tIns="0" rIns="0" bIns="0" anchor="t" anchorCtr="0">
+            <a:noAutofit/>
+          </a:bodyPr>
+          <a:lstStyle/>
+          <a:p>
+            <a:pPr lvl="0"/>
+            <a:r>
+              <a:rPr lang="es-ES"/>
+              <a:t> </a:t>
+            </a:r>
+          </a:p>
+        </p:txBody>
+      </p:sp>
+      <p:sp>
+        <p:nvSpPr>
+          <p:cNvPr id="5" name="PlaceHolder 4">
+            <a:extLst>
+              <a:ext uri="{FF2B5EF4-FFF2-40B4-BE49-F238E27FC236}">
+                <a16:creationId xmlns:a16="http://schemas.microsoft.com/office/drawing/2014/main" id="{D7BBF45F-1687-46D9-9B05-2CF5F46A9236}"/>
+              </a:ext>
+            </a:extLst>
+          </p:cNvPr>
+          <p:cNvSpPr txBox="1">
+            <a:spLocks noGrp="1"/>
+          </p:cNvSpPr>
+          <p:nvPr>
+            <p:ph type="dt" idx="1"/>
+          </p:nvPr>
+        </p:nvSpPr>
+        <p:spPr>
+          <a:ln/>
+        </p:spPr>
+        <p:txBody>
+          <a:bodyPr vert="horz" wrap="square" lIns="0" tIns="0" rIns="0" bIns="0" anchor="t" anchorCtr="0">
+            <a:noAutofit/>
+          </a:bodyPr>
+          <a:lstStyle/>
+          <a:p>
+            <a:pPr lvl="0"/>
+            <a:r>
+              <a:rPr lang="es-ES"/>
+              <a:t>&lt;date/time&gt;</a:t>
+            </a:r>
+          </a:p>
+        </p:txBody>
+      </p:sp>
+      <p:sp>
+        <p:nvSpPr>
+          <p:cNvPr id="6" name="PlaceHolder 5">
+            <a:extLst>
+              <a:ext uri="{FF2B5EF4-FFF2-40B4-BE49-F238E27FC236}">
+                <a16:creationId xmlns:a16="http://schemas.microsoft.com/office/drawing/2014/main" id="{209B8E10-A051-435F-8743-79E08B3417CE}"/>
+              </a:ext>
+            </a:extLst>
+          </p:cNvPr>
+          <p:cNvSpPr txBox="1">
+            <a:spLocks noGrp="1"/>
+          </p:cNvSpPr>
+          <p:nvPr>
+            <p:ph type="ftr" sz="quarter" idx="4"/>
+          </p:nvPr>
+        </p:nvSpPr>
+        <p:spPr>
+          <a:ln/>
+        </p:spPr>
+        <p:txBody>
+          <a:bodyPr vert="horz" wrap="square" lIns="0" tIns="0" rIns="0" bIns="0" anchor="b" anchorCtr="0">
+            <a:noAutofit/>
+          </a:bodyPr>
+          <a:lstStyle/>
+          <a:p>
+            <a:pPr lvl="0"/>
+            <a:r>
+              <a:rPr lang="es-ES"/>
+              <a:t>&lt;footer&gt;</a:t>
+            </a:r>
+          </a:p>
+        </p:txBody>
+      </p:sp>
+      <p:sp>
+        <p:nvSpPr>
+          <p:cNvPr id="7" name="PlaceHolder 6">
+            <a:extLst>
+              <a:ext uri="{FF2B5EF4-FFF2-40B4-BE49-F238E27FC236}">
+                <a16:creationId xmlns:a16="http://schemas.microsoft.com/office/drawing/2014/main" id="{13F1BA30-BFC8-402C-A9BC-E1707A196B00}"/>
+              </a:ext>
+            </a:extLst>
+          </p:cNvPr>
+          <p:cNvSpPr txBox="1">
+            <a:spLocks noGrp="1"/>
+          </p:cNvSpPr>
+          <p:nvPr>
+            <p:ph type="sldNum" sz="quarter" idx="5"/>
+          </p:nvPr>
+        </p:nvSpPr>
+        <p:spPr>
+          <a:ln/>
+        </p:spPr>
+        <p:txBody>
+          <a:bodyPr vert="horz" wrap="square" lIns="0" tIns="0" rIns="0" bIns="0" anchor="b" anchorCtr="0">
+            <a:noAutofit/>
+          </a:bodyPr>
+          <a:lstStyle/>
+          <a:p>
+            <a:pPr lvl="0"/>
+            <a:fld id="{1A3A7007-B48C-4B3A-B31F-C3758657A4E9}" type="slidenum">
+              <a:t>19</a:t>
+            </a:fld>
+            <a:endParaRPr lang="es-ES"/>
+          </a:p>
+        </p:txBody>
+      </p:sp>
+      <p:sp>
+        <p:nvSpPr>
+          <p:cNvPr id="2" name="Marcador de imagen de diapositiva 1">
+            <a:extLst>
+              <a:ext uri="{FF2B5EF4-FFF2-40B4-BE49-F238E27FC236}">
+                <a16:creationId xmlns:a16="http://schemas.microsoft.com/office/drawing/2014/main" id="{5CF56032-F14B-4CA6-90C8-A93629755212}"/>
+              </a:ext>
+            </a:extLst>
+          </p:cNvPr>
+          <p:cNvSpPr>
+            <a:spLocks noGrp="1" noRot="1" noChangeAspect="1" noResize="1"/>
+          </p:cNvSpPr>
+          <p:nvPr>
+            <p:ph type="sldImg"/>
+          </p:nvPr>
+        </p:nvSpPr>
+        <p:spPr>
+          <a:xfrm>
+            <a:off x="217488" y="812800"/>
+            <a:ext cx="7124700" cy="4008438"/>
+          </a:xfrm>
+          <a:solidFill>
+            <a:srgbClr val="5B9BD5"/>
+          </a:solidFill>
+          <a:ln w="25560" cap="flat">
+            <a:solidFill>
+              <a:srgbClr val="41719C"/>
+            </a:solidFill>
+            <a:prstDash val="solid"/>
+          </a:ln>
+        </p:spPr>
+      </p:sp>
+      <p:sp>
+        <p:nvSpPr>
+          <p:cNvPr id="3" name="Marcador de notas 2">
+            <a:extLst>
+              <a:ext uri="{FF2B5EF4-FFF2-40B4-BE49-F238E27FC236}">
+                <a16:creationId xmlns:a16="http://schemas.microsoft.com/office/drawing/2014/main" id="{B7968065-152C-4811-A81F-06EAB1ACDB5C}"/>
+              </a:ext>
+            </a:extLst>
+          </p:cNvPr>
+          <p:cNvSpPr txBox="1">
+            <a:spLocks noGrp="1"/>
+          </p:cNvSpPr>
+          <p:nvPr>
+            <p:ph type="body" sz="quarter" idx="1"/>
+          </p:nvPr>
+        </p:nvSpPr>
+        <p:spPr/>
+        <p:txBody>
+          <a:bodyPr/>
+          <a:lstStyle/>
+          <a:p>
+            <a:pPr marL="216000" indent="-216000" hangingPunct="0"/>
+            <a:endParaRPr lang="en-US">
+              <a:latin typeface="Liberation Sans" pitchFamily="18"/>
+            </a:endParaRPr>
+          </a:p>
+        </p:txBody>
+      </p:sp>
+    </p:spTree>
   </p:cSld>
   <p:clrMapOvr>
     <a:masterClrMapping/>
@@ -2636,6 +4058,445 @@
     <p:extLst>
       <p:ext uri="{BB962C8B-B14F-4D97-AF65-F5344CB8AC3E}">
         <p14:creationId xmlns:p14="http://schemas.microsoft.com/office/powerpoint/2010/main" val="1469246122"/>
+      </p:ext>
+    </p:extLst>
+  </p:cSld>
+  <p:clrMapOvr>
+    <a:masterClrMapping/>
+  </p:clrMapOvr>
+</p:notes>
+</file>
+
+<file path=ppt/notesSlides/notesSlide20.xml><?xml version="1.0" encoding="utf-8"?>
+<p:notes xmlns:a="http://schemas.openxmlformats.org/drawingml/2006/main" xmlns:r="http://schemas.openxmlformats.org/officeDocument/2006/relationships" xmlns:p="http://schemas.openxmlformats.org/presentationml/2006/main">
+  <p:cSld>
+    <p:spTree>
+      <p:nvGrpSpPr>
+        <p:cNvPr id="1" name=""/>
+        <p:cNvGrpSpPr/>
+        <p:nvPr/>
+      </p:nvGrpSpPr>
+      <p:grpSpPr>
+        <a:xfrm>
+          <a:off x="0" y="0"/>
+          <a:ext cx="0" cy="0"/>
+          <a:chOff x="0" y="0"/>
+          <a:chExt cx="0" cy="0"/>
+        </a:xfrm>
+      </p:grpSpPr>
+      <p:sp>
+        <p:nvSpPr>
+          <p:cNvPr id="4" name="PlaceHolder 3">
+            <a:extLst>
+              <a:ext uri="{FF2B5EF4-FFF2-40B4-BE49-F238E27FC236}">
+                <a16:creationId xmlns:a16="http://schemas.microsoft.com/office/drawing/2014/main" id="{B408EF08-45D5-4D01-9D79-BB0CDDC0CF71}"/>
+              </a:ext>
+            </a:extLst>
+          </p:cNvPr>
+          <p:cNvSpPr txBox="1">
+            <a:spLocks noGrp="1"/>
+          </p:cNvSpPr>
+          <p:nvPr>
+            <p:ph type="hdr" sz="quarter"/>
+          </p:nvPr>
+        </p:nvSpPr>
+        <p:spPr>
+          <a:ln/>
+        </p:spPr>
+        <p:txBody>
+          <a:bodyPr vert="horz" wrap="square" lIns="0" tIns="0" rIns="0" bIns="0" anchor="t" anchorCtr="0">
+            <a:noAutofit/>
+          </a:bodyPr>
+          <a:lstStyle/>
+          <a:p>
+            <a:pPr lvl="0"/>
+            <a:r>
+              <a:rPr lang="es-ES"/>
+              <a:t> </a:t>
+            </a:r>
+          </a:p>
+        </p:txBody>
+      </p:sp>
+      <p:sp>
+        <p:nvSpPr>
+          <p:cNvPr id="5" name="PlaceHolder 4">
+            <a:extLst>
+              <a:ext uri="{FF2B5EF4-FFF2-40B4-BE49-F238E27FC236}">
+                <a16:creationId xmlns:a16="http://schemas.microsoft.com/office/drawing/2014/main" id="{1756CF89-56A8-4DB3-B00B-34B79FBAA5B5}"/>
+              </a:ext>
+            </a:extLst>
+          </p:cNvPr>
+          <p:cNvSpPr txBox="1">
+            <a:spLocks noGrp="1"/>
+          </p:cNvSpPr>
+          <p:nvPr>
+            <p:ph type="dt" idx="1"/>
+          </p:nvPr>
+        </p:nvSpPr>
+        <p:spPr>
+          <a:ln/>
+        </p:spPr>
+        <p:txBody>
+          <a:bodyPr vert="horz" wrap="square" lIns="0" tIns="0" rIns="0" bIns="0" anchor="t" anchorCtr="0">
+            <a:noAutofit/>
+          </a:bodyPr>
+          <a:lstStyle/>
+          <a:p>
+            <a:pPr lvl="0"/>
+            <a:r>
+              <a:rPr lang="es-ES"/>
+              <a:t>&lt;date/time&gt;</a:t>
+            </a:r>
+          </a:p>
+        </p:txBody>
+      </p:sp>
+      <p:sp>
+        <p:nvSpPr>
+          <p:cNvPr id="6" name="PlaceHolder 5">
+            <a:extLst>
+              <a:ext uri="{FF2B5EF4-FFF2-40B4-BE49-F238E27FC236}">
+                <a16:creationId xmlns:a16="http://schemas.microsoft.com/office/drawing/2014/main" id="{00B295AC-4D5E-4AE1-BC90-FD453E630FF2}"/>
+              </a:ext>
+            </a:extLst>
+          </p:cNvPr>
+          <p:cNvSpPr txBox="1">
+            <a:spLocks noGrp="1"/>
+          </p:cNvSpPr>
+          <p:nvPr>
+            <p:ph type="ftr" sz="quarter" idx="4"/>
+          </p:nvPr>
+        </p:nvSpPr>
+        <p:spPr>
+          <a:ln/>
+        </p:spPr>
+        <p:txBody>
+          <a:bodyPr vert="horz" wrap="square" lIns="0" tIns="0" rIns="0" bIns="0" anchor="b" anchorCtr="0">
+            <a:noAutofit/>
+          </a:bodyPr>
+          <a:lstStyle/>
+          <a:p>
+            <a:pPr lvl="0"/>
+            <a:r>
+              <a:rPr lang="es-ES"/>
+              <a:t>&lt;footer&gt;</a:t>
+            </a:r>
+          </a:p>
+        </p:txBody>
+      </p:sp>
+      <p:sp>
+        <p:nvSpPr>
+          <p:cNvPr id="7" name="PlaceHolder 6">
+            <a:extLst>
+              <a:ext uri="{FF2B5EF4-FFF2-40B4-BE49-F238E27FC236}">
+                <a16:creationId xmlns:a16="http://schemas.microsoft.com/office/drawing/2014/main" id="{72849A74-606C-4903-A7DE-EC22A43C2523}"/>
+              </a:ext>
+            </a:extLst>
+          </p:cNvPr>
+          <p:cNvSpPr txBox="1">
+            <a:spLocks noGrp="1"/>
+          </p:cNvSpPr>
+          <p:nvPr>
+            <p:ph type="sldNum" sz="quarter" idx="5"/>
+          </p:nvPr>
+        </p:nvSpPr>
+        <p:spPr>
+          <a:ln/>
+        </p:spPr>
+        <p:txBody>
+          <a:bodyPr vert="horz" wrap="square" lIns="0" tIns="0" rIns="0" bIns="0" anchor="b" anchorCtr="0">
+            <a:noAutofit/>
+          </a:bodyPr>
+          <a:lstStyle/>
+          <a:p>
+            <a:pPr lvl="0"/>
+            <a:fld id="{4D5EF58F-E226-410A-95FE-C5F42D21ED26}" type="slidenum">
+              <a:t>20</a:t>
+            </a:fld>
+            <a:endParaRPr lang="es-ES"/>
+          </a:p>
+        </p:txBody>
+      </p:sp>
+      <p:sp>
+        <p:nvSpPr>
+          <p:cNvPr id="2" name="Marcador de imagen de diapositiva 1">
+            <a:extLst>
+              <a:ext uri="{FF2B5EF4-FFF2-40B4-BE49-F238E27FC236}">
+                <a16:creationId xmlns:a16="http://schemas.microsoft.com/office/drawing/2014/main" id="{E195561E-986C-431D-92D0-9731CFECF89B}"/>
+              </a:ext>
+            </a:extLst>
+          </p:cNvPr>
+          <p:cNvSpPr>
+            <a:spLocks noGrp="1" noRot="1" noChangeAspect="1" noResize="1"/>
+          </p:cNvSpPr>
+          <p:nvPr>
+            <p:ph type="sldImg"/>
+          </p:nvPr>
+        </p:nvSpPr>
+        <p:spPr>
+          <a:xfrm>
+            <a:off x="217488" y="812800"/>
+            <a:ext cx="7124700" cy="4008438"/>
+          </a:xfrm>
+          <a:solidFill>
+            <a:srgbClr val="5B9BD5"/>
+          </a:solidFill>
+          <a:ln w="25560" cap="flat">
+            <a:solidFill>
+              <a:srgbClr val="41719C"/>
+            </a:solidFill>
+            <a:prstDash val="solid"/>
+          </a:ln>
+        </p:spPr>
+      </p:sp>
+      <p:sp>
+        <p:nvSpPr>
+          <p:cNvPr id="3" name="Marcador de notas 2">
+            <a:extLst>
+              <a:ext uri="{FF2B5EF4-FFF2-40B4-BE49-F238E27FC236}">
+                <a16:creationId xmlns:a16="http://schemas.microsoft.com/office/drawing/2014/main" id="{BB063B43-DFFA-4013-B597-51BF8A6EDA87}"/>
+              </a:ext>
+            </a:extLst>
+          </p:cNvPr>
+          <p:cNvSpPr txBox="1">
+            <a:spLocks noGrp="1"/>
+          </p:cNvSpPr>
+          <p:nvPr>
+            <p:ph type="body" sz="quarter" idx="1"/>
+          </p:nvPr>
+        </p:nvSpPr>
+        <p:spPr/>
+        <p:txBody>
+          <a:bodyPr/>
+          <a:lstStyle/>
+          <a:p>
+            <a:pPr marL="216000" indent="-216000" hangingPunct="0"/>
+            <a:endParaRPr lang="en-US">
+              <a:latin typeface="Liberation Sans" pitchFamily="18"/>
+            </a:endParaRPr>
+          </a:p>
+        </p:txBody>
+      </p:sp>
+    </p:spTree>
+  </p:cSld>
+  <p:clrMapOvr>
+    <a:masterClrMapping/>
+  </p:clrMapOvr>
+</p:notes>
+</file>
+
+<file path=ppt/notesSlides/notesSlide21.xml><?xml version="1.0" encoding="utf-8"?>
+<p:notes xmlns:a="http://schemas.openxmlformats.org/drawingml/2006/main" xmlns:r="http://schemas.openxmlformats.org/officeDocument/2006/relationships" xmlns:p="http://schemas.openxmlformats.org/presentationml/2006/main">
+  <p:cSld>
+    <p:spTree>
+      <p:nvGrpSpPr>
+        <p:cNvPr id="1" name=""/>
+        <p:cNvGrpSpPr/>
+        <p:nvPr/>
+      </p:nvGrpSpPr>
+      <p:grpSpPr>
+        <a:xfrm>
+          <a:off x="0" y="0"/>
+          <a:ext cx="0" cy="0"/>
+          <a:chOff x="0" y="0"/>
+          <a:chExt cx="0" cy="0"/>
+        </a:xfrm>
+      </p:grpSpPr>
+      <p:sp>
+        <p:nvSpPr>
+          <p:cNvPr id="4" name="PlaceHolder 3">
+            <a:extLst>
+              <a:ext uri="{FF2B5EF4-FFF2-40B4-BE49-F238E27FC236}">
+                <a16:creationId xmlns:a16="http://schemas.microsoft.com/office/drawing/2014/main" id="{B383EF30-2ACC-48ED-A23B-D38CD41C987F}"/>
+              </a:ext>
+            </a:extLst>
+          </p:cNvPr>
+          <p:cNvSpPr txBox="1">
+            <a:spLocks noGrp="1"/>
+          </p:cNvSpPr>
+          <p:nvPr>
+            <p:ph type="hdr" sz="quarter"/>
+          </p:nvPr>
+        </p:nvSpPr>
+        <p:spPr>
+          <a:ln/>
+        </p:spPr>
+        <p:txBody>
+          <a:bodyPr vert="horz" wrap="square" lIns="0" tIns="0" rIns="0" bIns="0" anchor="t" anchorCtr="0">
+            <a:noAutofit/>
+          </a:bodyPr>
+          <a:lstStyle/>
+          <a:p>
+            <a:pPr lvl="0"/>
+            <a:r>
+              <a:rPr lang="es-ES"/>
+              <a:t> </a:t>
+            </a:r>
+          </a:p>
+        </p:txBody>
+      </p:sp>
+      <p:sp>
+        <p:nvSpPr>
+          <p:cNvPr id="5" name="PlaceHolder 4">
+            <a:extLst>
+              <a:ext uri="{FF2B5EF4-FFF2-40B4-BE49-F238E27FC236}">
+                <a16:creationId xmlns:a16="http://schemas.microsoft.com/office/drawing/2014/main" id="{B7EB269B-54EC-481D-B745-CD833F25A396}"/>
+              </a:ext>
+            </a:extLst>
+          </p:cNvPr>
+          <p:cNvSpPr txBox="1">
+            <a:spLocks noGrp="1"/>
+          </p:cNvSpPr>
+          <p:nvPr>
+            <p:ph type="dt" idx="1"/>
+          </p:nvPr>
+        </p:nvSpPr>
+        <p:spPr>
+          <a:ln/>
+        </p:spPr>
+        <p:txBody>
+          <a:bodyPr vert="horz" wrap="square" lIns="0" tIns="0" rIns="0" bIns="0" anchor="t" anchorCtr="0">
+            <a:noAutofit/>
+          </a:bodyPr>
+          <a:lstStyle/>
+          <a:p>
+            <a:pPr lvl="0"/>
+            <a:r>
+              <a:rPr lang="es-ES"/>
+              <a:t>&lt;date/time&gt;</a:t>
+            </a:r>
+          </a:p>
+        </p:txBody>
+      </p:sp>
+      <p:sp>
+        <p:nvSpPr>
+          <p:cNvPr id="6" name="PlaceHolder 5">
+            <a:extLst>
+              <a:ext uri="{FF2B5EF4-FFF2-40B4-BE49-F238E27FC236}">
+                <a16:creationId xmlns:a16="http://schemas.microsoft.com/office/drawing/2014/main" id="{53719381-B6F9-4166-8F93-52F5E90143F0}"/>
+              </a:ext>
+            </a:extLst>
+          </p:cNvPr>
+          <p:cNvSpPr txBox="1">
+            <a:spLocks noGrp="1"/>
+          </p:cNvSpPr>
+          <p:nvPr>
+            <p:ph type="ftr" sz="quarter" idx="4"/>
+          </p:nvPr>
+        </p:nvSpPr>
+        <p:spPr>
+          <a:ln/>
+        </p:spPr>
+        <p:txBody>
+          <a:bodyPr vert="horz" wrap="square" lIns="0" tIns="0" rIns="0" bIns="0" anchor="b" anchorCtr="0">
+            <a:noAutofit/>
+          </a:bodyPr>
+          <a:lstStyle/>
+          <a:p>
+            <a:pPr lvl="0"/>
+            <a:r>
+              <a:rPr lang="es-ES"/>
+              <a:t>&lt;footer&gt;</a:t>
+            </a:r>
+          </a:p>
+        </p:txBody>
+      </p:sp>
+      <p:sp>
+        <p:nvSpPr>
+          <p:cNvPr id="7" name="PlaceHolder 6">
+            <a:extLst>
+              <a:ext uri="{FF2B5EF4-FFF2-40B4-BE49-F238E27FC236}">
+                <a16:creationId xmlns:a16="http://schemas.microsoft.com/office/drawing/2014/main" id="{C8ED1ADE-35DB-4EE7-BE86-30F9F58D2636}"/>
+              </a:ext>
+            </a:extLst>
+          </p:cNvPr>
+          <p:cNvSpPr txBox="1">
+            <a:spLocks noGrp="1"/>
+          </p:cNvSpPr>
+          <p:nvPr>
+            <p:ph type="sldNum" sz="quarter" idx="5"/>
+          </p:nvPr>
+        </p:nvSpPr>
+        <p:spPr>
+          <a:ln/>
+        </p:spPr>
+        <p:txBody>
+          <a:bodyPr vert="horz" wrap="square" lIns="0" tIns="0" rIns="0" bIns="0" anchor="b" anchorCtr="0">
+            <a:noAutofit/>
+          </a:bodyPr>
+          <a:lstStyle/>
+          <a:p>
+            <a:pPr lvl="0"/>
+            <a:fld id="{B41FD732-EF42-4D5A-9427-CEAD4A5C52DA}" type="slidenum">
+              <a:t>21</a:t>
+            </a:fld>
+            <a:endParaRPr lang="es-ES"/>
+          </a:p>
+        </p:txBody>
+      </p:sp>
+      <p:sp>
+        <p:nvSpPr>
+          <p:cNvPr id="2" name="Marcador de imagen de diapositiva 1">
+            <a:extLst>
+              <a:ext uri="{FF2B5EF4-FFF2-40B4-BE49-F238E27FC236}">
+                <a16:creationId xmlns:a16="http://schemas.microsoft.com/office/drawing/2014/main" id="{04170479-1F76-41F3-8620-14B9F0956B5B}"/>
+              </a:ext>
+            </a:extLst>
+          </p:cNvPr>
+          <p:cNvSpPr>
+            <a:spLocks noGrp="1" noRot="1" noChangeAspect="1" noResize="1"/>
+          </p:cNvSpPr>
+          <p:nvPr>
+            <p:ph type="sldImg"/>
+          </p:nvPr>
+        </p:nvSpPr>
+        <p:spPr>
+          <a:xfrm>
+            <a:off x="217488" y="812800"/>
+            <a:ext cx="7124700" cy="4008438"/>
+          </a:xfrm>
+          <a:solidFill>
+            <a:srgbClr val="5B9BD5"/>
+          </a:solidFill>
+          <a:ln w="25560" cap="flat">
+            <a:solidFill>
+              <a:srgbClr val="41719C"/>
+            </a:solidFill>
+            <a:prstDash val="solid"/>
+          </a:ln>
+        </p:spPr>
+      </p:sp>
+      <p:sp>
+        <p:nvSpPr>
+          <p:cNvPr id="3" name="Marcador de notas 2">
+            <a:extLst>
+              <a:ext uri="{FF2B5EF4-FFF2-40B4-BE49-F238E27FC236}">
+                <a16:creationId xmlns:a16="http://schemas.microsoft.com/office/drawing/2014/main" id="{C53A4FA4-4A62-48AD-89FD-ECF77DC14803}"/>
+              </a:ext>
+            </a:extLst>
+          </p:cNvPr>
+          <p:cNvSpPr txBox="1">
+            <a:spLocks noGrp="1"/>
+          </p:cNvSpPr>
+          <p:nvPr>
+            <p:ph type="body" sz="quarter" idx="1"/>
+          </p:nvPr>
+        </p:nvSpPr>
+        <p:spPr/>
+        <p:txBody>
+          <a:bodyPr/>
+          <a:lstStyle/>
+          <a:p>
+            <a:pPr marL="216000" indent="-216000" hangingPunct="0"/>
+            <a:endParaRPr lang="en-US">
+              <a:latin typeface="Liberation Sans" pitchFamily="18"/>
+            </a:endParaRPr>
+          </a:p>
+        </p:txBody>
+      </p:sp>
+    </p:spTree>
+    <p:extLst>
+      <p:ext uri="{BB962C8B-B14F-4D97-AF65-F5344CB8AC3E}">
+        <p14:creationId xmlns:p14="http://schemas.microsoft.com/office/powerpoint/2010/main" val="3606565462"/>
       </p:ext>
     </p:extLst>
   </p:cSld>
@@ -13393,10 +15254,10 @@
       </p:cxnSp>
       <p:pic>
         <p:nvPicPr>
-          <p:cNvPr id="16" name="Imagen 15">
-            <a:extLst>
-              <a:ext uri="{FF2B5EF4-FFF2-40B4-BE49-F238E27FC236}">
-                <a16:creationId xmlns:a16="http://schemas.microsoft.com/office/drawing/2014/main" id="{7BBC2170-00EF-A126-8107-C955545C6DA1}"/>
+          <p:cNvPr id="9" name="Imagen 8">
+            <a:extLst>
+              <a:ext uri="{FF2B5EF4-FFF2-40B4-BE49-F238E27FC236}">
+                <a16:creationId xmlns:a16="http://schemas.microsoft.com/office/drawing/2014/main" id="{265ADB10-0B70-9798-8A62-D51B47EDA6FD}"/>
               </a:ext>
             </a:extLst>
           </p:cNvPr>
@@ -13413,8 +15274,8 @@
         </p:blipFill>
         <p:spPr>
           <a:xfrm>
-            <a:off x="327825" y="4747769"/>
-            <a:ext cx="11468100" cy="800100"/>
+            <a:off x="3955612" y="4623871"/>
+            <a:ext cx="3543795" cy="1047896"/>
           </a:xfrm>
           <a:prstGeom prst="rect">
             <a:avLst/>
@@ -13436,32 +15297,7 @@
 
 <file path=ppt/slides/slide12.xml><?xml version="1.0" encoding="utf-8"?>
 <p:sld xmlns:a="http://schemas.openxmlformats.org/drawingml/2006/main" xmlns:r="http://schemas.openxmlformats.org/officeDocument/2006/relationships" xmlns:p="http://schemas.openxmlformats.org/presentationml/2006/main">
-  <p:cSld name="Slide4">
-    <p:spTree>
-      <p:nvGrpSpPr>
-        <p:cNvPr id="1" name=""/>
-        <p:cNvGrpSpPr/>
-        <p:nvPr/>
-      </p:nvGrpSpPr>
-      <p:grpSpPr>
-        <a:xfrm>
-          <a:off x="0" y="0"/>
-          <a:ext cx="0" cy="0"/>
-          <a:chOff x="0" y="0"/>
-          <a:chExt cx="0" cy="0"/>
-        </a:xfrm>
-      </p:grpSpPr>
-    </p:spTree>
-  </p:cSld>
-  <p:clrMapOvr>
-    <a:masterClrMapping/>
-  </p:clrMapOvr>
-</p:sld>
-</file>
-
-<file path=ppt/slides/slide13.xml><?xml version="1.0" encoding="utf-8"?>
-<p:sld xmlns:a="http://schemas.openxmlformats.org/drawingml/2006/main" xmlns:r="http://schemas.openxmlformats.org/officeDocument/2006/relationships" xmlns:p="http://schemas.openxmlformats.org/presentationml/2006/main">
-  <p:cSld name="Slide2">
+  <p:cSld>
     <p:spTree>
       <p:nvGrpSpPr>
         <p:cNvPr id="1" name=""/>
@@ -13630,6 +15466,889 @@
               <a:tabLst/>
             </a:pPr>
             <a:fld id="{692320E0-2601-4A01-A26F-E1DBCFA5EC92}" type="slidenum">
+              <a:rPr/>
+              <a:t>12</a:t>
+            </a:fld>
+            <a:endParaRPr lang="es-ES" sz="1600" b="0" i="0" u="none" strike="noStrike" kern="1200" cap="none" spc="0" baseline="0" dirty="0">
+              <a:ln>
+                <a:noFill/>
+              </a:ln>
+              <a:solidFill>
+                <a:srgbClr val="00FF00"/>
+              </a:solidFill>
+              <a:latin typeface="Adler" pitchFamily="18"/>
+              <a:ea typeface="DejaVu Sans" pitchFamily="2"/>
+              <a:cs typeface="DejaVu Sans" pitchFamily="2"/>
+            </a:endParaRPr>
+          </a:p>
+        </p:txBody>
+      </p:sp>
+      <p:sp>
+        <p:nvSpPr>
+          <p:cNvPr id="5" name="CustomShape 4">
+            <a:extLst>
+              <a:ext uri="{FF2B5EF4-FFF2-40B4-BE49-F238E27FC236}">
+                <a16:creationId xmlns:a16="http://schemas.microsoft.com/office/drawing/2014/main" id="{813F6BB3-BBD8-47DB-9D0D-605951995A22}"/>
+              </a:ext>
+            </a:extLst>
+          </p:cNvPr>
+          <p:cNvSpPr/>
+          <p:nvPr/>
+        </p:nvSpPr>
+        <p:spPr>
+          <a:xfrm>
+            <a:off x="910080" y="0"/>
+            <a:ext cx="9848520" cy="1061640"/>
+          </a:xfrm>
+          <a:prstGeom prst="rect">
+            <a:avLst/>
+          </a:prstGeom>
+          <a:noFill/>
+          <a:ln cap="flat">
+            <a:noFill/>
+            <a:prstDash val="solid"/>
+          </a:ln>
+        </p:spPr>
+        <p:txBody>
+          <a:bodyPr vert="horz" wrap="square" lIns="90000" tIns="45000" rIns="90000" bIns="45000" anchor="ctr" anchorCtr="0" compatLnSpc="0">
+            <a:noAutofit/>
+          </a:bodyPr>
+          <a:lstStyle/>
+          <a:p>
+            <a:pPr marL="0" marR="0" lvl="0" indent="0" algn="l" rtl="0" hangingPunct="1">
+              <a:lnSpc>
+                <a:spcPct val="90000"/>
+              </a:lnSpc>
+              <a:spcBef>
+                <a:spcPts val="0"/>
+              </a:spcBef>
+              <a:spcAft>
+                <a:spcPts val="0"/>
+              </a:spcAft>
+              <a:buNone/>
+              <a:tabLst/>
+            </a:pPr>
+            <a:r>
+              <a:rPr lang="es-ES" sz="2800" dirty="0">
+                <a:solidFill>
+                  <a:srgbClr val="00FF00"/>
+                </a:solidFill>
+                <a:latin typeface="OCR A Extended" pitchFamily="18"/>
+                <a:ea typeface="DejaVu Sans" pitchFamily="2"/>
+                <a:cs typeface="DejaVu Sans" pitchFamily="2"/>
+              </a:rPr>
+              <a:t>WNF STATE NAMES</a:t>
+            </a:r>
+            <a:endParaRPr lang="es-ES" sz="2800" b="0" i="0" u="none" strike="noStrike" kern="1200" cap="none" spc="0" baseline="0" dirty="0">
+              <a:ln>
+                <a:noFill/>
+              </a:ln>
+              <a:solidFill>
+                <a:srgbClr val="00FF00"/>
+              </a:solidFill>
+              <a:latin typeface="OCR A Extended" pitchFamily="18"/>
+              <a:ea typeface="DejaVu Sans" pitchFamily="2"/>
+              <a:cs typeface="DejaVu Sans" pitchFamily="2"/>
+            </a:endParaRPr>
+          </a:p>
+        </p:txBody>
+      </p:sp>
+      <p:sp>
+        <p:nvSpPr>
+          <p:cNvPr id="7" name="CustomShape 3">
+            <a:extLst>
+              <a:ext uri="{FF2B5EF4-FFF2-40B4-BE49-F238E27FC236}">
+                <a16:creationId xmlns:a16="http://schemas.microsoft.com/office/drawing/2014/main" id="{27D0551E-3D55-428C-87B2-9BD975F3F758}"/>
+              </a:ext>
+            </a:extLst>
+          </p:cNvPr>
+          <p:cNvSpPr/>
+          <p:nvPr/>
+        </p:nvSpPr>
+        <p:spPr>
+          <a:xfrm>
+            <a:off x="10169599" y="6268566"/>
+            <a:ext cx="1285560" cy="363960"/>
+          </a:xfrm>
+          <a:prstGeom prst="rect">
+            <a:avLst/>
+          </a:prstGeom>
+          <a:noFill/>
+          <a:ln>
+            <a:noFill/>
+          </a:ln>
+        </p:spPr>
+        <p:style>
+          <a:lnRef idx="0">
+            <a:scrgbClr r="0" g="0" b="0"/>
+          </a:lnRef>
+          <a:fillRef idx="0">
+            <a:scrgbClr r="0" g="0" b="0"/>
+          </a:fillRef>
+          <a:effectRef idx="0">
+            <a:scrgbClr r="0" g="0" b="0"/>
+          </a:effectRef>
+          <a:fontRef idx="minor"/>
+        </p:style>
+        <p:txBody>
+          <a:bodyPr lIns="90000" tIns="45000" rIns="90000" bIns="45000" anchor="ctr"/>
+          <a:lstStyle>
+            <a:defPPr>
+              <a:defRPr lang="es-ES"/>
+            </a:defPPr>
+            <a:lvl1pPr marL="0" algn="l" defTabSz="914400" rtl="0" eaLnBrk="1" latinLnBrk="0" hangingPunct="1">
+              <a:defRPr sz="1800" kern="1200">
+                <a:solidFill>
+                  <a:schemeClr val="tx1"/>
+                </a:solidFill>
+                <a:latin typeface="+mn-lt"/>
+                <a:ea typeface="+mn-ea"/>
+                <a:cs typeface="+mn-cs"/>
+              </a:defRPr>
+            </a:lvl1pPr>
+            <a:lvl2pPr marL="457200" algn="l" defTabSz="914400" rtl="0" eaLnBrk="1" latinLnBrk="0" hangingPunct="1">
+              <a:defRPr sz="1800" kern="1200">
+                <a:solidFill>
+                  <a:schemeClr val="tx1"/>
+                </a:solidFill>
+                <a:latin typeface="+mn-lt"/>
+                <a:ea typeface="+mn-ea"/>
+                <a:cs typeface="+mn-cs"/>
+              </a:defRPr>
+            </a:lvl2pPr>
+            <a:lvl3pPr marL="914400" algn="l" defTabSz="914400" rtl="0" eaLnBrk="1" latinLnBrk="0" hangingPunct="1">
+              <a:defRPr sz="1800" kern="1200">
+                <a:solidFill>
+                  <a:schemeClr val="tx1"/>
+                </a:solidFill>
+                <a:latin typeface="+mn-lt"/>
+                <a:ea typeface="+mn-ea"/>
+                <a:cs typeface="+mn-cs"/>
+              </a:defRPr>
+            </a:lvl3pPr>
+            <a:lvl4pPr marL="1371600" algn="l" defTabSz="914400" rtl="0" eaLnBrk="1" latinLnBrk="0" hangingPunct="1">
+              <a:defRPr sz="1800" kern="1200">
+                <a:solidFill>
+                  <a:schemeClr val="tx1"/>
+                </a:solidFill>
+                <a:latin typeface="+mn-lt"/>
+                <a:ea typeface="+mn-ea"/>
+                <a:cs typeface="+mn-cs"/>
+              </a:defRPr>
+            </a:lvl4pPr>
+            <a:lvl5pPr marL="1828800" algn="l" defTabSz="914400" rtl="0" eaLnBrk="1" latinLnBrk="0" hangingPunct="1">
+              <a:defRPr sz="1800" kern="1200">
+                <a:solidFill>
+                  <a:schemeClr val="tx1"/>
+                </a:solidFill>
+                <a:latin typeface="+mn-lt"/>
+                <a:ea typeface="+mn-ea"/>
+                <a:cs typeface="+mn-cs"/>
+              </a:defRPr>
+            </a:lvl5pPr>
+            <a:lvl6pPr marL="2286000" algn="l" defTabSz="914400" rtl="0" eaLnBrk="1" latinLnBrk="0" hangingPunct="1">
+              <a:defRPr sz="1800" kern="1200">
+                <a:solidFill>
+                  <a:schemeClr val="tx1"/>
+                </a:solidFill>
+                <a:latin typeface="+mn-lt"/>
+                <a:ea typeface="+mn-ea"/>
+                <a:cs typeface="+mn-cs"/>
+              </a:defRPr>
+            </a:lvl6pPr>
+            <a:lvl7pPr marL="2743200" algn="l" defTabSz="914400" rtl="0" eaLnBrk="1" latinLnBrk="0" hangingPunct="1">
+              <a:defRPr sz="1800" kern="1200">
+                <a:solidFill>
+                  <a:schemeClr val="tx1"/>
+                </a:solidFill>
+                <a:latin typeface="+mn-lt"/>
+                <a:ea typeface="+mn-ea"/>
+                <a:cs typeface="+mn-cs"/>
+              </a:defRPr>
+            </a:lvl7pPr>
+            <a:lvl8pPr marL="3200400" algn="l" defTabSz="914400" rtl="0" eaLnBrk="1" latinLnBrk="0" hangingPunct="1">
+              <a:defRPr sz="1800" kern="1200">
+                <a:solidFill>
+                  <a:schemeClr val="tx1"/>
+                </a:solidFill>
+                <a:latin typeface="+mn-lt"/>
+                <a:ea typeface="+mn-ea"/>
+                <a:cs typeface="+mn-cs"/>
+              </a:defRPr>
+            </a:lvl8pPr>
+            <a:lvl9pPr marL="3657600" algn="l" defTabSz="914400" rtl="0" eaLnBrk="1" latinLnBrk="0" hangingPunct="1">
+              <a:defRPr sz="1800" kern="1200">
+                <a:solidFill>
+                  <a:schemeClr val="tx1"/>
+                </a:solidFill>
+                <a:latin typeface="+mn-lt"/>
+                <a:ea typeface="+mn-ea"/>
+                <a:cs typeface="+mn-cs"/>
+              </a:defRPr>
+            </a:lvl9pPr>
+          </a:lstStyle>
+          <a:p>
+            <a:pPr algn="r">
+              <a:lnSpc>
+                <a:spcPct val="100000"/>
+              </a:lnSpc>
+            </a:pPr>
+            <a:fld id="{F4AF001D-1B90-4342-83A9-7082BA1E0464}" type="slidenum">
+              <a:rPr lang="es-ES" sz="1600" b="0" strike="noStrike" spc="-1">
+                <a:solidFill>
+                  <a:srgbClr val="00FF00"/>
+                </a:solidFill>
+                <a:latin typeface="Adler"/>
+                <a:ea typeface="DejaVu Sans"/>
+              </a:rPr>
+              <a:pPr algn="r">
+                <a:lnSpc>
+                  <a:spcPct val="100000"/>
+                </a:lnSpc>
+              </a:pPr>
+              <a:t>12</a:t>
+            </a:fld>
+            <a:endParaRPr lang="es-ES" sz="1600" b="0" strike="noStrike" spc="-1" dirty="0">
+              <a:latin typeface="Arial"/>
+            </a:endParaRPr>
+          </a:p>
+        </p:txBody>
+      </p:sp>
+      <p:sp>
+        <p:nvSpPr>
+          <p:cNvPr id="12" name="CuadroTexto 11">
+            <a:extLst>
+              <a:ext uri="{FF2B5EF4-FFF2-40B4-BE49-F238E27FC236}">
+                <a16:creationId xmlns:a16="http://schemas.microsoft.com/office/drawing/2014/main" id="{DC46E5AC-9988-4C95-CEE5-A1FAD7CB5F04}"/>
+              </a:ext>
+            </a:extLst>
+          </p:cNvPr>
+          <p:cNvSpPr txBox="1"/>
+          <p:nvPr/>
+        </p:nvSpPr>
+        <p:spPr>
+          <a:xfrm>
+            <a:off x="668593" y="1159051"/>
+            <a:ext cx="10786565" cy="2657138"/>
+          </a:xfrm>
+          <a:prstGeom prst="rect">
+            <a:avLst/>
+          </a:prstGeom>
+          <a:noFill/>
+        </p:spPr>
+        <p:txBody>
+          <a:bodyPr wrap="square" rtlCol="0">
+            <a:spAutoFit/>
+          </a:bodyPr>
+          <a:lstStyle/>
+          <a:p>
+            <a:pPr>
+              <a:lnSpc>
+                <a:spcPts val="2500"/>
+              </a:lnSpc>
+            </a:pPr>
+            <a:endParaRPr lang="es-ES" sz="3200" b="1" dirty="0">
+              <a:latin typeface="OCR A Extended" panose="02010509020102010303" pitchFamily="50" charset="0"/>
+            </a:endParaRPr>
+          </a:p>
+          <a:p>
+            <a:pPr>
+              <a:lnSpc>
+                <a:spcPts val="2500"/>
+              </a:lnSpc>
+            </a:pPr>
+            <a:r>
+              <a:rPr lang="es-ES" sz="3200" b="1" dirty="0">
+                <a:latin typeface="OCR A Extended" panose="02010509020102010303" pitchFamily="50" charset="0"/>
+              </a:rPr>
+              <a:t>Data </a:t>
+            </a:r>
+            <a:r>
+              <a:rPr lang="es-ES" sz="3200" b="1" dirty="0" err="1">
+                <a:latin typeface="OCR A Extended" panose="02010509020102010303" pitchFamily="50" charset="0"/>
+              </a:rPr>
+              <a:t>Scopes</a:t>
+            </a:r>
+            <a:r>
+              <a:rPr lang="es-ES" sz="3200" b="1" dirty="0">
+                <a:latin typeface="OCR A Extended" panose="02010509020102010303" pitchFamily="50" charset="0"/>
+              </a:rPr>
+              <a:t> &amp; </a:t>
+            </a:r>
+            <a:r>
+              <a:rPr lang="es-ES" sz="3200" b="1" dirty="0" err="1">
+                <a:latin typeface="OCR A Extended" panose="02010509020102010303" pitchFamily="50" charset="0"/>
+              </a:rPr>
+              <a:t>Permissions</a:t>
+            </a:r>
+            <a:endParaRPr lang="es-ES" sz="3200" b="1" dirty="0">
+              <a:latin typeface="OCR A Extended" panose="02010509020102010303" pitchFamily="50" charset="0"/>
+            </a:endParaRPr>
+          </a:p>
+          <a:p>
+            <a:pPr marL="457200" indent="-457200">
+              <a:spcBef>
+                <a:spcPts val="600"/>
+              </a:spcBef>
+              <a:buFont typeface="Arial" panose="020B0604020202020204" pitchFamily="34" charset="0"/>
+              <a:buChar char="•"/>
+            </a:pPr>
+            <a:r>
+              <a:rPr lang="es-ES" sz="2000" dirty="0">
+                <a:solidFill>
+                  <a:schemeClr val="bg2">
+                    <a:lumMod val="50000"/>
+                  </a:schemeClr>
+                </a:solidFill>
+              </a:rPr>
+              <a:t>Quién puede acceder</a:t>
+            </a:r>
+          </a:p>
+          <a:p>
+            <a:pPr marL="457200" indent="-457200">
+              <a:spcBef>
+                <a:spcPts val="600"/>
+              </a:spcBef>
+              <a:buFont typeface="Arial" panose="020B0604020202020204" pitchFamily="34" charset="0"/>
+              <a:buChar char="•"/>
+            </a:pPr>
+            <a:r>
+              <a:rPr lang="es-ES" sz="2000" i="1" dirty="0" err="1">
+                <a:solidFill>
+                  <a:schemeClr val="bg2">
+                    <a:lumMod val="50000"/>
+                  </a:schemeClr>
+                </a:solidFill>
+              </a:rPr>
+              <a:t>System</a:t>
+            </a:r>
+            <a:r>
+              <a:rPr lang="es-ES" sz="2000" dirty="0">
+                <a:solidFill>
+                  <a:schemeClr val="bg2">
+                    <a:lumMod val="50000"/>
+                  </a:schemeClr>
+                </a:solidFill>
+              </a:rPr>
+              <a:t>, </a:t>
+            </a:r>
+            <a:r>
+              <a:rPr lang="es-ES" sz="2000" i="1" dirty="0" err="1">
+                <a:solidFill>
+                  <a:schemeClr val="bg2">
+                    <a:lumMod val="50000"/>
+                  </a:schemeClr>
+                </a:solidFill>
+              </a:rPr>
+              <a:t>session</a:t>
+            </a:r>
+            <a:r>
+              <a:rPr lang="es-ES" sz="2000" i="1" dirty="0">
+                <a:solidFill>
+                  <a:schemeClr val="bg2">
+                    <a:lumMod val="50000"/>
+                  </a:schemeClr>
+                </a:solidFill>
+              </a:rPr>
+              <a:t> (</a:t>
+            </a:r>
+            <a:r>
+              <a:rPr lang="es-ES" sz="2000" i="1" dirty="0" err="1">
+                <a:solidFill>
+                  <a:schemeClr val="bg2">
+                    <a:lumMod val="50000"/>
+                  </a:schemeClr>
+                </a:solidFill>
+              </a:rPr>
+              <a:t>sess</a:t>
+            </a:r>
+            <a:r>
+              <a:rPr lang="es-ES" sz="2000" i="1" dirty="0">
+                <a:solidFill>
+                  <a:schemeClr val="bg2">
+                    <a:lumMod val="50000"/>
+                  </a:schemeClr>
+                </a:solidFill>
+              </a:rPr>
+              <a:t> ID), </a:t>
+            </a:r>
+            <a:r>
+              <a:rPr lang="es-ES" sz="2000" i="1" dirty="0" err="1">
+                <a:solidFill>
+                  <a:schemeClr val="bg2">
+                    <a:lumMod val="50000"/>
+                  </a:schemeClr>
+                </a:solidFill>
+              </a:rPr>
+              <a:t>user</a:t>
+            </a:r>
+            <a:r>
+              <a:rPr lang="es-ES" sz="2000" i="1" dirty="0">
+                <a:solidFill>
+                  <a:schemeClr val="bg2">
+                    <a:lumMod val="50000"/>
+                  </a:schemeClr>
+                </a:solidFill>
+              </a:rPr>
+              <a:t> (SID)</a:t>
+            </a:r>
+            <a:r>
+              <a:rPr lang="es-ES" sz="2000" dirty="0">
+                <a:solidFill>
+                  <a:schemeClr val="bg2">
+                    <a:lumMod val="50000"/>
+                  </a:schemeClr>
+                </a:solidFill>
+              </a:rPr>
+              <a:t>, </a:t>
+            </a:r>
+            <a:r>
+              <a:rPr lang="es-ES" sz="2000" i="1" dirty="0" err="1">
+                <a:solidFill>
+                  <a:schemeClr val="bg2">
+                    <a:lumMod val="50000"/>
+                  </a:schemeClr>
+                </a:solidFill>
+              </a:rPr>
+              <a:t>process</a:t>
+            </a:r>
+            <a:r>
+              <a:rPr lang="es-ES" sz="2000" i="1" dirty="0">
+                <a:solidFill>
+                  <a:schemeClr val="bg2">
+                    <a:lumMod val="50000"/>
+                  </a:schemeClr>
+                </a:solidFill>
+              </a:rPr>
+              <a:t> (EPROCESS </a:t>
+            </a:r>
+            <a:r>
+              <a:rPr lang="es-ES" sz="2000" i="1" dirty="0" err="1">
+                <a:solidFill>
+                  <a:schemeClr val="bg2">
+                    <a:lumMod val="50000"/>
+                  </a:schemeClr>
+                </a:solidFill>
+              </a:rPr>
+              <a:t>address</a:t>
+            </a:r>
+            <a:r>
+              <a:rPr lang="es-ES" sz="2000" i="1" dirty="0">
+                <a:solidFill>
+                  <a:schemeClr val="bg2">
+                    <a:lumMod val="50000"/>
+                  </a:schemeClr>
+                </a:solidFill>
+              </a:rPr>
+              <a:t>)</a:t>
+            </a:r>
+            <a:r>
+              <a:rPr lang="es-ES" sz="2000" dirty="0">
+                <a:solidFill>
+                  <a:schemeClr val="bg2">
+                    <a:lumMod val="50000"/>
+                  </a:schemeClr>
+                </a:solidFill>
+              </a:rPr>
+              <a:t> o </a:t>
+            </a:r>
+            <a:r>
+              <a:rPr lang="es-ES" sz="2000" i="1" dirty="0">
+                <a:solidFill>
+                  <a:schemeClr val="bg2">
+                    <a:lumMod val="50000"/>
+                  </a:schemeClr>
+                </a:solidFill>
+              </a:rPr>
+              <a:t>machine </a:t>
+            </a:r>
+            <a:r>
+              <a:rPr lang="es-ES" sz="2000" i="1" dirty="0" err="1">
+                <a:solidFill>
+                  <a:schemeClr val="bg2">
+                    <a:lumMod val="50000"/>
+                  </a:schemeClr>
+                </a:solidFill>
+              </a:rPr>
+              <a:t>scopes</a:t>
+            </a:r>
+            <a:endParaRPr lang="es-ES" sz="2000" i="1" dirty="0">
+              <a:solidFill>
+                <a:schemeClr val="bg2">
+                  <a:lumMod val="50000"/>
+                </a:schemeClr>
+              </a:solidFill>
+            </a:endParaRPr>
+          </a:p>
+          <a:p>
+            <a:pPr marL="457200" indent="-457200">
+              <a:spcBef>
+                <a:spcPts val="600"/>
+              </a:spcBef>
+              <a:buFont typeface="Arial" panose="020B0604020202020204" pitchFamily="34" charset="0"/>
+              <a:buChar char="•"/>
+            </a:pPr>
+            <a:endParaRPr lang="es-ES" sz="2000" i="1" dirty="0">
+              <a:solidFill>
+                <a:schemeClr val="bg2">
+                  <a:lumMod val="50000"/>
+                </a:schemeClr>
+              </a:solidFill>
+            </a:endParaRPr>
+          </a:p>
+          <a:p>
+            <a:pPr marL="457200" indent="-457200">
+              <a:spcBef>
+                <a:spcPts val="600"/>
+              </a:spcBef>
+              <a:buFont typeface="Arial" panose="020B0604020202020204" pitchFamily="34" charset="0"/>
+              <a:buChar char="•"/>
+            </a:pPr>
+            <a:endParaRPr lang="es-ES" sz="2000" dirty="0">
+              <a:solidFill>
+                <a:schemeClr val="bg2">
+                  <a:lumMod val="50000"/>
+                </a:schemeClr>
+              </a:solidFill>
+            </a:endParaRPr>
+          </a:p>
+          <a:p>
+            <a:pPr marL="457200" indent="-457200">
+              <a:spcBef>
+                <a:spcPts val="600"/>
+              </a:spcBef>
+              <a:buFont typeface="Arial" panose="020B0604020202020204" pitchFamily="34" charset="0"/>
+              <a:buChar char="•"/>
+            </a:pPr>
+            <a:endParaRPr lang="es-ES" sz="2000" dirty="0">
+              <a:solidFill>
+                <a:schemeClr val="bg2">
+                  <a:lumMod val="50000"/>
+                </a:schemeClr>
+              </a:solidFill>
+            </a:endParaRPr>
+          </a:p>
+        </p:txBody>
+      </p:sp>
+      <p:pic>
+        <p:nvPicPr>
+          <p:cNvPr id="9" name="Imagen 8">
+            <a:extLst>
+              <a:ext uri="{FF2B5EF4-FFF2-40B4-BE49-F238E27FC236}">
+                <a16:creationId xmlns:a16="http://schemas.microsoft.com/office/drawing/2014/main" id="{B0621F60-516C-1D57-89F2-848B19700C7C}"/>
+              </a:ext>
+            </a:extLst>
+          </p:cNvPr>
+          <p:cNvPicPr>
+            <a:picLocks noChangeAspect="1"/>
+          </p:cNvPicPr>
+          <p:nvPr/>
+        </p:nvPicPr>
+        <p:blipFill rotWithShape="1">
+          <a:blip r:embed="rId3"/>
+          <a:srcRect t="6068"/>
+          <a:stretch/>
+        </p:blipFill>
+        <p:spPr>
+          <a:xfrm>
+            <a:off x="1144816" y="2971231"/>
+            <a:ext cx="3515216" cy="1458569"/>
+          </a:xfrm>
+          <a:prstGeom prst="rect">
+            <a:avLst/>
+          </a:prstGeom>
+        </p:spPr>
+      </p:pic>
+      <p:pic>
+        <p:nvPicPr>
+          <p:cNvPr id="6" name="Imagen 5">
+            <a:extLst>
+              <a:ext uri="{FF2B5EF4-FFF2-40B4-BE49-F238E27FC236}">
+                <a16:creationId xmlns:a16="http://schemas.microsoft.com/office/drawing/2014/main" id="{4D1E26E0-4477-EB43-C0D8-C7D55023A91E}"/>
+              </a:ext>
+            </a:extLst>
+          </p:cNvPr>
+          <p:cNvPicPr>
+            <a:picLocks noChangeAspect="1"/>
+          </p:cNvPicPr>
+          <p:nvPr/>
+        </p:nvPicPr>
+        <p:blipFill>
+          <a:blip r:embed="rId4"/>
+          <a:stretch>
+            <a:fillRect/>
+          </a:stretch>
+        </p:blipFill>
+        <p:spPr>
+          <a:xfrm>
+            <a:off x="327825" y="4747769"/>
+            <a:ext cx="11468100" cy="800100"/>
+          </a:xfrm>
+          <a:prstGeom prst="rect">
+            <a:avLst/>
+          </a:prstGeom>
+        </p:spPr>
+      </p:pic>
+    </p:spTree>
+    <p:extLst>
+      <p:ext uri="{BB962C8B-B14F-4D97-AF65-F5344CB8AC3E}">
+        <p14:creationId xmlns:p14="http://schemas.microsoft.com/office/powerpoint/2010/main" val="58555674"/>
+      </p:ext>
+    </p:extLst>
+  </p:cSld>
+  <p:clrMapOvr>
+    <a:masterClrMapping/>
+  </p:clrMapOvr>
+  <p:timing>
+    <p:tnLst>
+      <p:par>
+        <p:cTn id="1" dur="indefinite" restart="never" nodeType="tmRoot">
+          <p:childTnLst>
+            <p:seq concurrent="1" nextAc="seek">
+              <p:cTn id="2" dur="indefinite" nodeType="mainSeq">
+                <p:childTnLst>
+                  <p:par>
+                    <p:cTn id="3" fill="hold">
+                      <p:stCondLst>
+                        <p:cond delay="indefinite"/>
+                      </p:stCondLst>
+                      <p:childTnLst>
+                        <p:par>
+                          <p:cTn id="4" fill="hold">
+                            <p:stCondLst>
+                              <p:cond delay="0"/>
+                            </p:stCondLst>
+                            <p:childTnLst>
+                              <p:par>
+                                <p:cTn id="5" presetID="1" presetClass="entr" presetSubtype="0" fill="hold" nodeType="clickEffect">
+                                  <p:stCondLst>
+                                    <p:cond delay="0"/>
+                                  </p:stCondLst>
+                                  <p:childTnLst>
+                                    <p:set>
+                                      <p:cBhvr>
+                                        <p:cTn id="6" dur="1" fill="hold">
+                                          <p:stCondLst>
+                                            <p:cond delay="0"/>
+                                          </p:stCondLst>
+                                        </p:cTn>
+                                        <p:tgtEl>
+                                          <p:spTgt spid="6"/>
+                                        </p:tgtEl>
+                                        <p:attrNameLst>
+                                          <p:attrName>style.visibility</p:attrName>
+                                        </p:attrNameLst>
+                                      </p:cBhvr>
+                                      <p:to>
+                                        <p:strVal val="visible"/>
+                                      </p:to>
+                                    </p:set>
+                                  </p:childTnLst>
+                                </p:cTn>
+                              </p:par>
+                            </p:childTnLst>
+                          </p:cTn>
+                        </p:par>
+                      </p:childTnLst>
+                    </p:cTn>
+                  </p:par>
+                </p:childTnLst>
+              </p:cTn>
+              <p:prevCondLst>
+                <p:cond evt="onPrev" delay="0">
+                  <p:tgtEl>
+                    <p:sldTgt/>
+                  </p:tgtEl>
+                </p:cond>
+              </p:prevCondLst>
+              <p:nextCondLst>
+                <p:cond evt="onNext" delay="0">
+                  <p:tgtEl>
+                    <p:sldTgt/>
+                  </p:tgtEl>
+                </p:cond>
+              </p:nextCondLst>
+            </p:seq>
+          </p:childTnLst>
+        </p:cTn>
+      </p:par>
+    </p:tnLst>
+  </p:timing>
+</p:sld>
+</file>
+
+<file path=ppt/slides/slide13.xml><?xml version="1.0" encoding="utf-8"?>
+<p:sld xmlns:a="http://schemas.openxmlformats.org/drawingml/2006/main" xmlns:r="http://schemas.openxmlformats.org/officeDocument/2006/relationships" xmlns:p="http://schemas.openxmlformats.org/presentationml/2006/main">
+  <p:cSld>
+    <p:spTree>
+      <p:nvGrpSpPr>
+        <p:cNvPr id="1" name=""/>
+        <p:cNvGrpSpPr/>
+        <p:nvPr/>
+      </p:nvGrpSpPr>
+      <p:grpSpPr>
+        <a:xfrm>
+          <a:off x="0" y="0"/>
+          <a:ext cx="0" cy="0"/>
+          <a:chOff x="0" y="0"/>
+          <a:chExt cx="0" cy="0"/>
+        </a:xfrm>
+      </p:grpSpPr>
+      <p:sp>
+        <p:nvSpPr>
+          <p:cNvPr id="2" name="CustomShape 1">
+            <a:extLst>
+              <a:ext uri="{FF2B5EF4-FFF2-40B4-BE49-F238E27FC236}">
+                <a16:creationId xmlns:a16="http://schemas.microsoft.com/office/drawing/2014/main" id="{E4282D34-CECC-47F8-AA80-F2CAB438CDDF}"/>
+              </a:ext>
+            </a:extLst>
+          </p:cNvPr>
+          <p:cNvSpPr/>
+          <p:nvPr/>
+        </p:nvSpPr>
+        <p:spPr>
+          <a:xfrm>
+            <a:off x="910080" y="0"/>
+            <a:ext cx="9848160" cy="1061280"/>
+          </a:xfrm>
+          <a:prstGeom prst="rect">
+            <a:avLst/>
+          </a:prstGeom>
+          <a:noFill/>
+          <a:ln cap="flat">
+            <a:noFill/>
+            <a:prstDash val="solid"/>
+          </a:ln>
+        </p:spPr>
+        <p:txBody>
+          <a:bodyPr vert="horz" wrap="square" lIns="90000" tIns="45000" rIns="90000" bIns="45000" anchorCtr="0" compatLnSpc="0"/>
+          <a:lstStyle/>
+          <a:p>
+            <a:pPr marL="0" marR="0" lvl="0" indent="0" rtl="0" hangingPunct="0">
+              <a:lnSpc>
+                <a:spcPct val="100000"/>
+              </a:lnSpc>
+              <a:spcBef>
+                <a:spcPts val="0"/>
+              </a:spcBef>
+              <a:spcAft>
+                <a:spcPts val="0"/>
+              </a:spcAft>
+              <a:buNone/>
+              <a:tabLst/>
+            </a:pPr>
+            <a:endParaRPr lang="en-US" sz="1800" b="0" i="0" u="none" strike="noStrike" kern="1200" cap="none">
+              <a:ln>
+                <a:noFill/>
+              </a:ln>
+              <a:latin typeface="Liberation Sans" pitchFamily="18"/>
+              <a:ea typeface="Noto Sans CJK SC" pitchFamily="2"/>
+              <a:cs typeface="Lohit Devanagari" pitchFamily="2"/>
+            </a:endParaRPr>
+          </a:p>
+        </p:txBody>
+      </p:sp>
+      <p:sp>
+        <p:nvSpPr>
+          <p:cNvPr id="3" name="CustomShape 2">
+            <a:extLst>
+              <a:ext uri="{FF2B5EF4-FFF2-40B4-BE49-F238E27FC236}">
+                <a16:creationId xmlns:a16="http://schemas.microsoft.com/office/drawing/2014/main" id="{B8666162-13B4-4E00-AA46-114CA8773DB4}"/>
+              </a:ext>
+            </a:extLst>
+          </p:cNvPr>
+          <p:cNvSpPr/>
+          <p:nvPr/>
+        </p:nvSpPr>
+        <p:spPr>
+          <a:xfrm>
+            <a:off x="838080" y="1375560"/>
+            <a:ext cx="10514520" cy="4350240"/>
+          </a:xfrm>
+          <a:prstGeom prst="rect">
+            <a:avLst/>
+          </a:prstGeom>
+          <a:noFill/>
+          <a:ln cap="flat">
+            <a:noFill/>
+            <a:prstDash val="solid"/>
+          </a:ln>
+        </p:spPr>
+        <p:txBody>
+          <a:bodyPr vert="horz" wrap="square" lIns="90000" tIns="45000" rIns="90000" bIns="45000" anchorCtr="0" compatLnSpc="0"/>
+          <a:lstStyle/>
+          <a:p>
+            <a:pPr marL="0" marR="0" lvl="0" indent="0" rtl="0" hangingPunct="0">
+              <a:lnSpc>
+                <a:spcPct val="100000"/>
+              </a:lnSpc>
+              <a:spcBef>
+                <a:spcPts val="0"/>
+              </a:spcBef>
+              <a:spcAft>
+                <a:spcPts val="0"/>
+              </a:spcAft>
+              <a:buNone/>
+              <a:tabLst/>
+            </a:pPr>
+            <a:endParaRPr lang="en-US" sz="1800" b="0" i="0" u="none" strike="noStrike" kern="1200" cap="none">
+              <a:ln>
+                <a:noFill/>
+              </a:ln>
+              <a:latin typeface="Liberation Sans" pitchFamily="18"/>
+              <a:ea typeface="Noto Sans CJK SC" pitchFamily="2"/>
+              <a:cs typeface="Lohit Devanagari" pitchFamily="2"/>
+            </a:endParaRPr>
+          </a:p>
+        </p:txBody>
+      </p:sp>
+      <p:sp>
+        <p:nvSpPr>
+          <p:cNvPr id="4" name="CustomShape 3">
+            <a:extLst>
+              <a:ext uri="{FF2B5EF4-FFF2-40B4-BE49-F238E27FC236}">
+                <a16:creationId xmlns:a16="http://schemas.microsoft.com/office/drawing/2014/main" id="{02057AA2-7B83-4A62-B299-29AC85CC51E4}"/>
+              </a:ext>
+            </a:extLst>
+          </p:cNvPr>
+          <p:cNvSpPr/>
+          <p:nvPr/>
+        </p:nvSpPr>
+        <p:spPr>
+          <a:xfrm>
+            <a:off x="10067399" y="6356520"/>
+            <a:ext cx="1285560" cy="363959"/>
+          </a:xfrm>
+          <a:prstGeom prst="rect">
+            <a:avLst/>
+          </a:prstGeom>
+          <a:noFill/>
+          <a:ln cap="flat">
+            <a:noFill/>
+            <a:prstDash val="solid"/>
+          </a:ln>
+        </p:spPr>
+        <p:txBody>
+          <a:bodyPr vert="horz" wrap="square" lIns="90000" tIns="45000" rIns="90000" bIns="45000" anchor="ctr" anchorCtr="0" compatLnSpc="0">
+            <a:noAutofit/>
+          </a:bodyPr>
+          <a:lstStyle/>
+          <a:p>
+            <a:pPr marL="0" marR="0" lvl="0" indent="0" algn="r" rtl="0" hangingPunct="1">
+              <a:lnSpc>
+                <a:spcPct val="100000"/>
+              </a:lnSpc>
+              <a:spcBef>
+                <a:spcPts val="0"/>
+              </a:spcBef>
+              <a:spcAft>
+                <a:spcPts val="0"/>
+              </a:spcAft>
+              <a:buNone/>
+              <a:tabLst/>
+            </a:pPr>
+            <a:fld id="{692320E0-2601-4A01-A26F-E1DBCFA5EC92}" type="slidenum">
+              <a:rPr/>
               <a:t>13</a:t>
             </a:fld>
             <a:endParaRPr lang="es-ES" sz="1600" b="0" i="0" u="none" strike="noStrike" kern="1200" cap="none" spc="0" baseline="0" dirty="0">
@@ -13692,10 +16411,7 @@
               <a:tabLst/>
             </a:pPr>
             <a:r>
-              <a:rPr lang="es-ES" sz="2800" b="0" i="0" u="none" strike="noStrike" kern="1200" cap="none" spc="0" baseline="0">
-                <a:ln>
-                  <a:noFill/>
-                </a:ln>
+              <a:rPr lang="es-ES" sz="2800" dirty="0">
                 <a:solidFill>
                   <a:srgbClr val="00FF00"/>
                 </a:solidFill>
@@ -13703,8 +16419,19 @@
                 <a:ea typeface="DejaVu Sans" pitchFamily="2"/>
                 <a:cs typeface="DejaVu Sans" pitchFamily="2"/>
               </a:rPr>
-              <a:t>Diapositiva/slide 1</a:t>
-            </a:r>
+              <a:t>WNF STATE NAMES</a:t>
+            </a:r>
+            <a:endParaRPr lang="es-ES" sz="2800" b="0" i="0" u="none" strike="noStrike" kern="1200" cap="none" spc="0" baseline="0" dirty="0">
+              <a:ln>
+                <a:noFill/>
+              </a:ln>
+              <a:solidFill>
+                <a:srgbClr val="00FF00"/>
+              </a:solidFill>
+              <a:latin typeface="OCR A Extended" pitchFamily="18"/>
+              <a:ea typeface="DejaVu Sans" pitchFamily="2"/>
+              <a:cs typeface="DejaVu Sans" pitchFamily="2"/>
+            </a:endParaRPr>
           </a:p>
         </p:txBody>
       </p:sp>
@@ -13869,7 +16596,42 @@
           </a:p>
         </p:txBody>
       </p:sp>
+      <p:pic>
+        <p:nvPicPr>
+          <p:cNvPr id="10" name="Imagen 9">
+            <a:extLst>
+              <a:ext uri="{FF2B5EF4-FFF2-40B4-BE49-F238E27FC236}">
+                <a16:creationId xmlns:a16="http://schemas.microsoft.com/office/drawing/2014/main" id="{6FAF6B4E-922B-6015-FF2E-EFA692284AF0}"/>
+              </a:ext>
+            </a:extLst>
+          </p:cNvPr>
+          <p:cNvPicPr>
+            <a:picLocks noChangeAspect="1"/>
+          </p:cNvPicPr>
+          <p:nvPr/>
+        </p:nvPicPr>
+        <p:blipFill>
+          <a:blip r:embed="rId3"/>
+          <a:stretch>
+            <a:fillRect/>
+          </a:stretch>
+        </p:blipFill>
+        <p:spPr>
+          <a:xfrm>
+            <a:off x="1157615" y="1061280"/>
+            <a:ext cx="9353089" cy="4892776"/>
+          </a:xfrm>
+          <a:prstGeom prst="rect">
+            <a:avLst/>
+          </a:prstGeom>
+        </p:spPr>
+      </p:pic>
     </p:spTree>
+    <p:extLst>
+      <p:ext uri="{BB962C8B-B14F-4D97-AF65-F5344CB8AC3E}">
+        <p14:creationId xmlns:p14="http://schemas.microsoft.com/office/powerpoint/2010/main" val="1784496997"/>
+      </p:ext>
+    </p:extLst>
   </p:cSld>
   <p:clrMapOvr>
     <a:masterClrMapping/>
@@ -13896,10 +16658,10 @@
       </p:grpSpPr>
       <p:sp>
         <p:nvSpPr>
-          <p:cNvPr id="3" name="CustomShape 2">
-            <a:extLst>
-              <a:ext uri="{FF2B5EF4-FFF2-40B4-BE49-F238E27FC236}">
-                <a16:creationId xmlns:a16="http://schemas.microsoft.com/office/drawing/2014/main" id="{30E35DF0-9288-484A-AA3E-195788FCACD4}"/>
+          <p:cNvPr id="2" name="CustomShape 1">
+            <a:extLst>
+              <a:ext uri="{FF2B5EF4-FFF2-40B4-BE49-F238E27FC236}">
+                <a16:creationId xmlns:a16="http://schemas.microsoft.com/office/drawing/2014/main" id="{E4282D34-CECC-47F8-AA80-F2CAB438CDDF}"/>
               </a:ext>
             </a:extLst>
           </p:cNvPr>
@@ -13908,70 +16670,8 @@
         </p:nvSpPr>
         <p:spPr>
           <a:xfrm>
-            <a:off x="10067399" y="6356520"/>
-            <a:ext cx="1285560" cy="363959"/>
-          </a:xfrm>
-          <a:prstGeom prst="rect">
-            <a:avLst/>
-          </a:prstGeom>
-          <a:noFill/>
-          <a:ln cap="flat">
-            <a:noFill/>
-            <a:prstDash val="solid"/>
-          </a:ln>
-        </p:spPr>
-        <p:txBody>
-          <a:bodyPr vert="horz" wrap="square" lIns="90000" tIns="45000" rIns="90000" bIns="45000" anchor="ctr" anchorCtr="0" compatLnSpc="0">
-            <a:noAutofit/>
-          </a:bodyPr>
-          <a:lstStyle/>
-          <a:p>
-            <a:pPr marL="0" marR="0" lvl="0" indent="0" algn="r" rtl="0" hangingPunct="1">
-              <a:lnSpc>
-                <a:spcPct val="100000"/>
-              </a:lnSpc>
-              <a:spcBef>
-                <a:spcPts val="0"/>
-              </a:spcBef>
-              <a:spcAft>
-                <a:spcPts val="0"/>
-              </a:spcAft>
-              <a:buNone/>
-              <a:tabLst/>
-            </a:pPr>
-            <a:fld id="{E6F4161E-36B0-4223-AADA-9981612B3FFA}" type="slidenum">
-              <a:t>14</a:t>
-            </a:fld>
-            <a:endParaRPr lang="es-ES" sz="1600" b="0" i="0" u="none" strike="noStrike" kern="1200" cap="none" spc="0" baseline="0" dirty="0">
-              <a:ln>
-                <a:noFill/>
-              </a:ln>
-              <a:solidFill>
-                <a:srgbClr val="00FF00"/>
-              </a:solidFill>
-              <a:latin typeface="Adler" pitchFamily="18"/>
-              <a:ea typeface="DejaVu Sans" pitchFamily="2"/>
-              <a:cs typeface="DejaVu Sans" pitchFamily="2"/>
-            </a:endParaRPr>
-          </a:p>
-        </p:txBody>
-      </p:sp>
-      <p:sp>
-        <p:nvSpPr>
-          <p:cNvPr id="4" name="CustomShape 3">
-            <a:extLst>
-              <a:ext uri="{FF2B5EF4-FFF2-40B4-BE49-F238E27FC236}">
-                <a16:creationId xmlns:a16="http://schemas.microsoft.com/office/drawing/2014/main" id="{890DF6CE-90CC-4D59-B8FE-336ABEA11E33}"/>
-              </a:ext>
-            </a:extLst>
-          </p:cNvPr>
-          <p:cNvSpPr/>
-          <p:nvPr/>
-        </p:nvSpPr>
-        <p:spPr>
-          <a:xfrm>
-            <a:off x="839879" y="1405080"/>
-            <a:ext cx="5156640" cy="822960"/>
+            <a:off x="910080" y="0"/>
+            <a:ext cx="9848160" cy="1061280"/>
           </a:xfrm>
           <a:prstGeom prst="rect">
             <a:avLst/>
@@ -14012,10 +16712,10 @@
       </p:sp>
       <p:sp>
         <p:nvSpPr>
-          <p:cNvPr id="6" name="CustomShape 5">
-            <a:extLst>
-              <a:ext uri="{FF2B5EF4-FFF2-40B4-BE49-F238E27FC236}">
-                <a16:creationId xmlns:a16="http://schemas.microsoft.com/office/drawing/2014/main" id="{22F818AC-75DB-45C0-A9B7-0C827750A615}"/>
+          <p:cNvPr id="3" name="CustomShape 2">
+            <a:extLst>
+              <a:ext uri="{FF2B5EF4-FFF2-40B4-BE49-F238E27FC236}">
+                <a16:creationId xmlns:a16="http://schemas.microsoft.com/office/drawing/2014/main" id="{B8666162-13B4-4E00-AA46-114CA8773DB4}"/>
               </a:ext>
             </a:extLst>
           </p:cNvPr>
@@ -14024,8 +16724,8 @@
         </p:nvSpPr>
         <p:spPr>
           <a:xfrm>
-            <a:off x="6172200" y="1405080"/>
-            <a:ext cx="5182200" cy="822960"/>
+            <a:off x="838080" y="1375560"/>
+            <a:ext cx="10514520" cy="4350240"/>
           </a:xfrm>
           <a:prstGeom prst="rect">
             <a:avLst/>
@@ -14066,6 +16766,1081 @@
       </p:sp>
       <p:sp>
         <p:nvSpPr>
+          <p:cNvPr id="4" name="CustomShape 3">
+            <a:extLst>
+              <a:ext uri="{FF2B5EF4-FFF2-40B4-BE49-F238E27FC236}">
+                <a16:creationId xmlns:a16="http://schemas.microsoft.com/office/drawing/2014/main" id="{02057AA2-7B83-4A62-B299-29AC85CC51E4}"/>
+              </a:ext>
+            </a:extLst>
+          </p:cNvPr>
+          <p:cNvSpPr/>
+          <p:nvPr/>
+        </p:nvSpPr>
+        <p:spPr>
+          <a:xfrm>
+            <a:off x="10067399" y="6356520"/>
+            <a:ext cx="1285560" cy="363959"/>
+          </a:xfrm>
+          <a:prstGeom prst="rect">
+            <a:avLst/>
+          </a:prstGeom>
+          <a:noFill/>
+          <a:ln cap="flat">
+            <a:noFill/>
+            <a:prstDash val="solid"/>
+          </a:ln>
+        </p:spPr>
+        <p:txBody>
+          <a:bodyPr vert="horz" wrap="square" lIns="90000" tIns="45000" rIns="90000" bIns="45000" anchor="ctr" anchorCtr="0" compatLnSpc="0">
+            <a:noAutofit/>
+          </a:bodyPr>
+          <a:lstStyle/>
+          <a:p>
+            <a:pPr marL="0" marR="0" lvl="0" indent="0" algn="r" rtl="0" hangingPunct="1">
+              <a:lnSpc>
+                <a:spcPct val="100000"/>
+              </a:lnSpc>
+              <a:spcBef>
+                <a:spcPts val="0"/>
+              </a:spcBef>
+              <a:spcAft>
+                <a:spcPts val="0"/>
+              </a:spcAft>
+              <a:buNone/>
+              <a:tabLst/>
+            </a:pPr>
+            <a:fld id="{692320E0-2601-4A01-A26F-E1DBCFA5EC92}" type="slidenum">
+              <a:rPr/>
+              <a:t>14</a:t>
+            </a:fld>
+            <a:endParaRPr lang="es-ES" sz="1600" b="0" i="0" u="none" strike="noStrike" kern="1200" cap="none" spc="0" baseline="0" dirty="0">
+              <a:ln>
+                <a:noFill/>
+              </a:ln>
+              <a:solidFill>
+                <a:srgbClr val="00FF00"/>
+              </a:solidFill>
+              <a:latin typeface="Adler" pitchFamily="18"/>
+              <a:ea typeface="DejaVu Sans" pitchFamily="2"/>
+              <a:cs typeface="DejaVu Sans" pitchFamily="2"/>
+            </a:endParaRPr>
+          </a:p>
+        </p:txBody>
+      </p:sp>
+      <p:sp>
+        <p:nvSpPr>
+          <p:cNvPr id="5" name="CustomShape 4">
+            <a:extLst>
+              <a:ext uri="{FF2B5EF4-FFF2-40B4-BE49-F238E27FC236}">
+                <a16:creationId xmlns:a16="http://schemas.microsoft.com/office/drawing/2014/main" id="{813F6BB3-BBD8-47DB-9D0D-605951995A22}"/>
+              </a:ext>
+            </a:extLst>
+          </p:cNvPr>
+          <p:cNvSpPr/>
+          <p:nvPr/>
+        </p:nvSpPr>
+        <p:spPr>
+          <a:xfrm>
+            <a:off x="910080" y="0"/>
+            <a:ext cx="9848520" cy="1061640"/>
+          </a:xfrm>
+          <a:prstGeom prst="rect">
+            <a:avLst/>
+          </a:prstGeom>
+          <a:noFill/>
+          <a:ln cap="flat">
+            <a:noFill/>
+            <a:prstDash val="solid"/>
+          </a:ln>
+        </p:spPr>
+        <p:txBody>
+          <a:bodyPr vert="horz" wrap="square" lIns="90000" tIns="45000" rIns="90000" bIns="45000" anchor="ctr" anchorCtr="0" compatLnSpc="0">
+            <a:noAutofit/>
+          </a:bodyPr>
+          <a:lstStyle/>
+          <a:p>
+            <a:pPr marL="0" marR="0" lvl="0" indent="0" algn="l" rtl="0" hangingPunct="1">
+              <a:lnSpc>
+                <a:spcPct val="90000"/>
+              </a:lnSpc>
+              <a:spcBef>
+                <a:spcPts val="0"/>
+              </a:spcBef>
+              <a:spcAft>
+                <a:spcPts val="0"/>
+              </a:spcAft>
+              <a:buNone/>
+              <a:tabLst/>
+            </a:pPr>
+            <a:r>
+              <a:rPr lang="es-ES" sz="2800" dirty="0">
+                <a:solidFill>
+                  <a:srgbClr val="00FF00"/>
+                </a:solidFill>
+                <a:latin typeface="OCR A Extended" pitchFamily="18"/>
+                <a:ea typeface="DejaVu Sans" pitchFamily="2"/>
+                <a:cs typeface="DejaVu Sans" pitchFamily="2"/>
+              </a:rPr>
+              <a:t>WNF STATE NAMES</a:t>
+            </a:r>
+            <a:endParaRPr lang="es-ES" sz="2800" b="0" i="0" u="none" strike="noStrike" kern="1200" cap="none" spc="0" baseline="0" dirty="0">
+              <a:ln>
+                <a:noFill/>
+              </a:ln>
+              <a:solidFill>
+                <a:srgbClr val="00FF00"/>
+              </a:solidFill>
+              <a:latin typeface="OCR A Extended" pitchFamily="18"/>
+              <a:ea typeface="DejaVu Sans" pitchFamily="2"/>
+              <a:cs typeface="DejaVu Sans" pitchFamily="2"/>
+            </a:endParaRPr>
+          </a:p>
+        </p:txBody>
+      </p:sp>
+      <p:sp>
+        <p:nvSpPr>
+          <p:cNvPr id="7" name="CustomShape 3">
+            <a:extLst>
+              <a:ext uri="{FF2B5EF4-FFF2-40B4-BE49-F238E27FC236}">
+                <a16:creationId xmlns:a16="http://schemas.microsoft.com/office/drawing/2014/main" id="{27D0551E-3D55-428C-87B2-9BD975F3F758}"/>
+              </a:ext>
+            </a:extLst>
+          </p:cNvPr>
+          <p:cNvSpPr/>
+          <p:nvPr/>
+        </p:nvSpPr>
+        <p:spPr>
+          <a:xfrm>
+            <a:off x="10169599" y="6268566"/>
+            <a:ext cx="1285560" cy="363960"/>
+          </a:xfrm>
+          <a:prstGeom prst="rect">
+            <a:avLst/>
+          </a:prstGeom>
+          <a:noFill/>
+          <a:ln>
+            <a:noFill/>
+          </a:ln>
+        </p:spPr>
+        <p:style>
+          <a:lnRef idx="0">
+            <a:scrgbClr r="0" g="0" b="0"/>
+          </a:lnRef>
+          <a:fillRef idx="0">
+            <a:scrgbClr r="0" g="0" b="0"/>
+          </a:fillRef>
+          <a:effectRef idx="0">
+            <a:scrgbClr r="0" g="0" b="0"/>
+          </a:effectRef>
+          <a:fontRef idx="minor"/>
+        </p:style>
+        <p:txBody>
+          <a:bodyPr lIns="90000" tIns="45000" rIns="90000" bIns="45000" anchor="ctr"/>
+          <a:lstStyle>
+            <a:defPPr>
+              <a:defRPr lang="es-ES"/>
+            </a:defPPr>
+            <a:lvl1pPr marL="0" algn="l" defTabSz="914400" rtl="0" eaLnBrk="1" latinLnBrk="0" hangingPunct="1">
+              <a:defRPr sz="1800" kern="1200">
+                <a:solidFill>
+                  <a:schemeClr val="tx1"/>
+                </a:solidFill>
+                <a:latin typeface="+mn-lt"/>
+                <a:ea typeface="+mn-ea"/>
+                <a:cs typeface="+mn-cs"/>
+              </a:defRPr>
+            </a:lvl1pPr>
+            <a:lvl2pPr marL="457200" algn="l" defTabSz="914400" rtl="0" eaLnBrk="1" latinLnBrk="0" hangingPunct="1">
+              <a:defRPr sz="1800" kern="1200">
+                <a:solidFill>
+                  <a:schemeClr val="tx1"/>
+                </a:solidFill>
+                <a:latin typeface="+mn-lt"/>
+                <a:ea typeface="+mn-ea"/>
+                <a:cs typeface="+mn-cs"/>
+              </a:defRPr>
+            </a:lvl2pPr>
+            <a:lvl3pPr marL="914400" algn="l" defTabSz="914400" rtl="0" eaLnBrk="1" latinLnBrk="0" hangingPunct="1">
+              <a:defRPr sz="1800" kern="1200">
+                <a:solidFill>
+                  <a:schemeClr val="tx1"/>
+                </a:solidFill>
+                <a:latin typeface="+mn-lt"/>
+                <a:ea typeface="+mn-ea"/>
+                <a:cs typeface="+mn-cs"/>
+              </a:defRPr>
+            </a:lvl3pPr>
+            <a:lvl4pPr marL="1371600" algn="l" defTabSz="914400" rtl="0" eaLnBrk="1" latinLnBrk="0" hangingPunct="1">
+              <a:defRPr sz="1800" kern="1200">
+                <a:solidFill>
+                  <a:schemeClr val="tx1"/>
+                </a:solidFill>
+                <a:latin typeface="+mn-lt"/>
+                <a:ea typeface="+mn-ea"/>
+                <a:cs typeface="+mn-cs"/>
+              </a:defRPr>
+            </a:lvl4pPr>
+            <a:lvl5pPr marL="1828800" algn="l" defTabSz="914400" rtl="0" eaLnBrk="1" latinLnBrk="0" hangingPunct="1">
+              <a:defRPr sz="1800" kern="1200">
+                <a:solidFill>
+                  <a:schemeClr val="tx1"/>
+                </a:solidFill>
+                <a:latin typeface="+mn-lt"/>
+                <a:ea typeface="+mn-ea"/>
+                <a:cs typeface="+mn-cs"/>
+              </a:defRPr>
+            </a:lvl5pPr>
+            <a:lvl6pPr marL="2286000" algn="l" defTabSz="914400" rtl="0" eaLnBrk="1" latinLnBrk="0" hangingPunct="1">
+              <a:defRPr sz="1800" kern="1200">
+                <a:solidFill>
+                  <a:schemeClr val="tx1"/>
+                </a:solidFill>
+                <a:latin typeface="+mn-lt"/>
+                <a:ea typeface="+mn-ea"/>
+                <a:cs typeface="+mn-cs"/>
+              </a:defRPr>
+            </a:lvl6pPr>
+            <a:lvl7pPr marL="2743200" algn="l" defTabSz="914400" rtl="0" eaLnBrk="1" latinLnBrk="0" hangingPunct="1">
+              <a:defRPr sz="1800" kern="1200">
+                <a:solidFill>
+                  <a:schemeClr val="tx1"/>
+                </a:solidFill>
+                <a:latin typeface="+mn-lt"/>
+                <a:ea typeface="+mn-ea"/>
+                <a:cs typeface="+mn-cs"/>
+              </a:defRPr>
+            </a:lvl7pPr>
+            <a:lvl8pPr marL="3200400" algn="l" defTabSz="914400" rtl="0" eaLnBrk="1" latinLnBrk="0" hangingPunct="1">
+              <a:defRPr sz="1800" kern="1200">
+                <a:solidFill>
+                  <a:schemeClr val="tx1"/>
+                </a:solidFill>
+                <a:latin typeface="+mn-lt"/>
+                <a:ea typeface="+mn-ea"/>
+                <a:cs typeface="+mn-cs"/>
+              </a:defRPr>
+            </a:lvl8pPr>
+            <a:lvl9pPr marL="3657600" algn="l" defTabSz="914400" rtl="0" eaLnBrk="1" latinLnBrk="0" hangingPunct="1">
+              <a:defRPr sz="1800" kern="1200">
+                <a:solidFill>
+                  <a:schemeClr val="tx1"/>
+                </a:solidFill>
+                <a:latin typeface="+mn-lt"/>
+                <a:ea typeface="+mn-ea"/>
+                <a:cs typeface="+mn-cs"/>
+              </a:defRPr>
+            </a:lvl9pPr>
+          </a:lstStyle>
+          <a:p>
+            <a:pPr algn="r">
+              <a:lnSpc>
+                <a:spcPct val="100000"/>
+              </a:lnSpc>
+            </a:pPr>
+            <a:fld id="{F4AF001D-1B90-4342-83A9-7082BA1E0464}" type="slidenum">
+              <a:rPr lang="es-ES" sz="1600" b="0" strike="noStrike" spc="-1">
+                <a:solidFill>
+                  <a:srgbClr val="00FF00"/>
+                </a:solidFill>
+                <a:latin typeface="Adler"/>
+                <a:ea typeface="DejaVu Sans"/>
+              </a:rPr>
+              <a:pPr algn="r">
+                <a:lnSpc>
+                  <a:spcPct val="100000"/>
+                </a:lnSpc>
+              </a:pPr>
+              <a:t>14</a:t>
+            </a:fld>
+            <a:endParaRPr lang="es-ES" sz="1600" b="0" strike="noStrike" spc="-1" dirty="0">
+              <a:latin typeface="Arial"/>
+            </a:endParaRPr>
+          </a:p>
+        </p:txBody>
+      </p:sp>
+      <p:pic>
+        <p:nvPicPr>
+          <p:cNvPr id="8" name="Imagen 7">
+            <a:extLst>
+              <a:ext uri="{FF2B5EF4-FFF2-40B4-BE49-F238E27FC236}">
+                <a16:creationId xmlns:a16="http://schemas.microsoft.com/office/drawing/2014/main" id="{E77E1DCB-F475-0FF5-5CEA-CE9984F429A2}"/>
+              </a:ext>
+            </a:extLst>
+          </p:cNvPr>
+          <p:cNvPicPr>
+            <a:picLocks noChangeAspect="1"/>
+          </p:cNvPicPr>
+          <p:nvPr/>
+        </p:nvPicPr>
+        <p:blipFill>
+          <a:blip r:embed="rId3"/>
+          <a:stretch>
+            <a:fillRect/>
+          </a:stretch>
+        </p:blipFill>
+        <p:spPr>
+          <a:xfrm>
+            <a:off x="1237590" y="1061280"/>
+            <a:ext cx="9715500" cy="4886325"/>
+          </a:xfrm>
+          <a:prstGeom prst="rect">
+            <a:avLst/>
+          </a:prstGeom>
+        </p:spPr>
+      </p:pic>
+    </p:spTree>
+    <p:extLst>
+      <p:ext uri="{BB962C8B-B14F-4D97-AF65-F5344CB8AC3E}">
+        <p14:creationId xmlns:p14="http://schemas.microsoft.com/office/powerpoint/2010/main" val="96126175"/>
+      </p:ext>
+    </p:extLst>
+  </p:cSld>
+  <p:clrMapOvr>
+    <a:masterClrMapping/>
+  </p:clrMapOvr>
+</p:sld>
+</file>
+
+<file path=ppt/slides/slide15.xml><?xml version="1.0" encoding="utf-8"?>
+<p:sld xmlns:a="http://schemas.openxmlformats.org/drawingml/2006/main" xmlns:r="http://schemas.openxmlformats.org/officeDocument/2006/relationships" xmlns:p="http://schemas.openxmlformats.org/presentationml/2006/main">
+  <p:cSld>
+    <p:spTree>
+      <p:nvGrpSpPr>
+        <p:cNvPr id="1" name=""/>
+        <p:cNvGrpSpPr/>
+        <p:nvPr/>
+      </p:nvGrpSpPr>
+      <p:grpSpPr>
+        <a:xfrm>
+          <a:off x="0" y="0"/>
+          <a:ext cx="0" cy="0"/>
+          <a:chOff x="0" y="0"/>
+          <a:chExt cx="0" cy="0"/>
+        </a:xfrm>
+      </p:grpSpPr>
+      <p:sp>
+        <p:nvSpPr>
+          <p:cNvPr id="2" name="CustomShape 1">
+            <a:extLst>
+              <a:ext uri="{FF2B5EF4-FFF2-40B4-BE49-F238E27FC236}">
+                <a16:creationId xmlns:a16="http://schemas.microsoft.com/office/drawing/2014/main" id="{E4282D34-CECC-47F8-AA80-F2CAB438CDDF}"/>
+              </a:ext>
+            </a:extLst>
+          </p:cNvPr>
+          <p:cNvSpPr/>
+          <p:nvPr/>
+        </p:nvSpPr>
+        <p:spPr>
+          <a:xfrm>
+            <a:off x="910080" y="0"/>
+            <a:ext cx="9848160" cy="1061280"/>
+          </a:xfrm>
+          <a:prstGeom prst="rect">
+            <a:avLst/>
+          </a:prstGeom>
+          <a:noFill/>
+          <a:ln cap="flat">
+            <a:noFill/>
+            <a:prstDash val="solid"/>
+          </a:ln>
+        </p:spPr>
+        <p:txBody>
+          <a:bodyPr vert="horz" wrap="square" lIns="90000" tIns="45000" rIns="90000" bIns="45000" anchorCtr="0" compatLnSpc="0"/>
+          <a:lstStyle/>
+          <a:p>
+            <a:pPr marL="0" marR="0" lvl="0" indent="0" rtl="0" hangingPunct="0">
+              <a:lnSpc>
+                <a:spcPct val="100000"/>
+              </a:lnSpc>
+              <a:spcBef>
+                <a:spcPts val="0"/>
+              </a:spcBef>
+              <a:spcAft>
+                <a:spcPts val="0"/>
+              </a:spcAft>
+              <a:buNone/>
+              <a:tabLst/>
+            </a:pPr>
+            <a:endParaRPr lang="en-US" sz="1800" b="0" i="0" u="none" strike="noStrike" kern="1200" cap="none">
+              <a:ln>
+                <a:noFill/>
+              </a:ln>
+              <a:latin typeface="Liberation Sans" pitchFamily="18"/>
+              <a:ea typeface="Noto Sans CJK SC" pitchFamily="2"/>
+              <a:cs typeface="Lohit Devanagari" pitchFamily="2"/>
+            </a:endParaRPr>
+          </a:p>
+        </p:txBody>
+      </p:sp>
+      <p:sp>
+        <p:nvSpPr>
+          <p:cNvPr id="3" name="CustomShape 2">
+            <a:extLst>
+              <a:ext uri="{FF2B5EF4-FFF2-40B4-BE49-F238E27FC236}">
+                <a16:creationId xmlns:a16="http://schemas.microsoft.com/office/drawing/2014/main" id="{B8666162-13B4-4E00-AA46-114CA8773DB4}"/>
+              </a:ext>
+            </a:extLst>
+          </p:cNvPr>
+          <p:cNvSpPr/>
+          <p:nvPr/>
+        </p:nvSpPr>
+        <p:spPr>
+          <a:xfrm>
+            <a:off x="838080" y="1375560"/>
+            <a:ext cx="10514520" cy="4350240"/>
+          </a:xfrm>
+          <a:prstGeom prst="rect">
+            <a:avLst/>
+          </a:prstGeom>
+          <a:noFill/>
+          <a:ln cap="flat">
+            <a:noFill/>
+            <a:prstDash val="solid"/>
+          </a:ln>
+        </p:spPr>
+        <p:txBody>
+          <a:bodyPr vert="horz" wrap="square" lIns="90000" tIns="45000" rIns="90000" bIns="45000" anchorCtr="0" compatLnSpc="0"/>
+          <a:lstStyle/>
+          <a:p>
+            <a:pPr marL="0" marR="0" lvl="0" indent="0" rtl="0" hangingPunct="0">
+              <a:lnSpc>
+                <a:spcPct val="100000"/>
+              </a:lnSpc>
+              <a:spcBef>
+                <a:spcPts val="0"/>
+              </a:spcBef>
+              <a:spcAft>
+                <a:spcPts val="0"/>
+              </a:spcAft>
+              <a:buNone/>
+              <a:tabLst/>
+            </a:pPr>
+            <a:endParaRPr lang="en-US" sz="1800" b="0" i="0" u="none" strike="noStrike" kern="1200" cap="none">
+              <a:ln>
+                <a:noFill/>
+              </a:ln>
+              <a:latin typeface="Liberation Sans" pitchFamily="18"/>
+              <a:ea typeface="Noto Sans CJK SC" pitchFamily="2"/>
+              <a:cs typeface="Lohit Devanagari" pitchFamily="2"/>
+            </a:endParaRPr>
+          </a:p>
+        </p:txBody>
+      </p:sp>
+      <p:sp>
+        <p:nvSpPr>
+          <p:cNvPr id="4" name="CustomShape 3">
+            <a:extLst>
+              <a:ext uri="{FF2B5EF4-FFF2-40B4-BE49-F238E27FC236}">
+                <a16:creationId xmlns:a16="http://schemas.microsoft.com/office/drawing/2014/main" id="{02057AA2-7B83-4A62-B299-29AC85CC51E4}"/>
+              </a:ext>
+            </a:extLst>
+          </p:cNvPr>
+          <p:cNvSpPr/>
+          <p:nvPr/>
+        </p:nvSpPr>
+        <p:spPr>
+          <a:xfrm>
+            <a:off x="10067399" y="6356520"/>
+            <a:ext cx="1285560" cy="363959"/>
+          </a:xfrm>
+          <a:prstGeom prst="rect">
+            <a:avLst/>
+          </a:prstGeom>
+          <a:noFill/>
+          <a:ln cap="flat">
+            <a:noFill/>
+            <a:prstDash val="solid"/>
+          </a:ln>
+        </p:spPr>
+        <p:txBody>
+          <a:bodyPr vert="horz" wrap="square" lIns="90000" tIns="45000" rIns="90000" bIns="45000" anchor="ctr" anchorCtr="0" compatLnSpc="0">
+            <a:noAutofit/>
+          </a:bodyPr>
+          <a:lstStyle/>
+          <a:p>
+            <a:pPr marL="0" marR="0" lvl="0" indent="0" algn="r" rtl="0" hangingPunct="1">
+              <a:lnSpc>
+                <a:spcPct val="100000"/>
+              </a:lnSpc>
+              <a:spcBef>
+                <a:spcPts val="0"/>
+              </a:spcBef>
+              <a:spcAft>
+                <a:spcPts val="0"/>
+              </a:spcAft>
+              <a:buNone/>
+              <a:tabLst/>
+            </a:pPr>
+            <a:fld id="{692320E0-2601-4A01-A26F-E1DBCFA5EC92}" type="slidenum">
+              <a:rPr/>
+              <a:t>15</a:t>
+            </a:fld>
+            <a:endParaRPr lang="es-ES" sz="1600" b="0" i="0" u="none" strike="noStrike" kern="1200" cap="none" spc="0" baseline="0" dirty="0">
+              <a:ln>
+                <a:noFill/>
+              </a:ln>
+              <a:solidFill>
+                <a:srgbClr val="00FF00"/>
+              </a:solidFill>
+              <a:latin typeface="Adler" pitchFamily="18"/>
+              <a:ea typeface="DejaVu Sans" pitchFamily="2"/>
+              <a:cs typeface="DejaVu Sans" pitchFamily="2"/>
+            </a:endParaRPr>
+          </a:p>
+        </p:txBody>
+      </p:sp>
+      <p:sp>
+        <p:nvSpPr>
+          <p:cNvPr id="5" name="CustomShape 4">
+            <a:extLst>
+              <a:ext uri="{FF2B5EF4-FFF2-40B4-BE49-F238E27FC236}">
+                <a16:creationId xmlns:a16="http://schemas.microsoft.com/office/drawing/2014/main" id="{813F6BB3-BBD8-47DB-9D0D-605951995A22}"/>
+              </a:ext>
+            </a:extLst>
+          </p:cNvPr>
+          <p:cNvSpPr/>
+          <p:nvPr/>
+        </p:nvSpPr>
+        <p:spPr>
+          <a:xfrm>
+            <a:off x="910080" y="0"/>
+            <a:ext cx="9848520" cy="1061640"/>
+          </a:xfrm>
+          <a:prstGeom prst="rect">
+            <a:avLst/>
+          </a:prstGeom>
+          <a:noFill/>
+          <a:ln cap="flat">
+            <a:noFill/>
+            <a:prstDash val="solid"/>
+          </a:ln>
+        </p:spPr>
+        <p:txBody>
+          <a:bodyPr vert="horz" wrap="square" lIns="90000" tIns="45000" rIns="90000" bIns="45000" anchor="ctr" anchorCtr="0" compatLnSpc="0">
+            <a:noAutofit/>
+          </a:bodyPr>
+          <a:lstStyle/>
+          <a:p>
+            <a:pPr marL="0" marR="0" lvl="0" indent="0" algn="l" rtl="0" hangingPunct="1">
+              <a:lnSpc>
+                <a:spcPct val="90000"/>
+              </a:lnSpc>
+              <a:spcBef>
+                <a:spcPts val="0"/>
+              </a:spcBef>
+              <a:spcAft>
+                <a:spcPts val="0"/>
+              </a:spcAft>
+              <a:buNone/>
+              <a:tabLst/>
+            </a:pPr>
+            <a:r>
+              <a:rPr lang="es-ES" sz="2800" dirty="0">
+                <a:solidFill>
+                  <a:srgbClr val="00FF00"/>
+                </a:solidFill>
+                <a:latin typeface="OCR A Extended" pitchFamily="18"/>
+                <a:ea typeface="DejaVu Sans" pitchFamily="2"/>
+                <a:cs typeface="DejaVu Sans" pitchFamily="2"/>
+              </a:rPr>
+              <a:t>WNF STATE NAMES</a:t>
+            </a:r>
+            <a:endParaRPr lang="es-ES" sz="2800" b="0" i="0" u="none" strike="noStrike" kern="1200" cap="none" spc="0" baseline="0" dirty="0">
+              <a:ln>
+                <a:noFill/>
+              </a:ln>
+              <a:solidFill>
+                <a:srgbClr val="00FF00"/>
+              </a:solidFill>
+              <a:latin typeface="OCR A Extended" pitchFamily="18"/>
+              <a:ea typeface="DejaVu Sans" pitchFamily="2"/>
+              <a:cs typeface="DejaVu Sans" pitchFamily="2"/>
+            </a:endParaRPr>
+          </a:p>
+        </p:txBody>
+      </p:sp>
+      <p:sp>
+        <p:nvSpPr>
+          <p:cNvPr id="7" name="CustomShape 3">
+            <a:extLst>
+              <a:ext uri="{FF2B5EF4-FFF2-40B4-BE49-F238E27FC236}">
+                <a16:creationId xmlns:a16="http://schemas.microsoft.com/office/drawing/2014/main" id="{27D0551E-3D55-428C-87B2-9BD975F3F758}"/>
+              </a:ext>
+            </a:extLst>
+          </p:cNvPr>
+          <p:cNvSpPr/>
+          <p:nvPr/>
+        </p:nvSpPr>
+        <p:spPr>
+          <a:xfrm>
+            <a:off x="10169599" y="6268566"/>
+            <a:ext cx="1285560" cy="363960"/>
+          </a:xfrm>
+          <a:prstGeom prst="rect">
+            <a:avLst/>
+          </a:prstGeom>
+          <a:noFill/>
+          <a:ln>
+            <a:noFill/>
+          </a:ln>
+        </p:spPr>
+        <p:style>
+          <a:lnRef idx="0">
+            <a:scrgbClr r="0" g="0" b="0"/>
+          </a:lnRef>
+          <a:fillRef idx="0">
+            <a:scrgbClr r="0" g="0" b="0"/>
+          </a:fillRef>
+          <a:effectRef idx="0">
+            <a:scrgbClr r="0" g="0" b="0"/>
+          </a:effectRef>
+          <a:fontRef idx="minor"/>
+        </p:style>
+        <p:txBody>
+          <a:bodyPr lIns="90000" tIns="45000" rIns="90000" bIns="45000" anchor="ctr"/>
+          <a:lstStyle>
+            <a:defPPr>
+              <a:defRPr lang="es-ES"/>
+            </a:defPPr>
+            <a:lvl1pPr marL="0" algn="l" defTabSz="914400" rtl="0" eaLnBrk="1" latinLnBrk="0" hangingPunct="1">
+              <a:defRPr sz="1800" kern="1200">
+                <a:solidFill>
+                  <a:schemeClr val="tx1"/>
+                </a:solidFill>
+                <a:latin typeface="+mn-lt"/>
+                <a:ea typeface="+mn-ea"/>
+                <a:cs typeface="+mn-cs"/>
+              </a:defRPr>
+            </a:lvl1pPr>
+            <a:lvl2pPr marL="457200" algn="l" defTabSz="914400" rtl="0" eaLnBrk="1" latinLnBrk="0" hangingPunct="1">
+              <a:defRPr sz="1800" kern="1200">
+                <a:solidFill>
+                  <a:schemeClr val="tx1"/>
+                </a:solidFill>
+                <a:latin typeface="+mn-lt"/>
+                <a:ea typeface="+mn-ea"/>
+                <a:cs typeface="+mn-cs"/>
+              </a:defRPr>
+            </a:lvl2pPr>
+            <a:lvl3pPr marL="914400" algn="l" defTabSz="914400" rtl="0" eaLnBrk="1" latinLnBrk="0" hangingPunct="1">
+              <a:defRPr sz="1800" kern="1200">
+                <a:solidFill>
+                  <a:schemeClr val="tx1"/>
+                </a:solidFill>
+                <a:latin typeface="+mn-lt"/>
+                <a:ea typeface="+mn-ea"/>
+                <a:cs typeface="+mn-cs"/>
+              </a:defRPr>
+            </a:lvl3pPr>
+            <a:lvl4pPr marL="1371600" algn="l" defTabSz="914400" rtl="0" eaLnBrk="1" latinLnBrk="0" hangingPunct="1">
+              <a:defRPr sz="1800" kern="1200">
+                <a:solidFill>
+                  <a:schemeClr val="tx1"/>
+                </a:solidFill>
+                <a:latin typeface="+mn-lt"/>
+                <a:ea typeface="+mn-ea"/>
+                <a:cs typeface="+mn-cs"/>
+              </a:defRPr>
+            </a:lvl4pPr>
+            <a:lvl5pPr marL="1828800" algn="l" defTabSz="914400" rtl="0" eaLnBrk="1" latinLnBrk="0" hangingPunct="1">
+              <a:defRPr sz="1800" kern="1200">
+                <a:solidFill>
+                  <a:schemeClr val="tx1"/>
+                </a:solidFill>
+                <a:latin typeface="+mn-lt"/>
+                <a:ea typeface="+mn-ea"/>
+                <a:cs typeface="+mn-cs"/>
+              </a:defRPr>
+            </a:lvl5pPr>
+            <a:lvl6pPr marL="2286000" algn="l" defTabSz="914400" rtl="0" eaLnBrk="1" latinLnBrk="0" hangingPunct="1">
+              <a:defRPr sz="1800" kern="1200">
+                <a:solidFill>
+                  <a:schemeClr val="tx1"/>
+                </a:solidFill>
+                <a:latin typeface="+mn-lt"/>
+                <a:ea typeface="+mn-ea"/>
+                <a:cs typeface="+mn-cs"/>
+              </a:defRPr>
+            </a:lvl6pPr>
+            <a:lvl7pPr marL="2743200" algn="l" defTabSz="914400" rtl="0" eaLnBrk="1" latinLnBrk="0" hangingPunct="1">
+              <a:defRPr sz="1800" kern="1200">
+                <a:solidFill>
+                  <a:schemeClr val="tx1"/>
+                </a:solidFill>
+                <a:latin typeface="+mn-lt"/>
+                <a:ea typeface="+mn-ea"/>
+                <a:cs typeface="+mn-cs"/>
+              </a:defRPr>
+            </a:lvl7pPr>
+            <a:lvl8pPr marL="3200400" algn="l" defTabSz="914400" rtl="0" eaLnBrk="1" latinLnBrk="0" hangingPunct="1">
+              <a:defRPr sz="1800" kern="1200">
+                <a:solidFill>
+                  <a:schemeClr val="tx1"/>
+                </a:solidFill>
+                <a:latin typeface="+mn-lt"/>
+                <a:ea typeface="+mn-ea"/>
+                <a:cs typeface="+mn-cs"/>
+              </a:defRPr>
+            </a:lvl8pPr>
+            <a:lvl9pPr marL="3657600" algn="l" defTabSz="914400" rtl="0" eaLnBrk="1" latinLnBrk="0" hangingPunct="1">
+              <a:defRPr sz="1800" kern="1200">
+                <a:solidFill>
+                  <a:schemeClr val="tx1"/>
+                </a:solidFill>
+                <a:latin typeface="+mn-lt"/>
+                <a:ea typeface="+mn-ea"/>
+                <a:cs typeface="+mn-cs"/>
+              </a:defRPr>
+            </a:lvl9pPr>
+          </a:lstStyle>
+          <a:p>
+            <a:pPr algn="r">
+              <a:lnSpc>
+                <a:spcPct val="100000"/>
+              </a:lnSpc>
+            </a:pPr>
+            <a:fld id="{F4AF001D-1B90-4342-83A9-7082BA1E0464}" type="slidenum">
+              <a:rPr lang="es-ES" sz="1600" b="0" strike="noStrike" spc="-1">
+                <a:solidFill>
+                  <a:srgbClr val="00FF00"/>
+                </a:solidFill>
+                <a:latin typeface="Adler"/>
+                <a:ea typeface="DejaVu Sans"/>
+              </a:rPr>
+              <a:pPr algn="r">
+                <a:lnSpc>
+                  <a:spcPct val="100000"/>
+                </a:lnSpc>
+              </a:pPr>
+              <a:t>15</a:t>
+            </a:fld>
+            <a:endParaRPr lang="es-ES" sz="1600" b="0" strike="noStrike" spc="-1" dirty="0">
+              <a:latin typeface="Arial"/>
+            </a:endParaRPr>
+          </a:p>
+        </p:txBody>
+      </p:sp>
+      <p:pic>
+        <p:nvPicPr>
+          <p:cNvPr id="9" name="Imagen 8">
+            <a:extLst>
+              <a:ext uri="{FF2B5EF4-FFF2-40B4-BE49-F238E27FC236}">
+                <a16:creationId xmlns:a16="http://schemas.microsoft.com/office/drawing/2014/main" id="{34425AA5-D53E-1CE8-43B2-706B6DADF7EF}"/>
+              </a:ext>
+            </a:extLst>
+          </p:cNvPr>
+          <p:cNvPicPr>
+            <a:picLocks noChangeAspect="1"/>
+          </p:cNvPicPr>
+          <p:nvPr/>
+        </p:nvPicPr>
+        <p:blipFill>
+          <a:blip r:embed="rId3"/>
+          <a:stretch>
+            <a:fillRect/>
+          </a:stretch>
+        </p:blipFill>
+        <p:spPr>
+          <a:xfrm>
+            <a:off x="885165" y="2247900"/>
+            <a:ext cx="10420350" cy="1181100"/>
+          </a:xfrm>
+          <a:prstGeom prst="rect">
+            <a:avLst/>
+          </a:prstGeom>
+        </p:spPr>
+      </p:pic>
+      <p:sp>
+        <p:nvSpPr>
+          <p:cNvPr id="10" name="CuadroTexto 9">
+            <a:extLst>
+              <a:ext uri="{FF2B5EF4-FFF2-40B4-BE49-F238E27FC236}">
+                <a16:creationId xmlns:a16="http://schemas.microsoft.com/office/drawing/2014/main" id="{6DC9598B-0E6F-943B-FC17-F29E4A12E0B5}"/>
+              </a:ext>
+            </a:extLst>
+          </p:cNvPr>
+          <p:cNvSpPr txBox="1"/>
+          <p:nvPr/>
+        </p:nvSpPr>
+        <p:spPr>
+          <a:xfrm>
+            <a:off x="885165" y="3746090"/>
+            <a:ext cx="10420350" cy="369332"/>
+          </a:xfrm>
+          <a:prstGeom prst="rect">
+            <a:avLst/>
+          </a:prstGeom>
+          <a:noFill/>
+        </p:spPr>
+        <p:txBody>
+          <a:bodyPr wrap="square" rtlCol="0">
+            <a:spAutoFit/>
+          </a:bodyPr>
+          <a:lstStyle/>
+          <a:p>
+            <a:pPr algn="ctr"/>
+            <a:r>
+              <a:rPr lang="es-ES" dirty="0">
+                <a:solidFill>
+                  <a:schemeClr val="bg2">
+                    <a:lumMod val="50000"/>
+                  </a:schemeClr>
+                </a:solidFill>
+              </a:rPr>
+              <a:t>WNF_AUDC_CAPTURE únicamente tiene RW para el servicio </a:t>
+            </a:r>
+            <a:r>
+              <a:rPr lang="es-ES" dirty="0" err="1">
+                <a:solidFill>
+                  <a:schemeClr val="bg2">
+                    <a:lumMod val="50000"/>
+                  </a:schemeClr>
+                </a:solidFill>
+              </a:rPr>
+              <a:t>AudioSrv</a:t>
+            </a:r>
+            <a:endParaRPr lang="es-ES" sz="1800" dirty="0">
+              <a:solidFill>
+                <a:schemeClr val="bg2">
+                  <a:lumMod val="50000"/>
+                </a:schemeClr>
+              </a:solidFill>
+            </a:endParaRPr>
+          </a:p>
+        </p:txBody>
+      </p:sp>
+      <p:pic>
+        <p:nvPicPr>
+          <p:cNvPr id="12" name="Imagen 11">
+            <a:extLst>
+              <a:ext uri="{FF2B5EF4-FFF2-40B4-BE49-F238E27FC236}">
+                <a16:creationId xmlns:a16="http://schemas.microsoft.com/office/drawing/2014/main" id="{34E5AA64-92EB-C770-3062-6B0990C5BF46}"/>
+              </a:ext>
+            </a:extLst>
+          </p:cNvPr>
+          <p:cNvPicPr>
+            <a:picLocks noChangeAspect="1"/>
+          </p:cNvPicPr>
+          <p:nvPr/>
+        </p:nvPicPr>
+        <p:blipFill>
+          <a:blip r:embed="rId4"/>
+          <a:stretch>
+            <a:fillRect/>
+          </a:stretch>
+        </p:blipFill>
+        <p:spPr>
+          <a:xfrm>
+            <a:off x="2871127" y="4301340"/>
+            <a:ext cx="6448425" cy="904875"/>
+          </a:xfrm>
+          <a:prstGeom prst="rect">
+            <a:avLst/>
+          </a:prstGeom>
+        </p:spPr>
+      </p:pic>
+    </p:spTree>
+    <p:extLst>
+      <p:ext uri="{BB962C8B-B14F-4D97-AF65-F5344CB8AC3E}">
+        <p14:creationId xmlns:p14="http://schemas.microsoft.com/office/powerpoint/2010/main" val="2414249606"/>
+      </p:ext>
+    </p:extLst>
+  </p:cSld>
+  <p:clrMapOvr>
+    <a:masterClrMapping/>
+  </p:clrMapOvr>
+</p:sld>
+</file>
+
+<file path=ppt/slides/slide16.xml><?xml version="1.0" encoding="utf-8"?>
+<p:sld xmlns:a="http://schemas.openxmlformats.org/drawingml/2006/main" xmlns:r="http://schemas.openxmlformats.org/officeDocument/2006/relationships" xmlns:p="http://schemas.openxmlformats.org/presentationml/2006/main">
+  <p:cSld>
+    <p:spTree>
+      <p:nvGrpSpPr>
+        <p:cNvPr id="1" name=""/>
+        <p:cNvGrpSpPr/>
+        <p:nvPr/>
+      </p:nvGrpSpPr>
+      <p:grpSpPr>
+        <a:xfrm>
+          <a:off x="0" y="0"/>
+          <a:ext cx="0" cy="0"/>
+          <a:chOff x="0" y="0"/>
+          <a:chExt cx="0" cy="0"/>
+        </a:xfrm>
+      </p:grpSpPr>
+      <p:sp>
+        <p:nvSpPr>
+          <p:cNvPr id="3" name="CustomShape 2">
+            <a:extLst>
+              <a:ext uri="{FF2B5EF4-FFF2-40B4-BE49-F238E27FC236}">
+                <a16:creationId xmlns:a16="http://schemas.microsoft.com/office/drawing/2014/main" id="{30E35DF0-9288-484A-AA3E-195788FCACD4}"/>
+              </a:ext>
+            </a:extLst>
+          </p:cNvPr>
+          <p:cNvSpPr/>
+          <p:nvPr/>
+        </p:nvSpPr>
+        <p:spPr>
+          <a:xfrm>
+            <a:off x="10067399" y="6356520"/>
+            <a:ext cx="1285560" cy="363959"/>
+          </a:xfrm>
+          <a:prstGeom prst="rect">
+            <a:avLst/>
+          </a:prstGeom>
+          <a:noFill/>
+          <a:ln cap="flat">
+            <a:noFill/>
+            <a:prstDash val="solid"/>
+          </a:ln>
+        </p:spPr>
+        <p:txBody>
+          <a:bodyPr vert="horz" wrap="square" lIns="90000" tIns="45000" rIns="90000" bIns="45000" anchor="ctr" anchorCtr="0" compatLnSpc="0">
+            <a:noAutofit/>
+          </a:bodyPr>
+          <a:lstStyle/>
+          <a:p>
+            <a:pPr marL="0" marR="0" lvl="0" indent="0" algn="r" rtl="0" hangingPunct="1">
+              <a:lnSpc>
+                <a:spcPct val="100000"/>
+              </a:lnSpc>
+              <a:spcBef>
+                <a:spcPts val="0"/>
+              </a:spcBef>
+              <a:spcAft>
+                <a:spcPts val="0"/>
+              </a:spcAft>
+              <a:buNone/>
+              <a:tabLst/>
+            </a:pPr>
+            <a:fld id="{E6F4161E-36B0-4223-AADA-9981612B3FFA}" type="slidenum">
+              <a:t>16</a:t>
+            </a:fld>
+            <a:endParaRPr lang="es-ES" sz="1600" b="0" i="0" u="none" strike="noStrike" kern="1200" cap="none" spc="0" baseline="0" dirty="0">
+              <a:ln>
+                <a:noFill/>
+              </a:ln>
+              <a:solidFill>
+                <a:srgbClr val="00FF00"/>
+              </a:solidFill>
+              <a:latin typeface="Adler" pitchFamily="18"/>
+              <a:ea typeface="DejaVu Sans" pitchFamily="2"/>
+              <a:cs typeface="DejaVu Sans" pitchFamily="2"/>
+            </a:endParaRPr>
+          </a:p>
+        </p:txBody>
+      </p:sp>
+      <p:sp>
+        <p:nvSpPr>
+          <p:cNvPr id="4" name="CustomShape 3">
+            <a:extLst>
+              <a:ext uri="{FF2B5EF4-FFF2-40B4-BE49-F238E27FC236}">
+                <a16:creationId xmlns:a16="http://schemas.microsoft.com/office/drawing/2014/main" id="{890DF6CE-90CC-4D59-B8FE-336ABEA11E33}"/>
+              </a:ext>
+            </a:extLst>
+          </p:cNvPr>
+          <p:cNvSpPr/>
+          <p:nvPr/>
+        </p:nvSpPr>
+        <p:spPr>
+          <a:xfrm>
+            <a:off x="839879" y="1405080"/>
+            <a:ext cx="5156640" cy="822960"/>
+          </a:xfrm>
+          <a:prstGeom prst="rect">
+            <a:avLst/>
+          </a:prstGeom>
+          <a:noFill/>
+          <a:ln cap="flat">
+            <a:noFill/>
+            <a:prstDash val="solid"/>
+          </a:ln>
+        </p:spPr>
+        <p:txBody>
+          <a:bodyPr vert="horz" wrap="square" lIns="90000" tIns="45000" rIns="90000" bIns="45000" anchorCtr="0" compatLnSpc="0"/>
+          <a:lstStyle/>
+          <a:p>
+            <a:pPr marL="0" marR="0" lvl="0" indent="0" rtl="0" hangingPunct="0">
+              <a:lnSpc>
+                <a:spcPct val="100000"/>
+              </a:lnSpc>
+              <a:spcBef>
+                <a:spcPts val="0"/>
+              </a:spcBef>
+              <a:spcAft>
+                <a:spcPts val="0"/>
+              </a:spcAft>
+              <a:buNone/>
+              <a:tabLst/>
+            </a:pPr>
+            <a:endParaRPr lang="en-US" sz="1800" b="0" i="0" u="none" strike="noStrike" kern="1200" cap="none">
+              <a:ln>
+                <a:noFill/>
+              </a:ln>
+              <a:latin typeface="Liberation Sans" pitchFamily="18"/>
+              <a:ea typeface="Noto Sans CJK SC" pitchFamily="2"/>
+              <a:cs typeface="Lohit Devanagari" pitchFamily="2"/>
+            </a:endParaRPr>
+          </a:p>
+        </p:txBody>
+      </p:sp>
+      <p:sp>
+        <p:nvSpPr>
+          <p:cNvPr id="6" name="CustomShape 5">
+            <a:extLst>
+              <a:ext uri="{FF2B5EF4-FFF2-40B4-BE49-F238E27FC236}">
+                <a16:creationId xmlns:a16="http://schemas.microsoft.com/office/drawing/2014/main" id="{22F818AC-75DB-45C0-A9B7-0C827750A615}"/>
+              </a:ext>
+            </a:extLst>
+          </p:cNvPr>
+          <p:cNvSpPr/>
+          <p:nvPr/>
+        </p:nvSpPr>
+        <p:spPr>
+          <a:xfrm>
+            <a:off x="6172200" y="1405080"/>
+            <a:ext cx="5182200" cy="822960"/>
+          </a:xfrm>
+          <a:prstGeom prst="rect">
+            <a:avLst/>
+          </a:prstGeom>
+          <a:noFill/>
+          <a:ln cap="flat">
+            <a:noFill/>
+            <a:prstDash val="solid"/>
+          </a:ln>
+        </p:spPr>
+        <p:txBody>
+          <a:bodyPr vert="horz" wrap="square" lIns="90000" tIns="45000" rIns="90000" bIns="45000" anchorCtr="0" compatLnSpc="0"/>
+          <a:lstStyle/>
+          <a:p>
+            <a:pPr marL="0" marR="0" lvl="0" indent="0" rtl="0" hangingPunct="0">
+              <a:lnSpc>
+                <a:spcPct val="100000"/>
+              </a:lnSpc>
+              <a:spcBef>
+                <a:spcPts val="0"/>
+              </a:spcBef>
+              <a:spcAft>
+                <a:spcPts val="0"/>
+              </a:spcAft>
+              <a:buNone/>
+              <a:tabLst/>
+            </a:pPr>
+            <a:endParaRPr lang="en-US" sz="1800" b="0" i="0" u="none" strike="noStrike" kern="1200" cap="none">
+              <a:ln>
+                <a:noFill/>
+              </a:ln>
+              <a:latin typeface="Liberation Sans" pitchFamily="18"/>
+              <a:ea typeface="Noto Sans CJK SC" pitchFamily="2"/>
+              <a:cs typeface="Lohit Devanagari" pitchFamily="2"/>
+            </a:endParaRPr>
+          </a:p>
+        </p:txBody>
+      </p:sp>
+      <p:sp>
+        <p:nvSpPr>
           <p:cNvPr id="9" name="CustomShape 8">
             <a:extLst>
               <a:ext uri="{FF2B5EF4-FFF2-40B4-BE49-F238E27FC236}">
@@ -14122,8 +17897,33 @@
                 <a:ea typeface="DejaVu Sans" pitchFamily="2"/>
                 <a:cs typeface="DejaVu Sans" pitchFamily="2"/>
               </a:rPr>
-              <a:t>CHAPTER</a:t>
-            </a:r>
+              <a:t>WINDOWS </a:t>
+            </a:r>
+            <a:r>
+              <a:rPr lang="es-ES" sz="4400" b="0" i="0" u="none" strike="noStrike" kern="1200" cap="none" spc="0" baseline="0" dirty="0" err="1">
+                <a:ln>
+                  <a:noFill/>
+                </a:ln>
+                <a:solidFill>
+                  <a:srgbClr val="FFFFFF"/>
+                </a:solidFill>
+                <a:latin typeface="OCR A Extended" pitchFamily="18"/>
+                <a:ea typeface="DejaVu Sans" pitchFamily="2"/>
+                <a:cs typeface="DejaVu Sans" pitchFamily="2"/>
+              </a:rPr>
+              <a:t>APIs</a:t>
+            </a:r>
+            <a:endParaRPr lang="es-ES" sz="4400" b="0" i="0" u="none" strike="noStrike" kern="1200" cap="none" spc="0" baseline="0" dirty="0">
+              <a:ln>
+                <a:noFill/>
+              </a:ln>
+              <a:solidFill>
+                <a:srgbClr val="FFFFFF"/>
+              </a:solidFill>
+              <a:latin typeface="OCR A Extended" pitchFamily="18"/>
+              <a:ea typeface="DejaVu Sans" pitchFamily="2"/>
+              <a:cs typeface="DejaVu Sans" pitchFamily="2"/>
+            </a:endParaRPr>
           </a:p>
           <a:p>
             <a:pPr marL="0" marR="0" lvl="0" indent="0" algn="ctr" rtl="0" hangingPunct="1">
@@ -14491,7 +18291,7 @@
                   <a:spcPct val="100000"/>
                 </a:lnSpc>
               </a:pPr>
-              <a:t>14</a:t>
+              <a:t>16</a:t>
             </a:fld>
             <a:endParaRPr lang="es-ES" sz="1600" b="0" strike="noStrike" spc="-1" dirty="0">
               <a:latin typeface="Arial"/>
@@ -14502,9 +18302,2103 @@
     </p:spTree>
     <p:extLst>
       <p:ext uri="{BB962C8B-B14F-4D97-AF65-F5344CB8AC3E}">
-        <p14:creationId xmlns:p14="http://schemas.microsoft.com/office/powerpoint/2010/main" val="1207601448"/>
+        <p14:creationId xmlns:p14="http://schemas.microsoft.com/office/powerpoint/2010/main" val="398280957"/>
       </p:ext>
     </p:extLst>
+  </p:cSld>
+  <p:clrMapOvr>
+    <a:masterClrMapping/>
+  </p:clrMapOvr>
+</p:sld>
+</file>
+
+<file path=ppt/slides/slide17.xml><?xml version="1.0" encoding="utf-8"?>
+<p:sld xmlns:a="http://schemas.openxmlformats.org/drawingml/2006/main" xmlns:r="http://schemas.openxmlformats.org/officeDocument/2006/relationships" xmlns:p="http://schemas.openxmlformats.org/presentationml/2006/main">
+  <p:cSld>
+    <p:spTree>
+      <p:nvGrpSpPr>
+        <p:cNvPr id="1" name=""/>
+        <p:cNvGrpSpPr/>
+        <p:nvPr/>
+      </p:nvGrpSpPr>
+      <p:grpSpPr>
+        <a:xfrm>
+          <a:off x="0" y="0"/>
+          <a:ext cx="0" cy="0"/>
+          <a:chOff x="0" y="0"/>
+          <a:chExt cx="0" cy="0"/>
+        </a:xfrm>
+      </p:grpSpPr>
+      <p:sp>
+        <p:nvSpPr>
+          <p:cNvPr id="2" name="CustomShape 1">
+            <a:extLst>
+              <a:ext uri="{FF2B5EF4-FFF2-40B4-BE49-F238E27FC236}">
+                <a16:creationId xmlns:a16="http://schemas.microsoft.com/office/drawing/2014/main" id="{E4282D34-CECC-47F8-AA80-F2CAB438CDDF}"/>
+              </a:ext>
+            </a:extLst>
+          </p:cNvPr>
+          <p:cNvSpPr/>
+          <p:nvPr/>
+        </p:nvSpPr>
+        <p:spPr>
+          <a:xfrm>
+            <a:off x="910080" y="0"/>
+            <a:ext cx="9848160" cy="1061280"/>
+          </a:xfrm>
+          <a:prstGeom prst="rect">
+            <a:avLst/>
+          </a:prstGeom>
+          <a:noFill/>
+          <a:ln cap="flat">
+            <a:noFill/>
+            <a:prstDash val="solid"/>
+          </a:ln>
+        </p:spPr>
+        <p:txBody>
+          <a:bodyPr vert="horz" wrap="square" lIns="90000" tIns="45000" rIns="90000" bIns="45000" anchorCtr="0" compatLnSpc="0"/>
+          <a:lstStyle/>
+          <a:p>
+            <a:pPr marL="0" marR="0" lvl="0" indent="0" rtl="0" hangingPunct="0">
+              <a:lnSpc>
+                <a:spcPct val="100000"/>
+              </a:lnSpc>
+              <a:spcBef>
+                <a:spcPts val="0"/>
+              </a:spcBef>
+              <a:spcAft>
+                <a:spcPts val="0"/>
+              </a:spcAft>
+              <a:buNone/>
+              <a:tabLst/>
+            </a:pPr>
+            <a:endParaRPr lang="en-US" sz="1800" b="0" i="0" u="none" strike="noStrike" kern="1200" cap="none">
+              <a:ln>
+                <a:noFill/>
+              </a:ln>
+              <a:latin typeface="Liberation Sans" pitchFamily="18"/>
+              <a:ea typeface="Noto Sans CJK SC" pitchFamily="2"/>
+              <a:cs typeface="Lohit Devanagari" pitchFamily="2"/>
+            </a:endParaRPr>
+          </a:p>
+        </p:txBody>
+      </p:sp>
+      <p:sp>
+        <p:nvSpPr>
+          <p:cNvPr id="3" name="CustomShape 2">
+            <a:extLst>
+              <a:ext uri="{FF2B5EF4-FFF2-40B4-BE49-F238E27FC236}">
+                <a16:creationId xmlns:a16="http://schemas.microsoft.com/office/drawing/2014/main" id="{B8666162-13B4-4E00-AA46-114CA8773DB4}"/>
+              </a:ext>
+            </a:extLst>
+          </p:cNvPr>
+          <p:cNvSpPr/>
+          <p:nvPr/>
+        </p:nvSpPr>
+        <p:spPr>
+          <a:xfrm>
+            <a:off x="838080" y="1375560"/>
+            <a:ext cx="10514520" cy="4350240"/>
+          </a:xfrm>
+          <a:prstGeom prst="rect">
+            <a:avLst/>
+          </a:prstGeom>
+          <a:noFill/>
+          <a:ln cap="flat">
+            <a:noFill/>
+            <a:prstDash val="solid"/>
+          </a:ln>
+        </p:spPr>
+        <p:txBody>
+          <a:bodyPr vert="horz" wrap="square" lIns="90000" tIns="45000" rIns="90000" bIns="45000" anchorCtr="0" compatLnSpc="0"/>
+          <a:lstStyle/>
+          <a:p>
+            <a:pPr marL="0" marR="0" lvl="0" indent="0" rtl="0" hangingPunct="0">
+              <a:lnSpc>
+                <a:spcPct val="100000"/>
+              </a:lnSpc>
+              <a:spcBef>
+                <a:spcPts val="0"/>
+              </a:spcBef>
+              <a:spcAft>
+                <a:spcPts val="0"/>
+              </a:spcAft>
+              <a:buNone/>
+              <a:tabLst/>
+            </a:pPr>
+            <a:endParaRPr lang="en-US" sz="1800" b="0" i="0" u="none" strike="noStrike" kern="1200" cap="none">
+              <a:ln>
+                <a:noFill/>
+              </a:ln>
+              <a:latin typeface="Liberation Sans" pitchFamily="18"/>
+              <a:ea typeface="Noto Sans CJK SC" pitchFamily="2"/>
+              <a:cs typeface="Lohit Devanagari" pitchFamily="2"/>
+            </a:endParaRPr>
+          </a:p>
+        </p:txBody>
+      </p:sp>
+      <p:sp>
+        <p:nvSpPr>
+          <p:cNvPr id="4" name="CustomShape 3">
+            <a:extLst>
+              <a:ext uri="{FF2B5EF4-FFF2-40B4-BE49-F238E27FC236}">
+                <a16:creationId xmlns:a16="http://schemas.microsoft.com/office/drawing/2014/main" id="{02057AA2-7B83-4A62-B299-29AC85CC51E4}"/>
+              </a:ext>
+            </a:extLst>
+          </p:cNvPr>
+          <p:cNvSpPr/>
+          <p:nvPr/>
+        </p:nvSpPr>
+        <p:spPr>
+          <a:xfrm>
+            <a:off x="10067399" y="6356520"/>
+            <a:ext cx="1285560" cy="363959"/>
+          </a:xfrm>
+          <a:prstGeom prst="rect">
+            <a:avLst/>
+          </a:prstGeom>
+          <a:noFill/>
+          <a:ln cap="flat">
+            <a:noFill/>
+            <a:prstDash val="solid"/>
+          </a:ln>
+        </p:spPr>
+        <p:txBody>
+          <a:bodyPr vert="horz" wrap="square" lIns="90000" tIns="45000" rIns="90000" bIns="45000" anchor="ctr" anchorCtr="0" compatLnSpc="0">
+            <a:noAutofit/>
+          </a:bodyPr>
+          <a:lstStyle/>
+          <a:p>
+            <a:pPr marL="0" marR="0" lvl="0" indent="0" algn="r" rtl="0" hangingPunct="1">
+              <a:lnSpc>
+                <a:spcPct val="100000"/>
+              </a:lnSpc>
+              <a:spcBef>
+                <a:spcPts val="0"/>
+              </a:spcBef>
+              <a:spcAft>
+                <a:spcPts val="0"/>
+              </a:spcAft>
+              <a:buNone/>
+              <a:tabLst/>
+            </a:pPr>
+            <a:fld id="{692320E0-2601-4A01-A26F-E1DBCFA5EC92}" type="slidenum">
+              <a:rPr/>
+              <a:t>17</a:t>
+            </a:fld>
+            <a:endParaRPr lang="es-ES" sz="1600" b="0" i="0" u="none" strike="noStrike" kern="1200" cap="none" spc="0" baseline="0" dirty="0">
+              <a:ln>
+                <a:noFill/>
+              </a:ln>
+              <a:solidFill>
+                <a:srgbClr val="00FF00"/>
+              </a:solidFill>
+              <a:latin typeface="Adler" pitchFamily="18"/>
+              <a:ea typeface="DejaVu Sans" pitchFamily="2"/>
+              <a:cs typeface="DejaVu Sans" pitchFamily="2"/>
+            </a:endParaRPr>
+          </a:p>
+        </p:txBody>
+      </p:sp>
+      <p:sp>
+        <p:nvSpPr>
+          <p:cNvPr id="5" name="CustomShape 4">
+            <a:extLst>
+              <a:ext uri="{FF2B5EF4-FFF2-40B4-BE49-F238E27FC236}">
+                <a16:creationId xmlns:a16="http://schemas.microsoft.com/office/drawing/2014/main" id="{813F6BB3-BBD8-47DB-9D0D-605951995A22}"/>
+              </a:ext>
+            </a:extLst>
+          </p:cNvPr>
+          <p:cNvSpPr/>
+          <p:nvPr/>
+        </p:nvSpPr>
+        <p:spPr>
+          <a:xfrm>
+            <a:off x="910080" y="0"/>
+            <a:ext cx="9848520" cy="1061640"/>
+          </a:xfrm>
+          <a:prstGeom prst="rect">
+            <a:avLst/>
+          </a:prstGeom>
+          <a:noFill/>
+          <a:ln cap="flat">
+            <a:noFill/>
+            <a:prstDash val="solid"/>
+          </a:ln>
+        </p:spPr>
+        <p:txBody>
+          <a:bodyPr vert="horz" wrap="square" lIns="90000" tIns="45000" rIns="90000" bIns="45000" anchor="ctr" anchorCtr="0" compatLnSpc="0">
+            <a:noAutofit/>
+          </a:bodyPr>
+          <a:lstStyle/>
+          <a:p>
+            <a:pPr marL="0" marR="0" lvl="0" indent="0" algn="l" rtl="0" hangingPunct="1">
+              <a:lnSpc>
+                <a:spcPct val="90000"/>
+              </a:lnSpc>
+              <a:spcBef>
+                <a:spcPts val="0"/>
+              </a:spcBef>
+              <a:spcAft>
+                <a:spcPts val="0"/>
+              </a:spcAft>
+              <a:buNone/>
+              <a:tabLst/>
+            </a:pPr>
+            <a:r>
+              <a:rPr lang="es-ES" sz="2800" dirty="0">
+                <a:solidFill>
+                  <a:srgbClr val="00FF00"/>
+                </a:solidFill>
+                <a:latin typeface="OCR A Extended" pitchFamily="18"/>
+                <a:ea typeface="DejaVu Sans" pitchFamily="2"/>
+                <a:cs typeface="DejaVu Sans" pitchFamily="2"/>
+              </a:rPr>
+              <a:t>WINDOWS </a:t>
+            </a:r>
+            <a:r>
+              <a:rPr lang="es-ES" sz="2800" dirty="0" err="1">
+                <a:solidFill>
+                  <a:srgbClr val="00FF00"/>
+                </a:solidFill>
+                <a:latin typeface="OCR A Extended" pitchFamily="18"/>
+                <a:ea typeface="DejaVu Sans" pitchFamily="2"/>
+                <a:cs typeface="DejaVu Sans" pitchFamily="2"/>
+              </a:rPr>
+              <a:t>APIs</a:t>
+            </a:r>
+            <a:endParaRPr lang="es-ES" sz="2800" b="0" i="0" u="none" strike="noStrike" kern="1200" cap="none" spc="0" baseline="0" dirty="0">
+              <a:ln>
+                <a:noFill/>
+              </a:ln>
+              <a:solidFill>
+                <a:srgbClr val="00FF00"/>
+              </a:solidFill>
+              <a:latin typeface="OCR A Extended" pitchFamily="18"/>
+              <a:ea typeface="DejaVu Sans" pitchFamily="2"/>
+              <a:cs typeface="DejaVu Sans" pitchFamily="2"/>
+            </a:endParaRPr>
+          </a:p>
+        </p:txBody>
+      </p:sp>
+      <p:sp>
+        <p:nvSpPr>
+          <p:cNvPr id="7" name="CustomShape 3">
+            <a:extLst>
+              <a:ext uri="{FF2B5EF4-FFF2-40B4-BE49-F238E27FC236}">
+                <a16:creationId xmlns:a16="http://schemas.microsoft.com/office/drawing/2014/main" id="{27D0551E-3D55-428C-87B2-9BD975F3F758}"/>
+              </a:ext>
+            </a:extLst>
+          </p:cNvPr>
+          <p:cNvSpPr/>
+          <p:nvPr/>
+        </p:nvSpPr>
+        <p:spPr>
+          <a:xfrm>
+            <a:off x="10169599" y="6268566"/>
+            <a:ext cx="1285560" cy="363960"/>
+          </a:xfrm>
+          <a:prstGeom prst="rect">
+            <a:avLst/>
+          </a:prstGeom>
+          <a:noFill/>
+          <a:ln>
+            <a:noFill/>
+          </a:ln>
+        </p:spPr>
+        <p:style>
+          <a:lnRef idx="0">
+            <a:scrgbClr r="0" g="0" b="0"/>
+          </a:lnRef>
+          <a:fillRef idx="0">
+            <a:scrgbClr r="0" g="0" b="0"/>
+          </a:fillRef>
+          <a:effectRef idx="0">
+            <a:scrgbClr r="0" g="0" b="0"/>
+          </a:effectRef>
+          <a:fontRef idx="minor"/>
+        </p:style>
+        <p:txBody>
+          <a:bodyPr lIns="90000" tIns="45000" rIns="90000" bIns="45000" anchor="ctr"/>
+          <a:lstStyle>
+            <a:defPPr>
+              <a:defRPr lang="es-ES"/>
+            </a:defPPr>
+            <a:lvl1pPr marL="0" algn="l" defTabSz="914400" rtl="0" eaLnBrk="1" latinLnBrk="0" hangingPunct="1">
+              <a:defRPr sz="1800" kern="1200">
+                <a:solidFill>
+                  <a:schemeClr val="tx1"/>
+                </a:solidFill>
+                <a:latin typeface="+mn-lt"/>
+                <a:ea typeface="+mn-ea"/>
+                <a:cs typeface="+mn-cs"/>
+              </a:defRPr>
+            </a:lvl1pPr>
+            <a:lvl2pPr marL="457200" algn="l" defTabSz="914400" rtl="0" eaLnBrk="1" latinLnBrk="0" hangingPunct="1">
+              <a:defRPr sz="1800" kern="1200">
+                <a:solidFill>
+                  <a:schemeClr val="tx1"/>
+                </a:solidFill>
+                <a:latin typeface="+mn-lt"/>
+                <a:ea typeface="+mn-ea"/>
+                <a:cs typeface="+mn-cs"/>
+              </a:defRPr>
+            </a:lvl2pPr>
+            <a:lvl3pPr marL="914400" algn="l" defTabSz="914400" rtl="0" eaLnBrk="1" latinLnBrk="0" hangingPunct="1">
+              <a:defRPr sz="1800" kern="1200">
+                <a:solidFill>
+                  <a:schemeClr val="tx1"/>
+                </a:solidFill>
+                <a:latin typeface="+mn-lt"/>
+                <a:ea typeface="+mn-ea"/>
+                <a:cs typeface="+mn-cs"/>
+              </a:defRPr>
+            </a:lvl3pPr>
+            <a:lvl4pPr marL="1371600" algn="l" defTabSz="914400" rtl="0" eaLnBrk="1" latinLnBrk="0" hangingPunct="1">
+              <a:defRPr sz="1800" kern="1200">
+                <a:solidFill>
+                  <a:schemeClr val="tx1"/>
+                </a:solidFill>
+                <a:latin typeface="+mn-lt"/>
+                <a:ea typeface="+mn-ea"/>
+                <a:cs typeface="+mn-cs"/>
+              </a:defRPr>
+            </a:lvl4pPr>
+            <a:lvl5pPr marL="1828800" algn="l" defTabSz="914400" rtl="0" eaLnBrk="1" latinLnBrk="0" hangingPunct="1">
+              <a:defRPr sz="1800" kern="1200">
+                <a:solidFill>
+                  <a:schemeClr val="tx1"/>
+                </a:solidFill>
+                <a:latin typeface="+mn-lt"/>
+                <a:ea typeface="+mn-ea"/>
+                <a:cs typeface="+mn-cs"/>
+              </a:defRPr>
+            </a:lvl5pPr>
+            <a:lvl6pPr marL="2286000" algn="l" defTabSz="914400" rtl="0" eaLnBrk="1" latinLnBrk="0" hangingPunct="1">
+              <a:defRPr sz="1800" kern="1200">
+                <a:solidFill>
+                  <a:schemeClr val="tx1"/>
+                </a:solidFill>
+                <a:latin typeface="+mn-lt"/>
+                <a:ea typeface="+mn-ea"/>
+                <a:cs typeface="+mn-cs"/>
+              </a:defRPr>
+            </a:lvl6pPr>
+            <a:lvl7pPr marL="2743200" algn="l" defTabSz="914400" rtl="0" eaLnBrk="1" latinLnBrk="0" hangingPunct="1">
+              <a:defRPr sz="1800" kern="1200">
+                <a:solidFill>
+                  <a:schemeClr val="tx1"/>
+                </a:solidFill>
+                <a:latin typeface="+mn-lt"/>
+                <a:ea typeface="+mn-ea"/>
+                <a:cs typeface="+mn-cs"/>
+              </a:defRPr>
+            </a:lvl7pPr>
+            <a:lvl8pPr marL="3200400" algn="l" defTabSz="914400" rtl="0" eaLnBrk="1" latinLnBrk="0" hangingPunct="1">
+              <a:defRPr sz="1800" kern="1200">
+                <a:solidFill>
+                  <a:schemeClr val="tx1"/>
+                </a:solidFill>
+                <a:latin typeface="+mn-lt"/>
+                <a:ea typeface="+mn-ea"/>
+                <a:cs typeface="+mn-cs"/>
+              </a:defRPr>
+            </a:lvl8pPr>
+            <a:lvl9pPr marL="3657600" algn="l" defTabSz="914400" rtl="0" eaLnBrk="1" latinLnBrk="0" hangingPunct="1">
+              <a:defRPr sz="1800" kern="1200">
+                <a:solidFill>
+                  <a:schemeClr val="tx1"/>
+                </a:solidFill>
+                <a:latin typeface="+mn-lt"/>
+                <a:ea typeface="+mn-ea"/>
+                <a:cs typeface="+mn-cs"/>
+              </a:defRPr>
+            </a:lvl9pPr>
+          </a:lstStyle>
+          <a:p>
+            <a:pPr algn="r">
+              <a:lnSpc>
+                <a:spcPct val="100000"/>
+              </a:lnSpc>
+            </a:pPr>
+            <a:fld id="{F4AF001D-1B90-4342-83A9-7082BA1E0464}" type="slidenum">
+              <a:rPr lang="es-ES" sz="1600" b="0" strike="noStrike" spc="-1">
+                <a:solidFill>
+                  <a:srgbClr val="00FF00"/>
+                </a:solidFill>
+                <a:latin typeface="Adler"/>
+                <a:ea typeface="DejaVu Sans"/>
+              </a:rPr>
+              <a:pPr algn="r">
+                <a:lnSpc>
+                  <a:spcPct val="100000"/>
+                </a:lnSpc>
+              </a:pPr>
+              <a:t>17</a:t>
+            </a:fld>
+            <a:endParaRPr lang="es-ES" sz="1600" b="0" strike="noStrike" spc="-1" dirty="0">
+              <a:latin typeface="Arial"/>
+            </a:endParaRPr>
+          </a:p>
+        </p:txBody>
+      </p:sp>
+      <p:sp>
+        <p:nvSpPr>
+          <p:cNvPr id="12" name="CuadroTexto 11">
+            <a:extLst>
+              <a:ext uri="{FF2B5EF4-FFF2-40B4-BE49-F238E27FC236}">
+                <a16:creationId xmlns:a16="http://schemas.microsoft.com/office/drawing/2014/main" id="{DC46E5AC-9988-4C95-CEE5-A1FAD7CB5F04}"/>
+              </a:ext>
+            </a:extLst>
+          </p:cNvPr>
+          <p:cNvSpPr txBox="1"/>
+          <p:nvPr/>
+        </p:nvSpPr>
+        <p:spPr>
+          <a:xfrm>
+            <a:off x="668593" y="1159051"/>
+            <a:ext cx="10786565" cy="4380686"/>
+          </a:xfrm>
+          <a:prstGeom prst="rect">
+            <a:avLst/>
+          </a:prstGeom>
+          <a:noFill/>
+        </p:spPr>
+        <p:txBody>
+          <a:bodyPr wrap="square" rtlCol="0">
+            <a:spAutoFit/>
+          </a:bodyPr>
+          <a:lstStyle/>
+          <a:p>
+            <a:pPr>
+              <a:lnSpc>
+                <a:spcPts val="2500"/>
+              </a:lnSpc>
+            </a:pPr>
+            <a:endParaRPr lang="es-ES" sz="3200" b="1" dirty="0">
+              <a:latin typeface="OCR A Extended" panose="02010509020102010303" pitchFamily="50" charset="0"/>
+            </a:endParaRPr>
+          </a:p>
+          <a:p>
+            <a:pPr>
+              <a:lnSpc>
+                <a:spcPts val="2500"/>
+              </a:lnSpc>
+            </a:pPr>
+            <a:r>
+              <a:rPr lang="es-ES" sz="3200" b="1" dirty="0">
+                <a:latin typeface="OCR A Extended" panose="02010509020102010303" pitchFamily="50" charset="0"/>
+              </a:rPr>
+              <a:t>Publishing Data</a:t>
+            </a:r>
+          </a:p>
+          <a:p>
+            <a:pPr>
+              <a:spcBef>
+                <a:spcPts val="600"/>
+              </a:spcBef>
+            </a:pPr>
+            <a:endParaRPr lang="es-ES" sz="2000" i="1" dirty="0">
+              <a:solidFill>
+                <a:schemeClr val="bg2">
+                  <a:lumMod val="50000"/>
+                </a:schemeClr>
+              </a:solidFill>
+            </a:endParaRPr>
+          </a:p>
+          <a:p>
+            <a:r>
+              <a:rPr lang="en-US" sz="1800" dirty="0">
+                <a:solidFill>
+                  <a:srgbClr val="000000"/>
+                </a:solidFill>
+                <a:latin typeface="Cascadia Mono" panose="020B0609020000020004" pitchFamily="49" charset="0"/>
+              </a:rPr>
+              <a:t>[</a:t>
+            </a:r>
+            <a:r>
+              <a:rPr lang="en-US" sz="1800" dirty="0" err="1">
+                <a:solidFill>
+                  <a:srgbClr val="000000"/>
+                </a:solidFill>
+                <a:latin typeface="Cascadia Mono" panose="020B0609020000020004" pitchFamily="49" charset="0"/>
+              </a:rPr>
+              <a:t>DllImport</a:t>
+            </a:r>
+            <a:r>
+              <a:rPr lang="en-US" sz="1800" dirty="0">
+                <a:solidFill>
+                  <a:srgbClr val="000000"/>
+                </a:solidFill>
+                <a:latin typeface="Cascadia Mono" panose="020B0609020000020004" pitchFamily="49" charset="0"/>
+              </a:rPr>
+              <a:t>(</a:t>
+            </a:r>
+            <a:r>
+              <a:rPr lang="en-US" sz="1800" dirty="0">
+                <a:solidFill>
+                  <a:srgbClr val="A31515"/>
+                </a:solidFill>
+                <a:latin typeface="Cascadia Mono" panose="020B0609020000020004" pitchFamily="49" charset="0"/>
+              </a:rPr>
+              <a:t>"ntdll.dll"</a:t>
+            </a:r>
+            <a:r>
+              <a:rPr lang="en-US" sz="1800" dirty="0">
+                <a:solidFill>
+                  <a:srgbClr val="000000"/>
+                </a:solidFill>
+                <a:latin typeface="Cascadia Mono" panose="020B0609020000020004" pitchFamily="49" charset="0"/>
+              </a:rPr>
+              <a:t>, </a:t>
+            </a:r>
+            <a:r>
+              <a:rPr lang="en-US" sz="1800" dirty="0" err="1">
+                <a:solidFill>
+                  <a:srgbClr val="000000"/>
+                </a:solidFill>
+                <a:latin typeface="Cascadia Mono" panose="020B0609020000020004" pitchFamily="49" charset="0"/>
+              </a:rPr>
+              <a:t>SetLastError</a:t>
+            </a:r>
+            <a:r>
+              <a:rPr lang="en-US" sz="1800" dirty="0">
+                <a:solidFill>
+                  <a:srgbClr val="000000"/>
+                </a:solidFill>
+                <a:latin typeface="Cascadia Mono" panose="020B0609020000020004" pitchFamily="49" charset="0"/>
+              </a:rPr>
+              <a:t> = </a:t>
+            </a:r>
+            <a:r>
+              <a:rPr lang="en-US" sz="1800" dirty="0">
+                <a:solidFill>
+                  <a:srgbClr val="0000FF"/>
+                </a:solidFill>
+                <a:latin typeface="Cascadia Mono" panose="020B0609020000020004" pitchFamily="49" charset="0"/>
+              </a:rPr>
+              <a:t>true</a:t>
+            </a:r>
+            <a:r>
+              <a:rPr lang="en-US" sz="1800" dirty="0">
+                <a:solidFill>
+                  <a:srgbClr val="000000"/>
+                </a:solidFill>
+                <a:latin typeface="Cascadia Mono" panose="020B0609020000020004" pitchFamily="49" charset="0"/>
+              </a:rPr>
+              <a:t>)]</a:t>
+            </a:r>
+          </a:p>
+          <a:p>
+            <a:r>
+              <a:rPr lang="en-US" sz="1800" dirty="0">
+                <a:solidFill>
+                  <a:srgbClr val="0000FF"/>
+                </a:solidFill>
+                <a:latin typeface="Cascadia Mono" panose="020B0609020000020004" pitchFamily="49" charset="0"/>
+              </a:rPr>
+              <a:t>public</a:t>
+            </a:r>
+            <a:r>
+              <a:rPr lang="en-US" sz="1800" dirty="0">
+                <a:solidFill>
+                  <a:srgbClr val="000000"/>
+                </a:solidFill>
+                <a:latin typeface="Cascadia Mono" panose="020B0609020000020004" pitchFamily="49" charset="0"/>
+              </a:rPr>
+              <a:t> </a:t>
+            </a:r>
+            <a:r>
+              <a:rPr lang="en-US" sz="1800" dirty="0">
+                <a:solidFill>
+                  <a:srgbClr val="0000FF"/>
+                </a:solidFill>
+                <a:latin typeface="Cascadia Mono" panose="020B0609020000020004" pitchFamily="49" charset="0"/>
+              </a:rPr>
+              <a:t>static</a:t>
+            </a:r>
+            <a:r>
+              <a:rPr lang="en-US" sz="1800" dirty="0">
+                <a:solidFill>
+                  <a:srgbClr val="000000"/>
+                </a:solidFill>
+                <a:latin typeface="Cascadia Mono" panose="020B0609020000020004" pitchFamily="49" charset="0"/>
+              </a:rPr>
+              <a:t> </a:t>
+            </a:r>
+            <a:r>
+              <a:rPr lang="en-US" sz="1800" dirty="0">
+                <a:solidFill>
+                  <a:srgbClr val="0000FF"/>
+                </a:solidFill>
+                <a:latin typeface="Cascadia Mono" panose="020B0609020000020004" pitchFamily="49" charset="0"/>
+              </a:rPr>
+              <a:t>extern</a:t>
+            </a:r>
+            <a:r>
+              <a:rPr lang="en-US" sz="1800" dirty="0">
+                <a:solidFill>
+                  <a:srgbClr val="000000"/>
+                </a:solidFill>
+                <a:latin typeface="Cascadia Mono" panose="020B0609020000020004" pitchFamily="49" charset="0"/>
+              </a:rPr>
+              <a:t> </a:t>
+            </a:r>
+            <a:r>
+              <a:rPr lang="en-US" sz="1800" dirty="0">
+                <a:solidFill>
+                  <a:srgbClr val="00B050"/>
+                </a:solidFill>
+                <a:latin typeface="Cascadia Mono" panose="020B0609020000020004" pitchFamily="49" charset="0"/>
+              </a:rPr>
+              <a:t>NTSTATUS</a:t>
+            </a:r>
+            <a:r>
+              <a:rPr lang="en-US" sz="1800" dirty="0">
+                <a:solidFill>
+                  <a:srgbClr val="000000"/>
+                </a:solidFill>
+                <a:latin typeface="Cascadia Mono" panose="020B0609020000020004" pitchFamily="49" charset="0"/>
+              </a:rPr>
+              <a:t> </a:t>
+            </a:r>
+            <a:r>
+              <a:rPr lang="en-US" sz="1800" dirty="0" err="1">
+                <a:solidFill>
+                  <a:srgbClr val="000000"/>
+                </a:solidFill>
+                <a:latin typeface="Cascadia Mono" panose="020B0609020000020004" pitchFamily="49" charset="0"/>
+              </a:rPr>
+              <a:t>NtUpdateWnfStateData</a:t>
+            </a:r>
+            <a:r>
+              <a:rPr lang="en-US" sz="1800" dirty="0">
+                <a:solidFill>
+                  <a:srgbClr val="000000"/>
+                </a:solidFill>
+                <a:latin typeface="Cascadia Mono" panose="020B0609020000020004" pitchFamily="49" charset="0"/>
+              </a:rPr>
+              <a:t>(</a:t>
+            </a:r>
+          </a:p>
+          <a:p>
+            <a:r>
+              <a:rPr lang="en-US" sz="1800" dirty="0">
+                <a:solidFill>
+                  <a:srgbClr val="000000"/>
+                </a:solidFill>
+                <a:latin typeface="Cascadia Mono" panose="020B0609020000020004" pitchFamily="49" charset="0"/>
+              </a:rPr>
+              <a:t>    </a:t>
+            </a:r>
+            <a:r>
+              <a:rPr lang="en-US" sz="1800" dirty="0">
+                <a:solidFill>
+                  <a:srgbClr val="0000FF"/>
+                </a:solidFill>
+                <a:latin typeface="Cascadia Mono" panose="020B0609020000020004" pitchFamily="49" charset="0"/>
+              </a:rPr>
+              <a:t>in</a:t>
+            </a:r>
+            <a:r>
+              <a:rPr lang="en-US" sz="1800" dirty="0">
+                <a:solidFill>
+                  <a:srgbClr val="000000"/>
+                </a:solidFill>
+                <a:latin typeface="Cascadia Mono" panose="020B0609020000020004" pitchFamily="49" charset="0"/>
+              </a:rPr>
+              <a:t> WELL_KNOWN_WNF_NAME </a:t>
+            </a:r>
+            <a:r>
+              <a:rPr lang="en-US" sz="1800" dirty="0" err="1">
+                <a:solidFill>
+                  <a:srgbClr val="000000"/>
+                </a:solidFill>
+                <a:latin typeface="Cascadia Mono" panose="020B0609020000020004" pitchFamily="49" charset="0"/>
+              </a:rPr>
+              <a:t>StateName</a:t>
+            </a:r>
+            <a:r>
+              <a:rPr lang="en-US" sz="1800" dirty="0">
+                <a:solidFill>
+                  <a:srgbClr val="000000"/>
+                </a:solidFill>
+                <a:latin typeface="Cascadia Mono" panose="020B0609020000020004" pitchFamily="49" charset="0"/>
+              </a:rPr>
+              <a:t>, </a:t>
+            </a:r>
+          </a:p>
+          <a:p>
+            <a:r>
+              <a:rPr lang="en-US" sz="1800" dirty="0">
+                <a:solidFill>
+                  <a:srgbClr val="000000"/>
+                </a:solidFill>
+                <a:latin typeface="Cascadia Mono" panose="020B0609020000020004" pitchFamily="49" charset="0"/>
+              </a:rPr>
+              <a:t>    </a:t>
+            </a:r>
+            <a:r>
+              <a:rPr lang="en-US" sz="1800" dirty="0">
+                <a:solidFill>
+                  <a:srgbClr val="0000FF"/>
+                </a:solidFill>
+                <a:latin typeface="Cascadia Mono" panose="020B0609020000020004" pitchFamily="49" charset="0"/>
+              </a:rPr>
+              <a:t>byte</a:t>
+            </a:r>
+            <a:r>
+              <a:rPr lang="en-US" sz="1800" dirty="0">
+                <a:solidFill>
+                  <a:srgbClr val="000000"/>
+                </a:solidFill>
+                <a:latin typeface="Cascadia Mono" panose="020B0609020000020004" pitchFamily="49" charset="0"/>
+              </a:rPr>
+              <a:t>[] Buffer, </a:t>
+            </a:r>
+          </a:p>
+          <a:p>
+            <a:r>
+              <a:rPr lang="en-US" sz="1800" dirty="0">
+                <a:solidFill>
+                  <a:srgbClr val="000000"/>
+                </a:solidFill>
+                <a:latin typeface="Cascadia Mono" panose="020B0609020000020004" pitchFamily="49" charset="0"/>
+              </a:rPr>
+              <a:t>    </a:t>
+            </a:r>
+            <a:r>
+              <a:rPr lang="en-US" sz="1800" dirty="0">
+                <a:solidFill>
+                  <a:srgbClr val="0000FF"/>
+                </a:solidFill>
+                <a:latin typeface="Cascadia Mono" panose="020B0609020000020004" pitchFamily="49" charset="0"/>
+              </a:rPr>
+              <a:t>int</a:t>
+            </a:r>
+            <a:r>
+              <a:rPr lang="en-US" sz="1800" dirty="0">
+                <a:solidFill>
+                  <a:srgbClr val="000000"/>
+                </a:solidFill>
+                <a:latin typeface="Cascadia Mono" panose="020B0609020000020004" pitchFamily="49" charset="0"/>
+              </a:rPr>
+              <a:t> Length, </a:t>
+            </a:r>
+            <a:r>
+              <a:rPr lang="en-US" sz="1800" dirty="0">
+                <a:solidFill>
+                  <a:srgbClr val="00B050"/>
+                </a:solidFill>
+                <a:latin typeface="Cascadia Mono" panose="020B0609020000020004" pitchFamily="49" charset="0"/>
+              </a:rPr>
+              <a:t>// Less than </a:t>
+            </a:r>
+            <a:r>
+              <a:rPr lang="en-US" sz="1800" dirty="0" err="1">
+                <a:solidFill>
+                  <a:srgbClr val="00B050"/>
+                </a:solidFill>
+                <a:latin typeface="Cascadia Mono" panose="020B0609020000020004" pitchFamily="49" charset="0"/>
+              </a:rPr>
+              <a:t>MaximumSize</a:t>
+            </a:r>
+            <a:r>
+              <a:rPr lang="en-US" sz="1800" dirty="0">
+                <a:solidFill>
+                  <a:srgbClr val="00B050"/>
+                </a:solidFill>
+                <a:latin typeface="Cascadia Mono" panose="020B0609020000020004" pitchFamily="49" charset="0"/>
+              </a:rPr>
+              <a:t>, always less than 4096</a:t>
+            </a:r>
+          </a:p>
+          <a:p>
+            <a:r>
+              <a:rPr lang="en-US" sz="1800" dirty="0">
+                <a:solidFill>
+                  <a:srgbClr val="000000"/>
+                </a:solidFill>
+                <a:latin typeface="Cascadia Mono" panose="020B0609020000020004" pitchFamily="49" charset="0"/>
+              </a:rPr>
+              <a:t>    </a:t>
+            </a:r>
+            <a:r>
+              <a:rPr lang="en-US" sz="1800" dirty="0" err="1">
+                <a:solidFill>
+                  <a:srgbClr val="000000"/>
+                </a:solidFill>
+                <a:latin typeface="Cascadia Mono" panose="020B0609020000020004" pitchFamily="49" charset="0"/>
+              </a:rPr>
+              <a:t>IntPtr</a:t>
+            </a:r>
+            <a:r>
+              <a:rPr lang="en-US" sz="1800" dirty="0">
+                <a:solidFill>
+                  <a:srgbClr val="000000"/>
+                </a:solidFill>
+                <a:latin typeface="Cascadia Mono" panose="020B0609020000020004" pitchFamily="49" charset="0"/>
+              </a:rPr>
+              <a:t> </a:t>
+            </a:r>
+            <a:r>
+              <a:rPr lang="en-US" sz="1800" dirty="0" err="1">
+                <a:solidFill>
+                  <a:srgbClr val="000000"/>
+                </a:solidFill>
+                <a:latin typeface="Cascadia Mono" panose="020B0609020000020004" pitchFamily="49" charset="0"/>
+              </a:rPr>
+              <a:t>TypeId</a:t>
+            </a:r>
+            <a:r>
+              <a:rPr lang="en-US" sz="1800" dirty="0">
+                <a:solidFill>
+                  <a:srgbClr val="000000"/>
+                </a:solidFill>
+                <a:latin typeface="Cascadia Mono" panose="020B0609020000020004" pitchFamily="49" charset="0"/>
+              </a:rPr>
+              <a:t>, </a:t>
+            </a:r>
+          </a:p>
+          <a:p>
+            <a:r>
+              <a:rPr lang="en-US" sz="1800" dirty="0">
+                <a:solidFill>
+                  <a:srgbClr val="000000"/>
+                </a:solidFill>
+                <a:latin typeface="Cascadia Mono" panose="020B0609020000020004" pitchFamily="49" charset="0"/>
+              </a:rPr>
+              <a:t>    </a:t>
+            </a:r>
+            <a:r>
+              <a:rPr lang="en-US" sz="1800" dirty="0" err="1">
+                <a:solidFill>
+                  <a:srgbClr val="000000"/>
+                </a:solidFill>
+                <a:latin typeface="Cascadia Mono" panose="020B0609020000020004" pitchFamily="49" charset="0"/>
+              </a:rPr>
+              <a:t>IntPtr</a:t>
+            </a:r>
+            <a:r>
+              <a:rPr lang="en-US" sz="1800" dirty="0">
+                <a:solidFill>
+                  <a:srgbClr val="000000"/>
+                </a:solidFill>
+                <a:latin typeface="Cascadia Mono" panose="020B0609020000020004" pitchFamily="49" charset="0"/>
+              </a:rPr>
+              <a:t> </a:t>
+            </a:r>
+            <a:r>
+              <a:rPr lang="en-US" sz="1800" dirty="0" err="1">
+                <a:solidFill>
+                  <a:srgbClr val="000000"/>
+                </a:solidFill>
+                <a:latin typeface="Cascadia Mono" panose="020B0609020000020004" pitchFamily="49" charset="0"/>
+              </a:rPr>
+              <a:t>ExplicitScope</a:t>
+            </a:r>
+            <a:r>
+              <a:rPr lang="en-US" sz="1800" dirty="0">
+                <a:solidFill>
+                  <a:srgbClr val="000000"/>
+                </a:solidFill>
+                <a:latin typeface="Cascadia Mono" panose="020B0609020000020004" pitchFamily="49" charset="0"/>
+              </a:rPr>
+              <a:t>, </a:t>
+            </a:r>
+          </a:p>
+          <a:p>
+            <a:r>
+              <a:rPr lang="en-US" sz="1800" dirty="0">
+                <a:solidFill>
+                  <a:srgbClr val="000000"/>
+                </a:solidFill>
+                <a:latin typeface="Cascadia Mono" panose="020B0609020000020004" pitchFamily="49" charset="0"/>
+              </a:rPr>
+              <a:t>    </a:t>
+            </a:r>
+            <a:r>
+              <a:rPr lang="en-US" sz="1800" dirty="0">
+                <a:solidFill>
+                  <a:srgbClr val="0000FF"/>
+                </a:solidFill>
+                <a:latin typeface="Cascadia Mono" panose="020B0609020000020004" pitchFamily="49" charset="0"/>
+              </a:rPr>
+              <a:t>int</a:t>
+            </a:r>
+            <a:r>
+              <a:rPr lang="en-US" sz="1800" dirty="0">
+                <a:solidFill>
+                  <a:srgbClr val="000000"/>
+                </a:solidFill>
+                <a:latin typeface="Cascadia Mono" panose="020B0609020000020004" pitchFamily="49" charset="0"/>
+              </a:rPr>
+              <a:t> </a:t>
+            </a:r>
+            <a:r>
+              <a:rPr lang="en-US" sz="1800" dirty="0" err="1">
+                <a:solidFill>
+                  <a:srgbClr val="000000"/>
+                </a:solidFill>
+                <a:latin typeface="Cascadia Mono" panose="020B0609020000020004" pitchFamily="49" charset="0"/>
+              </a:rPr>
+              <a:t>MatchingChangeScope</a:t>
+            </a:r>
+            <a:r>
+              <a:rPr lang="en-US" sz="1800" dirty="0">
+                <a:solidFill>
+                  <a:srgbClr val="000000"/>
+                </a:solidFill>
+                <a:latin typeface="Cascadia Mono" panose="020B0609020000020004" pitchFamily="49" charset="0"/>
+              </a:rPr>
+              <a:t>, </a:t>
+            </a:r>
+            <a:r>
+              <a:rPr lang="en-US" sz="1800" dirty="0">
+                <a:solidFill>
+                  <a:srgbClr val="00B050"/>
+                </a:solidFill>
+                <a:latin typeface="Cascadia Mono" panose="020B0609020000020004" pitchFamily="49" charset="0"/>
+              </a:rPr>
+              <a:t>// Last </a:t>
+            </a:r>
+            <a:r>
+              <a:rPr lang="en-US" sz="1800" dirty="0" err="1">
+                <a:solidFill>
+                  <a:srgbClr val="00B050"/>
+                </a:solidFill>
+                <a:latin typeface="Cascadia Mono" panose="020B0609020000020004" pitchFamily="49" charset="0"/>
+              </a:rPr>
+              <a:t>TimeStamp</a:t>
+            </a:r>
+            <a:endParaRPr lang="en-US" sz="1800" dirty="0">
+              <a:solidFill>
+                <a:srgbClr val="00B050"/>
+              </a:solidFill>
+              <a:latin typeface="Cascadia Mono" panose="020B0609020000020004" pitchFamily="49" charset="0"/>
+            </a:endParaRPr>
+          </a:p>
+          <a:p>
+            <a:r>
+              <a:rPr lang="en-US" sz="1800" dirty="0">
+                <a:solidFill>
+                  <a:srgbClr val="000000"/>
+                </a:solidFill>
+                <a:latin typeface="Cascadia Mono" panose="020B0609020000020004" pitchFamily="49" charset="0"/>
+              </a:rPr>
+              <a:t>    </a:t>
+            </a:r>
+            <a:r>
+              <a:rPr lang="en-US" sz="1800" dirty="0">
+                <a:solidFill>
+                  <a:srgbClr val="0000FF"/>
+                </a:solidFill>
+                <a:latin typeface="Cascadia Mono" panose="020B0609020000020004" pitchFamily="49" charset="0"/>
+              </a:rPr>
+              <a:t>int</a:t>
+            </a:r>
+            <a:r>
+              <a:rPr lang="en-US" sz="1800" dirty="0">
+                <a:solidFill>
+                  <a:srgbClr val="000000"/>
+                </a:solidFill>
+                <a:latin typeface="Cascadia Mono" panose="020B0609020000020004" pitchFamily="49" charset="0"/>
+              </a:rPr>
+              <a:t> </a:t>
+            </a:r>
+            <a:r>
+              <a:rPr lang="en-US" sz="1800" dirty="0" err="1">
+                <a:solidFill>
+                  <a:srgbClr val="000000"/>
+                </a:solidFill>
+                <a:latin typeface="Cascadia Mono" panose="020B0609020000020004" pitchFamily="49" charset="0"/>
+              </a:rPr>
+              <a:t>CheckStamp</a:t>
+            </a:r>
+            <a:r>
+              <a:rPr lang="en-US" sz="1800" dirty="0">
+                <a:solidFill>
+                  <a:srgbClr val="000000"/>
+                </a:solidFill>
+                <a:latin typeface="Cascadia Mono" panose="020B0609020000020004" pitchFamily="49" charset="0"/>
+              </a:rPr>
+              <a:t>); </a:t>
+            </a:r>
+            <a:r>
+              <a:rPr lang="en-US" sz="1800" dirty="0">
+                <a:solidFill>
+                  <a:srgbClr val="00B050"/>
+                </a:solidFill>
+                <a:latin typeface="Cascadia Mono" panose="020B0609020000020004" pitchFamily="49" charset="0"/>
+              </a:rPr>
+              <a:t>// If 1, publish only if </a:t>
+            </a:r>
+            <a:r>
+              <a:rPr lang="en-US" sz="1800" dirty="0" err="1">
+                <a:solidFill>
+                  <a:srgbClr val="00B050"/>
+                </a:solidFill>
+                <a:latin typeface="Cascadia Mono" panose="020B0609020000020004" pitchFamily="49" charset="0"/>
+              </a:rPr>
+              <a:t>MatchingChangeScope</a:t>
+            </a:r>
+            <a:r>
+              <a:rPr lang="en-US" sz="1800" dirty="0">
+                <a:solidFill>
+                  <a:srgbClr val="00B050"/>
+                </a:solidFill>
+                <a:latin typeface="Cascadia Mono" panose="020B0609020000020004" pitchFamily="49" charset="0"/>
+              </a:rPr>
+              <a:t> is valid</a:t>
+            </a:r>
+            <a:endParaRPr lang="es-ES" sz="2000" i="1" dirty="0">
+              <a:solidFill>
+                <a:srgbClr val="00B050"/>
+              </a:solidFill>
+            </a:endParaRPr>
+          </a:p>
+          <a:p>
+            <a:pPr marL="457200" indent="-457200">
+              <a:spcBef>
+                <a:spcPts val="600"/>
+              </a:spcBef>
+              <a:buFont typeface="Arial" panose="020B0604020202020204" pitchFamily="34" charset="0"/>
+              <a:buChar char="•"/>
+            </a:pPr>
+            <a:endParaRPr lang="es-ES" sz="2000" dirty="0">
+              <a:solidFill>
+                <a:schemeClr val="bg2">
+                  <a:lumMod val="50000"/>
+                </a:schemeClr>
+              </a:solidFill>
+            </a:endParaRPr>
+          </a:p>
+          <a:p>
+            <a:pPr marL="457200" indent="-457200">
+              <a:spcBef>
+                <a:spcPts val="600"/>
+              </a:spcBef>
+              <a:buFont typeface="Arial" panose="020B0604020202020204" pitchFamily="34" charset="0"/>
+              <a:buChar char="•"/>
+            </a:pPr>
+            <a:endParaRPr lang="es-ES" sz="2000" dirty="0">
+              <a:solidFill>
+                <a:schemeClr val="bg2">
+                  <a:lumMod val="50000"/>
+                </a:schemeClr>
+              </a:solidFill>
+            </a:endParaRPr>
+          </a:p>
+        </p:txBody>
+      </p:sp>
+    </p:spTree>
+    <p:extLst>
+      <p:ext uri="{BB962C8B-B14F-4D97-AF65-F5344CB8AC3E}">
+        <p14:creationId xmlns:p14="http://schemas.microsoft.com/office/powerpoint/2010/main" val="186663971"/>
+      </p:ext>
+    </p:extLst>
+  </p:cSld>
+  <p:clrMapOvr>
+    <a:masterClrMapping/>
+  </p:clrMapOvr>
+</p:sld>
+</file>
+
+<file path=ppt/slides/slide18.xml><?xml version="1.0" encoding="utf-8"?>
+<p:sld xmlns:a="http://schemas.openxmlformats.org/drawingml/2006/main" xmlns:r="http://schemas.openxmlformats.org/officeDocument/2006/relationships" xmlns:p="http://schemas.openxmlformats.org/presentationml/2006/main">
+  <p:cSld>
+    <p:spTree>
+      <p:nvGrpSpPr>
+        <p:cNvPr id="1" name=""/>
+        <p:cNvGrpSpPr/>
+        <p:nvPr/>
+      </p:nvGrpSpPr>
+      <p:grpSpPr>
+        <a:xfrm>
+          <a:off x="0" y="0"/>
+          <a:ext cx="0" cy="0"/>
+          <a:chOff x="0" y="0"/>
+          <a:chExt cx="0" cy="0"/>
+        </a:xfrm>
+      </p:grpSpPr>
+      <p:sp>
+        <p:nvSpPr>
+          <p:cNvPr id="2" name="CustomShape 1">
+            <a:extLst>
+              <a:ext uri="{FF2B5EF4-FFF2-40B4-BE49-F238E27FC236}">
+                <a16:creationId xmlns:a16="http://schemas.microsoft.com/office/drawing/2014/main" id="{E4282D34-CECC-47F8-AA80-F2CAB438CDDF}"/>
+              </a:ext>
+            </a:extLst>
+          </p:cNvPr>
+          <p:cNvSpPr/>
+          <p:nvPr/>
+        </p:nvSpPr>
+        <p:spPr>
+          <a:xfrm>
+            <a:off x="910080" y="0"/>
+            <a:ext cx="9848160" cy="1061280"/>
+          </a:xfrm>
+          <a:prstGeom prst="rect">
+            <a:avLst/>
+          </a:prstGeom>
+          <a:noFill/>
+          <a:ln cap="flat">
+            <a:noFill/>
+            <a:prstDash val="solid"/>
+          </a:ln>
+        </p:spPr>
+        <p:txBody>
+          <a:bodyPr vert="horz" wrap="square" lIns="90000" tIns="45000" rIns="90000" bIns="45000" anchorCtr="0" compatLnSpc="0"/>
+          <a:lstStyle/>
+          <a:p>
+            <a:pPr marL="0" marR="0" lvl="0" indent="0" rtl="0" hangingPunct="0">
+              <a:lnSpc>
+                <a:spcPct val="100000"/>
+              </a:lnSpc>
+              <a:spcBef>
+                <a:spcPts val="0"/>
+              </a:spcBef>
+              <a:spcAft>
+                <a:spcPts val="0"/>
+              </a:spcAft>
+              <a:buNone/>
+              <a:tabLst/>
+            </a:pPr>
+            <a:endParaRPr lang="en-US" sz="1800" b="0" i="0" u="none" strike="noStrike" kern="1200" cap="none">
+              <a:ln>
+                <a:noFill/>
+              </a:ln>
+              <a:latin typeface="Liberation Sans" pitchFamily="18"/>
+              <a:ea typeface="Noto Sans CJK SC" pitchFamily="2"/>
+              <a:cs typeface="Lohit Devanagari" pitchFamily="2"/>
+            </a:endParaRPr>
+          </a:p>
+        </p:txBody>
+      </p:sp>
+      <p:sp>
+        <p:nvSpPr>
+          <p:cNvPr id="3" name="CustomShape 2">
+            <a:extLst>
+              <a:ext uri="{FF2B5EF4-FFF2-40B4-BE49-F238E27FC236}">
+                <a16:creationId xmlns:a16="http://schemas.microsoft.com/office/drawing/2014/main" id="{B8666162-13B4-4E00-AA46-114CA8773DB4}"/>
+              </a:ext>
+            </a:extLst>
+          </p:cNvPr>
+          <p:cNvSpPr/>
+          <p:nvPr/>
+        </p:nvSpPr>
+        <p:spPr>
+          <a:xfrm>
+            <a:off x="838080" y="1375560"/>
+            <a:ext cx="10514520" cy="4350240"/>
+          </a:xfrm>
+          <a:prstGeom prst="rect">
+            <a:avLst/>
+          </a:prstGeom>
+          <a:noFill/>
+          <a:ln cap="flat">
+            <a:noFill/>
+            <a:prstDash val="solid"/>
+          </a:ln>
+        </p:spPr>
+        <p:txBody>
+          <a:bodyPr vert="horz" wrap="square" lIns="90000" tIns="45000" rIns="90000" bIns="45000" anchorCtr="0" compatLnSpc="0"/>
+          <a:lstStyle/>
+          <a:p>
+            <a:pPr marL="0" marR="0" lvl="0" indent="0" rtl="0" hangingPunct="0">
+              <a:lnSpc>
+                <a:spcPct val="100000"/>
+              </a:lnSpc>
+              <a:spcBef>
+                <a:spcPts val="0"/>
+              </a:spcBef>
+              <a:spcAft>
+                <a:spcPts val="0"/>
+              </a:spcAft>
+              <a:buNone/>
+              <a:tabLst/>
+            </a:pPr>
+            <a:endParaRPr lang="en-US" sz="1800" b="0" i="0" u="none" strike="noStrike" kern="1200" cap="none">
+              <a:ln>
+                <a:noFill/>
+              </a:ln>
+              <a:latin typeface="Liberation Sans" pitchFamily="18"/>
+              <a:ea typeface="Noto Sans CJK SC" pitchFamily="2"/>
+              <a:cs typeface="Lohit Devanagari" pitchFamily="2"/>
+            </a:endParaRPr>
+          </a:p>
+        </p:txBody>
+      </p:sp>
+      <p:sp>
+        <p:nvSpPr>
+          <p:cNvPr id="4" name="CustomShape 3">
+            <a:extLst>
+              <a:ext uri="{FF2B5EF4-FFF2-40B4-BE49-F238E27FC236}">
+                <a16:creationId xmlns:a16="http://schemas.microsoft.com/office/drawing/2014/main" id="{02057AA2-7B83-4A62-B299-29AC85CC51E4}"/>
+              </a:ext>
+            </a:extLst>
+          </p:cNvPr>
+          <p:cNvSpPr/>
+          <p:nvPr/>
+        </p:nvSpPr>
+        <p:spPr>
+          <a:xfrm>
+            <a:off x="10067399" y="6356520"/>
+            <a:ext cx="1285560" cy="363959"/>
+          </a:xfrm>
+          <a:prstGeom prst="rect">
+            <a:avLst/>
+          </a:prstGeom>
+          <a:noFill/>
+          <a:ln cap="flat">
+            <a:noFill/>
+            <a:prstDash val="solid"/>
+          </a:ln>
+        </p:spPr>
+        <p:txBody>
+          <a:bodyPr vert="horz" wrap="square" lIns="90000" tIns="45000" rIns="90000" bIns="45000" anchor="ctr" anchorCtr="0" compatLnSpc="0">
+            <a:noAutofit/>
+          </a:bodyPr>
+          <a:lstStyle/>
+          <a:p>
+            <a:pPr marL="0" marR="0" lvl="0" indent="0" algn="r" rtl="0" hangingPunct="1">
+              <a:lnSpc>
+                <a:spcPct val="100000"/>
+              </a:lnSpc>
+              <a:spcBef>
+                <a:spcPts val="0"/>
+              </a:spcBef>
+              <a:spcAft>
+                <a:spcPts val="0"/>
+              </a:spcAft>
+              <a:buNone/>
+              <a:tabLst/>
+            </a:pPr>
+            <a:fld id="{692320E0-2601-4A01-A26F-E1DBCFA5EC92}" type="slidenum">
+              <a:rPr/>
+              <a:t>18</a:t>
+            </a:fld>
+            <a:endParaRPr lang="es-ES" sz="1600" b="0" i="0" u="none" strike="noStrike" kern="1200" cap="none" spc="0" baseline="0" dirty="0">
+              <a:ln>
+                <a:noFill/>
+              </a:ln>
+              <a:solidFill>
+                <a:srgbClr val="00FF00"/>
+              </a:solidFill>
+              <a:latin typeface="Adler" pitchFamily="18"/>
+              <a:ea typeface="DejaVu Sans" pitchFamily="2"/>
+              <a:cs typeface="DejaVu Sans" pitchFamily="2"/>
+            </a:endParaRPr>
+          </a:p>
+        </p:txBody>
+      </p:sp>
+      <p:sp>
+        <p:nvSpPr>
+          <p:cNvPr id="5" name="CustomShape 4">
+            <a:extLst>
+              <a:ext uri="{FF2B5EF4-FFF2-40B4-BE49-F238E27FC236}">
+                <a16:creationId xmlns:a16="http://schemas.microsoft.com/office/drawing/2014/main" id="{813F6BB3-BBD8-47DB-9D0D-605951995A22}"/>
+              </a:ext>
+            </a:extLst>
+          </p:cNvPr>
+          <p:cNvSpPr/>
+          <p:nvPr/>
+        </p:nvSpPr>
+        <p:spPr>
+          <a:xfrm>
+            <a:off x="910080" y="0"/>
+            <a:ext cx="9848520" cy="1061640"/>
+          </a:xfrm>
+          <a:prstGeom prst="rect">
+            <a:avLst/>
+          </a:prstGeom>
+          <a:noFill/>
+          <a:ln cap="flat">
+            <a:noFill/>
+            <a:prstDash val="solid"/>
+          </a:ln>
+        </p:spPr>
+        <p:txBody>
+          <a:bodyPr vert="horz" wrap="square" lIns="90000" tIns="45000" rIns="90000" bIns="45000" anchor="ctr" anchorCtr="0" compatLnSpc="0">
+            <a:noAutofit/>
+          </a:bodyPr>
+          <a:lstStyle/>
+          <a:p>
+            <a:pPr marL="0" marR="0" lvl="0" indent="0" algn="l" rtl="0" hangingPunct="1">
+              <a:lnSpc>
+                <a:spcPct val="90000"/>
+              </a:lnSpc>
+              <a:spcBef>
+                <a:spcPts val="0"/>
+              </a:spcBef>
+              <a:spcAft>
+                <a:spcPts val="0"/>
+              </a:spcAft>
+              <a:buNone/>
+              <a:tabLst/>
+            </a:pPr>
+            <a:r>
+              <a:rPr lang="es-ES" sz="2800" dirty="0">
+                <a:solidFill>
+                  <a:srgbClr val="00FF00"/>
+                </a:solidFill>
+                <a:latin typeface="OCR A Extended" pitchFamily="18"/>
+                <a:ea typeface="DejaVu Sans" pitchFamily="2"/>
+                <a:cs typeface="DejaVu Sans" pitchFamily="2"/>
+              </a:rPr>
+              <a:t>WINDOWS </a:t>
+            </a:r>
+            <a:r>
+              <a:rPr lang="es-ES" sz="2800" dirty="0" err="1">
+                <a:solidFill>
+                  <a:srgbClr val="00FF00"/>
+                </a:solidFill>
+                <a:latin typeface="OCR A Extended" pitchFamily="18"/>
+                <a:ea typeface="DejaVu Sans" pitchFamily="2"/>
+                <a:cs typeface="DejaVu Sans" pitchFamily="2"/>
+              </a:rPr>
+              <a:t>APIs</a:t>
+            </a:r>
+            <a:endParaRPr lang="es-ES" sz="2800" b="0" i="0" u="none" strike="noStrike" kern="1200" cap="none" spc="0" baseline="0" dirty="0">
+              <a:ln>
+                <a:noFill/>
+              </a:ln>
+              <a:solidFill>
+                <a:srgbClr val="00FF00"/>
+              </a:solidFill>
+              <a:latin typeface="OCR A Extended" pitchFamily="18"/>
+              <a:ea typeface="DejaVu Sans" pitchFamily="2"/>
+              <a:cs typeface="DejaVu Sans" pitchFamily="2"/>
+            </a:endParaRPr>
+          </a:p>
+        </p:txBody>
+      </p:sp>
+      <p:sp>
+        <p:nvSpPr>
+          <p:cNvPr id="7" name="CustomShape 3">
+            <a:extLst>
+              <a:ext uri="{FF2B5EF4-FFF2-40B4-BE49-F238E27FC236}">
+                <a16:creationId xmlns:a16="http://schemas.microsoft.com/office/drawing/2014/main" id="{27D0551E-3D55-428C-87B2-9BD975F3F758}"/>
+              </a:ext>
+            </a:extLst>
+          </p:cNvPr>
+          <p:cNvSpPr/>
+          <p:nvPr/>
+        </p:nvSpPr>
+        <p:spPr>
+          <a:xfrm>
+            <a:off x="10169599" y="6268566"/>
+            <a:ext cx="1285560" cy="363960"/>
+          </a:xfrm>
+          <a:prstGeom prst="rect">
+            <a:avLst/>
+          </a:prstGeom>
+          <a:noFill/>
+          <a:ln>
+            <a:noFill/>
+          </a:ln>
+        </p:spPr>
+        <p:style>
+          <a:lnRef idx="0">
+            <a:scrgbClr r="0" g="0" b="0"/>
+          </a:lnRef>
+          <a:fillRef idx="0">
+            <a:scrgbClr r="0" g="0" b="0"/>
+          </a:fillRef>
+          <a:effectRef idx="0">
+            <a:scrgbClr r="0" g="0" b="0"/>
+          </a:effectRef>
+          <a:fontRef idx="minor"/>
+        </p:style>
+        <p:txBody>
+          <a:bodyPr lIns="90000" tIns="45000" rIns="90000" bIns="45000" anchor="ctr"/>
+          <a:lstStyle>
+            <a:defPPr>
+              <a:defRPr lang="es-ES"/>
+            </a:defPPr>
+            <a:lvl1pPr marL="0" algn="l" defTabSz="914400" rtl="0" eaLnBrk="1" latinLnBrk="0" hangingPunct="1">
+              <a:defRPr sz="1800" kern="1200">
+                <a:solidFill>
+                  <a:schemeClr val="tx1"/>
+                </a:solidFill>
+                <a:latin typeface="+mn-lt"/>
+                <a:ea typeface="+mn-ea"/>
+                <a:cs typeface="+mn-cs"/>
+              </a:defRPr>
+            </a:lvl1pPr>
+            <a:lvl2pPr marL="457200" algn="l" defTabSz="914400" rtl="0" eaLnBrk="1" latinLnBrk="0" hangingPunct="1">
+              <a:defRPr sz="1800" kern="1200">
+                <a:solidFill>
+                  <a:schemeClr val="tx1"/>
+                </a:solidFill>
+                <a:latin typeface="+mn-lt"/>
+                <a:ea typeface="+mn-ea"/>
+                <a:cs typeface="+mn-cs"/>
+              </a:defRPr>
+            </a:lvl2pPr>
+            <a:lvl3pPr marL="914400" algn="l" defTabSz="914400" rtl="0" eaLnBrk="1" latinLnBrk="0" hangingPunct="1">
+              <a:defRPr sz="1800" kern="1200">
+                <a:solidFill>
+                  <a:schemeClr val="tx1"/>
+                </a:solidFill>
+                <a:latin typeface="+mn-lt"/>
+                <a:ea typeface="+mn-ea"/>
+                <a:cs typeface="+mn-cs"/>
+              </a:defRPr>
+            </a:lvl3pPr>
+            <a:lvl4pPr marL="1371600" algn="l" defTabSz="914400" rtl="0" eaLnBrk="1" latinLnBrk="0" hangingPunct="1">
+              <a:defRPr sz="1800" kern="1200">
+                <a:solidFill>
+                  <a:schemeClr val="tx1"/>
+                </a:solidFill>
+                <a:latin typeface="+mn-lt"/>
+                <a:ea typeface="+mn-ea"/>
+                <a:cs typeface="+mn-cs"/>
+              </a:defRPr>
+            </a:lvl4pPr>
+            <a:lvl5pPr marL="1828800" algn="l" defTabSz="914400" rtl="0" eaLnBrk="1" latinLnBrk="0" hangingPunct="1">
+              <a:defRPr sz="1800" kern="1200">
+                <a:solidFill>
+                  <a:schemeClr val="tx1"/>
+                </a:solidFill>
+                <a:latin typeface="+mn-lt"/>
+                <a:ea typeface="+mn-ea"/>
+                <a:cs typeface="+mn-cs"/>
+              </a:defRPr>
+            </a:lvl5pPr>
+            <a:lvl6pPr marL="2286000" algn="l" defTabSz="914400" rtl="0" eaLnBrk="1" latinLnBrk="0" hangingPunct="1">
+              <a:defRPr sz="1800" kern="1200">
+                <a:solidFill>
+                  <a:schemeClr val="tx1"/>
+                </a:solidFill>
+                <a:latin typeface="+mn-lt"/>
+                <a:ea typeface="+mn-ea"/>
+                <a:cs typeface="+mn-cs"/>
+              </a:defRPr>
+            </a:lvl6pPr>
+            <a:lvl7pPr marL="2743200" algn="l" defTabSz="914400" rtl="0" eaLnBrk="1" latinLnBrk="0" hangingPunct="1">
+              <a:defRPr sz="1800" kern="1200">
+                <a:solidFill>
+                  <a:schemeClr val="tx1"/>
+                </a:solidFill>
+                <a:latin typeface="+mn-lt"/>
+                <a:ea typeface="+mn-ea"/>
+                <a:cs typeface="+mn-cs"/>
+              </a:defRPr>
+            </a:lvl7pPr>
+            <a:lvl8pPr marL="3200400" algn="l" defTabSz="914400" rtl="0" eaLnBrk="1" latinLnBrk="0" hangingPunct="1">
+              <a:defRPr sz="1800" kern="1200">
+                <a:solidFill>
+                  <a:schemeClr val="tx1"/>
+                </a:solidFill>
+                <a:latin typeface="+mn-lt"/>
+                <a:ea typeface="+mn-ea"/>
+                <a:cs typeface="+mn-cs"/>
+              </a:defRPr>
+            </a:lvl8pPr>
+            <a:lvl9pPr marL="3657600" algn="l" defTabSz="914400" rtl="0" eaLnBrk="1" latinLnBrk="0" hangingPunct="1">
+              <a:defRPr sz="1800" kern="1200">
+                <a:solidFill>
+                  <a:schemeClr val="tx1"/>
+                </a:solidFill>
+                <a:latin typeface="+mn-lt"/>
+                <a:ea typeface="+mn-ea"/>
+                <a:cs typeface="+mn-cs"/>
+              </a:defRPr>
+            </a:lvl9pPr>
+          </a:lstStyle>
+          <a:p>
+            <a:pPr algn="r">
+              <a:lnSpc>
+                <a:spcPct val="100000"/>
+              </a:lnSpc>
+            </a:pPr>
+            <a:fld id="{F4AF001D-1B90-4342-83A9-7082BA1E0464}" type="slidenum">
+              <a:rPr lang="es-ES" sz="1600" b="0" strike="noStrike" spc="-1">
+                <a:solidFill>
+                  <a:srgbClr val="00FF00"/>
+                </a:solidFill>
+                <a:latin typeface="Adler"/>
+                <a:ea typeface="DejaVu Sans"/>
+              </a:rPr>
+              <a:pPr algn="r">
+                <a:lnSpc>
+                  <a:spcPct val="100000"/>
+                </a:lnSpc>
+              </a:pPr>
+              <a:t>18</a:t>
+            </a:fld>
+            <a:endParaRPr lang="es-ES" sz="1600" b="0" strike="noStrike" spc="-1" dirty="0">
+              <a:latin typeface="Arial"/>
+            </a:endParaRPr>
+          </a:p>
+        </p:txBody>
+      </p:sp>
+      <p:sp>
+        <p:nvSpPr>
+          <p:cNvPr id="12" name="CuadroTexto 11">
+            <a:extLst>
+              <a:ext uri="{FF2B5EF4-FFF2-40B4-BE49-F238E27FC236}">
+                <a16:creationId xmlns:a16="http://schemas.microsoft.com/office/drawing/2014/main" id="{DC46E5AC-9988-4C95-CEE5-A1FAD7CB5F04}"/>
+              </a:ext>
+            </a:extLst>
+          </p:cNvPr>
+          <p:cNvSpPr txBox="1"/>
+          <p:nvPr/>
+        </p:nvSpPr>
+        <p:spPr>
+          <a:xfrm>
+            <a:off x="668593" y="1159051"/>
+            <a:ext cx="10786565" cy="3718967"/>
+          </a:xfrm>
+          <a:prstGeom prst="rect">
+            <a:avLst/>
+          </a:prstGeom>
+          <a:noFill/>
+        </p:spPr>
+        <p:txBody>
+          <a:bodyPr wrap="square" rtlCol="0">
+            <a:spAutoFit/>
+          </a:bodyPr>
+          <a:lstStyle/>
+          <a:p>
+            <a:pPr>
+              <a:lnSpc>
+                <a:spcPts val="2500"/>
+              </a:lnSpc>
+            </a:pPr>
+            <a:endParaRPr lang="es-ES" sz="3200" b="1" dirty="0">
+              <a:latin typeface="OCR A Extended" panose="02010509020102010303" pitchFamily="50" charset="0"/>
+            </a:endParaRPr>
+          </a:p>
+          <a:p>
+            <a:pPr>
+              <a:lnSpc>
+                <a:spcPts val="2500"/>
+              </a:lnSpc>
+            </a:pPr>
+            <a:r>
+              <a:rPr lang="es-ES" sz="3200" b="1" dirty="0" err="1">
+                <a:latin typeface="OCR A Extended" panose="02010509020102010303" pitchFamily="50" charset="0"/>
+              </a:rPr>
+              <a:t>Querying</a:t>
+            </a:r>
+            <a:r>
+              <a:rPr lang="es-ES" sz="3200" b="1" dirty="0">
+                <a:latin typeface="OCR A Extended" panose="02010509020102010303" pitchFamily="50" charset="0"/>
+              </a:rPr>
+              <a:t> Data</a:t>
+            </a:r>
+          </a:p>
+          <a:p>
+            <a:pPr>
+              <a:spcBef>
+                <a:spcPts val="600"/>
+              </a:spcBef>
+            </a:pPr>
+            <a:endParaRPr lang="es-ES" sz="2000" i="1" dirty="0">
+              <a:solidFill>
+                <a:schemeClr val="bg2">
+                  <a:lumMod val="50000"/>
+                </a:schemeClr>
+              </a:solidFill>
+            </a:endParaRPr>
+          </a:p>
+          <a:p>
+            <a:r>
+              <a:rPr lang="en-US" sz="1800" dirty="0">
+                <a:solidFill>
+                  <a:srgbClr val="000000"/>
+                </a:solidFill>
+                <a:latin typeface="Cascadia Mono" panose="020B0609020000020004" pitchFamily="49" charset="0"/>
+              </a:rPr>
+              <a:t>[</a:t>
+            </a:r>
+            <a:r>
+              <a:rPr lang="en-US" sz="1800" dirty="0" err="1">
+                <a:solidFill>
+                  <a:srgbClr val="000000"/>
+                </a:solidFill>
+                <a:latin typeface="Cascadia Mono" panose="020B0609020000020004" pitchFamily="49" charset="0"/>
+              </a:rPr>
+              <a:t>DllImport</a:t>
+            </a:r>
+            <a:r>
+              <a:rPr lang="en-US" sz="1800" dirty="0">
+                <a:solidFill>
+                  <a:srgbClr val="000000"/>
+                </a:solidFill>
+                <a:latin typeface="Cascadia Mono" panose="020B0609020000020004" pitchFamily="49" charset="0"/>
+              </a:rPr>
+              <a:t>(</a:t>
+            </a:r>
+            <a:r>
+              <a:rPr lang="en-US" sz="1800" dirty="0">
+                <a:solidFill>
+                  <a:srgbClr val="A31515"/>
+                </a:solidFill>
+                <a:latin typeface="Cascadia Mono" panose="020B0609020000020004" pitchFamily="49" charset="0"/>
+              </a:rPr>
+              <a:t>"ntdll.dll"</a:t>
+            </a:r>
+            <a:r>
+              <a:rPr lang="en-US" sz="1800" dirty="0">
+                <a:solidFill>
+                  <a:srgbClr val="000000"/>
+                </a:solidFill>
+                <a:latin typeface="Cascadia Mono" panose="020B0609020000020004" pitchFamily="49" charset="0"/>
+              </a:rPr>
+              <a:t>)]</a:t>
+            </a:r>
+          </a:p>
+          <a:p>
+            <a:r>
+              <a:rPr lang="en-US" sz="1800" dirty="0">
+                <a:solidFill>
+                  <a:srgbClr val="0000FF"/>
+                </a:solidFill>
+                <a:latin typeface="Cascadia Mono" panose="020B0609020000020004" pitchFamily="49" charset="0"/>
+              </a:rPr>
+              <a:t>public</a:t>
+            </a:r>
+            <a:r>
+              <a:rPr lang="en-US" sz="1800" dirty="0">
+                <a:solidFill>
+                  <a:srgbClr val="000000"/>
+                </a:solidFill>
+                <a:latin typeface="Cascadia Mono" panose="020B0609020000020004" pitchFamily="49" charset="0"/>
+              </a:rPr>
+              <a:t> </a:t>
+            </a:r>
+            <a:r>
+              <a:rPr lang="en-US" sz="1800" dirty="0">
+                <a:solidFill>
+                  <a:srgbClr val="0000FF"/>
+                </a:solidFill>
+                <a:latin typeface="Cascadia Mono" panose="020B0609020000020004" pitchFamily="49" charset="0"/>
+              </a:rPr>
+              <a:t>static</a:t>
+            </a:r>
+            <a:r>
+              <a:rPr lang="en-US" sz="1800" dirty="0">
+                <a:solidFill>
+                  <a:srgbClr val="000000"/>
+                </a:solidFill>
+                <a:latin typeface="Cascadia Mono" panose="020B0609020000020004" pitchFamily="49" charset="0"/>
+              </a:rPr>
+              <a:t> </a:t>
+            </a:r>
+            <a:r>
+              <a:rPr lang="en-US" sz="1800" dirty="0">
+                <a:solidFill>
+                  <a:srgbClr val="0000FF"/>
+                </a:solidFill>
+                <a:latin typeface="Cascadia Mono" panose="020B0609020000020004" pitchFamily="49" charset="0"/>
+              </a:rPr>
+              <a:t>extern</a:t>
+            </a:r>
+            <a:r>
+              <a:rPr lang="en-US" sz="1800" dirty="0">
+                <a:solidFill>
+                  <a:srgbClr val="000000"/>
+                </a:solidFill>
+                <a:latin typeface="Cascadia Mono" panose="020B0609020000020004" pitchFamily="49" charset="0"/>
+              </a:rPr>
+              <a:t> </a:t>
+            </a:r>
+            <a:r>
+              <a:rPr lang="en-US" sz="1800" dirty="0">
+                <a:solidFill>
+                  <a:srgbClr val="00B050"/>
+                </a:solidFill>
+                <a:latin typeface="Cascadia Mono" panose="020B0609020000020004" pitchFamily="49" charset="0"/>
+              </a:rPr>
+              <a:t>NTSTATUS</a:t>
+            </a:r>
+            <a:r>
+              <a:rPr lang="en-US" sz="1800" dirty="0">
+                <a:solidFill>
+                  <a:srgbClr val="000000"/>
+                </a:solidFill>
+                <a:latin typeface="Cascadia Mono" panose="020B0609020000020004" pitchFamily="49" charset="0"/>
+              </a:rPr>
+              <a:t> </a:t>
+            </a:r>
+            <a:r>
+              <a:rPr lang="en-US" sz="1800" dirty="0" err="1">
+                <a:solidFill>
+                  <a:srgbClr val="000000"/>
+                </a:solidFill>
+                <a:latin typeface="Cascadia Mono" panose="020B0609020000020004" pitchFamily="49" charset="0"/>
+              </a:rPr>
+              <a:t>NtQueryWnfStateData</a:t>
+            </a:r>
+            <a:r>
+              <a:rPr lang="en-US" sz="1800" dirty="0">
+                <a:solidFill>
+                  <a:srgbClr val="000000"/>
+                </a:solidFill>
+                <a:latin typeface="Cascadia Mono" panose="020B0609020000020004" pitchFamily="49" charset="0"/>
+              </a:rPr>
+              <a:t>(</a:t>
+            </a:r>
+          </a:p>
+          <a:p>
+            <a:r>
+              <a:rPr lang="en-US" sz="1800" dirty="0">
+                <a:solidFill>
+                  <a:srgbClr val="000000"/>
+                </a:solidFill>
+                <a:latin typeface="Cascadia Mono" panose="020B0609020000020004" pitchFamily="49" charset="0"/>
+              </a:rPr>
+              <a:t>    </a:t>
+            </a:r>
+            <a:r>
+              <a:rPr lang="en-US" sz="1800" dirty="0">
+                <a:solidFill>
+                  <a:srgbClr val="0000FF"/>
+                </a:solidFill>
+                <a:latin typeface="Cascadia Mono" panose="020B0609020000020004" pitchFamily="49" charset="0"/>
+              </a:rPr>
+              <a:t>in</a:t>
+            </a:r>
+            <a:r>
+              <a:rPr lang="en-US" sz="1800" dirty="0">
+                <a:solidFill>
+                  <a:srgbClr val="000000"/>
+                </a:solidFill>
+                <a:latin typeface="Cascadia Mono" panose="020B0609020000020004" pitchFamily="49" charset="0"/>
+              </a:rPr>
+              <a:t> WELL_KNOWN_WNF_NAME </a:t>
+            </a:r>
+            <a:r>
+              <a:rPr lang="en-US" sz="1800" dirty="0" err="1">
+                <a:solidFill>
+                  <a:srgbClr val="000000"/>
+                </a:solidFill>
+                <a:latin typeface="Cascadia Mono" panose="020B0609020000020004" pitchFamily="49" charset="0"/>
+              </a:rPr>
+              <a:t>StateName</a:t>
+            </a:r>
+            <a:r>
+              <a:rPr lang="en-US" sz="1800" dirty="0">
+                <a:solidFill>
+                  <a:srgbClr val="000000"/>
+                </a:solidFill>
+                <a:latin typeface="Cascadia Mono" panose="020B0609020000020004" pitchFamily="49" charset="0"/>
+              </a:rPr>
+              <a:t>,</a:t>
+            </a:r>
+          </a:p>
+          <a:p>
+            <a:r>
+              <a:rPr lang="en-US" sz="1800" dirty="0">
+                <a:solidFill>
+                  <a:srgbClr val="000000"/>
+                </a:solidFill>
+                <a:latin typeface="Cascadia Mono" panose="020B0609020000020004" pitchFamily="49" charset="0"/>
+              </a:rPr>
+              <a:t>    </a:t>
+            </a:r>
+            <a:r>
+              <a:rPr lang="en-US" sz="1800" dirty="0" err="1">
+                <a:solidFill>
+                  <a:srgbClr val="000000"/>
+                </a:solidFill>
+                <a:latin typeface="Cascadia Mono" panose="020B0609020000020004" pitchFamily="49" charset="0"/>
+              </a:rPr>
+              <a:t>IntPtr</a:t>
+            </a:r>
+            <a:r>
+              <a:rPr lang="en-US" sz="1800" dirty="0">
+                <a:solidFill>
+                  <a:srgbClr val="000000"/>
+                </a:solidFill>
+                <a:latin typeface="Cascadia Mono" panose="020B0609020000020004" pitchFamily="49" charset="0"/>
+              </a:rPr>
+              <a:t> </a:t>
+            </a:r>
+            <a:r>
+              <a:rPr lang="en-US" sz="1800" dirty="0" err="1">
+                <a:solidFill>
+                  <a:srgbClr val="000000"/>
+                </a:solidFill>
+                <a:latin typeface="Cascadia Mono" panose="020B0609020000020004" pitchFamily="49" charset="0"/>
+              </a:rPr>
+              <a:t>TypeId</a:t>
+            </a:r>
+            <a:r>
+              <a:rPr lang="en-US" sz="1800" dirty="0">
+                <a:solidFill>
+                  <a:srgbClr val="000000"/>
+                </a:solidFill>
+                <a:latin typeface="Cascadia Mono" panose="020B0609020000020004" pitchFamily="49" charset="0"/>
+              </a:rPr>
+              <a:t>,</a:t>
+            </a:r>
+          </a:p>
+          <a:p>
+            <a:r>
+              <a:rPr lang="en-US" sz="1800" dirty="0">
+                <a:solidFill>
+                  <a:srgbClr val="000000"/>
+                </a:solidFill>
+                <a:latin typeface="Cascadia Mono" panose="020B0609020000020004" pitchFamily="49" charset="0"/>
+              </a:rPr>
+              <a:t>    </a:t>
+            </a:r>
+            <a:r>
+              <a:rPr lang="en-US" sz="1800" dirty="0" err="1">
+                <a:solidFill>
+                  <a:srgbClr val="000000"/>
+                </a:solidFill>
+                <a:latin typeface="Cascadia Mono" panose="020B0609020000020004" pitchFamily="49" charset="0"/>
+              </a:rPr>
+              <a:t>IntPtr</a:t>
+            </a:r>
+            <a:r>
+              <a:rPr lang="en-US" sz="1800" dirty="0">
+                <a:solidFill>
+                  <a:srgbClr val="000000"/>
+                </a:solidFill>
+                <a:latin typeface="Cascadia Mono" panose="020B0609020000020004" pitchFamily="49" charset="0"/>
+              </a:rPr>
+              <a:t> </a:t>
+            </a:r>
+            <a:r>
+              <a:rPr lang="en-US" sz="1800" dirty="0" err="1">
+                <a:solidFill>
+                  <a:srgbClr val="000000"/>
+                </a:solidFill>
+                <a:latin typeface="Cascadia Mono" panose="020B0609020000020004" pitchFamily="49" charset="0"/>
+              </a:rPr>
+              <a:t>ExplicitScope</a:t>
+            </a:r>
+            <a:r>
+              <a:rPr lang="en-US" sz="1800" dirty="0">
+                <a:solidFill>
+                  <a:srgbClr val="000000"/>
+                </a:solidFill>
+                <a:latin typeface="Cascadia Mono" panose="020B0609020000020004" pitchFamily="49" charset="0"/>
+              </a:rPr>
+              <a:t>,</a:t>
+            </a:r>
+          </a:p>
+          <a:p>
+            <a:r>
+              <a:rPr lang="en-US" sz="1800" dirty="0">
+                <a:solidFill>
+                  <a:srgbClr val="000000"/>
+                </a:solidFill>
+                <a:latin typeface="Cascadia Mono" panose="020B0609020000020004" pitchFamily="49" charset="0"/>
+              </a:rPr>
+              <a:t>    </a:t>
+            </a:r>
+            <a:r>
+              <a:rPr lang="en-US" sz="1800" dirty="0">
+                <a:solidFill>
+                  <a:srgbClr val="0000FF"/>
+                </a:solidFill>
+                <a:latin typeface="Cascadia Mono" panose="020B0609020000020004" pitchFamily="49" charset="0"/>
+              </a:rPr>
+              <a:t>out</a:t>
+            </a:r>
+            <a:r>
+              <a:rPr lang="en-US" sz="1800" dirty="0">
+                <a:solidFill>
+                  <a:srgbClr val="000000"/>
+                </a:solidFill>
+                <a:latin typeface="Cascadia Mono" panose="020B0609020000020004" pitchFamily="49" charset="0"/>
+              </a:rPr>
+              <a:t> </a:t>
+            </a:r>
+            <a:r>
+              <a:rPr lang="en-US" sz="1800" dirty="0">
+                <a:solidFill>
+                  <a:srgbClr val="0000FF"/>
+                </a:solidFill>
+                <a:latin typeface="Cascadia Mono" panose="020B0609020000020004" pitchFamily="49" charset="0"/>
+              </a:rPr>
+              <a:t>int</a:t>
+            </a:r>
+            <a:r>
+              <a:rPr lang="en-US" sz="1800" dirty="0">
+                <a:solidFill>
+                  <a:srgbClr val="000000"/>
+                </a:solidFill>
+                <a:latin typeface="Cascadia Mono" panose="020B0609020000020004" pitchFamily="49" charset="0"/>
+              </a:rPr>
+              <a:t> </a:t>
+            </a:r>
+            <a:r>
+              <a:rPr lang="en-US" sz="1800" dirty="0" err="1">
+                <a:solidFill>
+                  <a:srgbClr val="000000"/>
+                </a:solidFill>
+                <a:latin typeface="Cascadia Mono" panose="020B0609020000020004" pitchFamily="49" charset="0"/>
+              </a:rPr>
+              <a:t>ChangeStamp</a:t>
+            </a:r>
+            <a:r>
+              <a:rPr lang="en-US" sz="1800" dirty="0">
+                <a:solidFill>
+                  <a:srgbClr val="000000"/>
+                </a:solidFill>
+                <a:latin typeface="Cascadia Mono" panose="020B0609020000020004" pitchFamily="49" charset="0"/>
+              </a:rPr>
+              <a:t>,</a:t>
+            </a:r>
+          </a:p>
+          <a:p>
+            <a:r>
+              <a:rPr lang="en-US" sz="1800" dirty="0">
+                <a:solidFill>
+                  <a:srgbClr val="000000"/>
+                </a:solidFill>
+                <a:latin typeface="Cascadia Mono" panose="020B0609020000020004" pitchFamily="49" charset="0"/>
+              </a:rPr>
+              <a:t>    </a:t>
+            </a:r>
+            <a:r>
+              <a:rPr lang="en-US" sz="1800" dirty="0">
+                <a:solidFill>
+                  <a:srgbClr val="0000FF"/>
+                </a:solidFill>
+                <a:latin typeface="Cascadia Mono" panose="020B0609020000020004" pitchFamily="49" charset="0"/>
+              </a:rPr>
+              <a:t>byte</a:t>
+            </a:r>
+            <a:r>
+              <a:rPr lang="en-US" sz="1800" dirty="0">
+                <a:solidFill>
+                  <a:srgbClr val="000000"/>
+                </a:solidFill>
+                <a:latin typeface="Cascadia Mono" panose="020B0609020000020004" pitchFamily="49" charset="0"/>
+              </a:rPr>
+              <a:t>[] Buffer,</a:t>
+            </a:r>
+          </a:p>
+          <a:p>
+            <a:r>
+              <a:rPr lang="en-US" sz="1800" dirty="0">
+                <a:solidFill>
+                  <a:srgbClr val="000000"/>
+                </a:solidFill>
+                <a:latin typeface="Cascadia Mono" panose="020B0609020000020004" pitchFamily="49" charset="0"/>
+              </a:rPr>
+              <a:t>    </a:t>
+            </a:r>
+            <a:r>
+              <a:rPr lang="en-US" sz="1800" dirty="0">
+                <a:solidFill>
+                  <a:srgbClr val="0000FF"/>
+                </a:solidFill>
+                <a:latin typeface="Cascadia Mono" panose="020B0609020000020004" pitchFamily="49" charset="0"/>
+              </a:rPr>
+              <a:t>out</a:t>
+            </a:r>
+            <a:r>
+              <a:rPr lang="en-US" sz="1800" dirty="0">
+                <a:solidFill>
+                  <a:srgbClr val="000000"/>
+                </a:solidFill>
+                <a:latin typeface="Cascadia Mono" panose="020B0609020000020004" pitchFamily="49" charset="0"/>
+              </a:rPr>
+              <a:t> </a:t>
+            </a:r>
+            <a:r>
+              <a:rPr lang="en-US" sz="1800" dirty="0">
+                <a:solidFill>
+                  <a:srgbClr val="0000FF"/>
+                </a:solidFill>
+                <a:latin typeface="Cascadia Mono" panose="020B0609020000020004" pitchFamily="49" charset="0"/>
+              </a:rPr>
+              <a:t>int</a:t>
+            </a:r>
+            <a:r>
+              <a:rPr lang="en-US" sz="1800" dirty="0">
+                <a:solidFill>
+                  <a:srgbClr val="000000"/>
+                </a:solidFill>
+                <a:latin typeface="Cascadia Mono" panose="020B0609020000020004" pitchFamily="49" charset="0"/>
+              </a:rPr>
+              <a:t> </a:t>
+            </a:r>
+            <a:r>
+              <a:rPr lang="en-US" sz="1800" dirty="0" err="1">
+                <a:solidFill>
+                  <a:srgbClr val="000000"/>
+                </a:solidFill>
+                <a:latin typeface="Cascadia Mono" panose="020B0609020000020004" pitchFamily="49" charset="0"/>
+              </a:rPr>
+              <a:t>BufferSize</a:t>
+            </a:r>
+            <a:r>
+              <a:rPr lang="en-US" sz="1800" dirty="0">
+                <a:solidFill>
+                  <a:srgbClr val="000000"/>
+                </a:solidFill>
+                <a:latin typeface="Cascadia Mono" panose="020B0609020000020004" pitchFamily="49" charset="0"/>
+              </a:rPr>
+              <a:t>);</a:t>
+            </a:r>
+            <a:endParaRPr lang="es-ES" sz="2000" dirty="0">
+              <a:solidFill>
+                <a:schemeClr val="bg2">
+                  <a:lumMod val="50000"/>
+                </a:schemeClr>
+              </a:solidFill>
+            </a:endParaRPr>
+          </a:p>
+          <a:p>
+            <a:pPr marL="457200" indent="-457200">
+              <a:spcBef>
+                <a:spcPts val="600"/>
+              </a:spcBef>
+              <a:buFont typeface="Arial" panose="020B0604020202020204" pitchFamily="34" charset="0"/>
+              <a:buChar char="•"/>
+            </a:pPr>
+            <a:endParaRPr lang="es-ES" sz="2000" dirty="0">
+              <a:solidFill>
+                <a:schemeClr val="bg2">
+                  <a:lumMod val="50000"/>
+                </a:schemeClr>
+              </a:solidFill>
+            </a:endParaRPr>
+          </a:p>
+        </p:txBody>
+      </p:sp>
+    </p:spTree>
+    <p:extLst>
+      <p:ext uri="{BB962C8B-B14F-4D97-AF65-F5344CB8AC3E}">
+        <p14:creationId xmlns:p14="http://schemas.microsoft.com/office/powerpoint/2010/main" val="3857617552"/>
+      </p:ext>
+    </p:extLst>
+  </p:cSld>
+  <p:clrMapOvr>
+    <a:masterClrMapping/>
+  </p:clrMapOvr>
+</p:sld>
+</file>
+
+<file path=ppt/slides/slide19.xml><?xml version="1.0" encoding="utf-8"?>
+<p:sld xmlns:a="http://schemas.openxmlformats.org/drawingml/2006/main" xmlns:r="http://schemas.openxmlformats.org/officeDocument/2006/relationships" xmlns:p="http://schemas.openxmlformats.org/presentationml/2006/main">
+  <p:cSld name="Slide4">
+    <p:spTree>
+      <p:nvGrpSpPr>
+        <p:cNvPr id="1" name=""/>
+        <p:cNvGrpSpPr/>
+        <p:nvPr/>
+      </p:nvGrpSpPr>
+      <p:grpSpPr>
+        <a:xfrm>
+          <a:off x="0" y="0"/>
+          <a:ext cx="0" cy="0"/>
+          <a:chOff x="0" y="0"/>
+          <a:chExt cx="0" cy="0"/>
+        </a:xfrm>
+      </p:grpSpPr>
+    </p:spTree>
   </p:cSld>
   <p:clrMapOvr>
     <a:masterClrMapping/>
@@ -15286,6 +21180,1059 @@
     <p:extLst>
       <p:ext uri="{BB962C8B-B14F-4D97-AF65-F5344CB8AC3E}">
         <p14:creationId xmlns:p14="http://schemas.microsoft.com/office/powerpoint/2010/main" val="2153618080"/>
+      </p:ext>
+    </p:extLst>
+  </p:cSld>
+  <p:clrMapOvr>
+    <a:masterClrMapping/>
+  </p:clrMapOvr>
+</p:sld>
+</file>
+
+<file path=ppt/slides/slide20.xml><?xml version="1.0" encoding="utf-8"?>
+<p:sld xmlns:a="http://schemas.openxmlformats.org/drawingml/2006/main" xmlns:r="http://schemas.openxmlformats.org/officeDocument/2006/relationships" xmlns:p="http://schemas.openxmlformats.org/presentationml/2006/main">
+  <p:cSld name="Slide2">
+    <p:spTree>
+      <p:nvGrpSpPr>
+        <p:cNvPr id="1" name=""/>
+        <p:cNvGrpSpPr/>
+        <p:nvPr/>
+      </p:nvGrpSpPr>
+      <p:grpSpPr>
+        <a:xfrm>
+          <a:off x="0" y="0"/>
+          <a:ext cx="0" cy="0"/>
+          <a:chOff x="0" y="0"/>
+          <a:chExt cx="0" cy="0"/>
+        </a:xfrm>
+      </p:grpSpPr>
+      <p:sp>
+        <p:nvSpPr>
+          <p:cNvPr id="2" name="CustomShape 1">
+            <a:extLst>
+              <a:ext uri="{FF2B5EF4-FFF2-40B4-BE49-F238E27FC236}">
+                <a16:creationId xmlns:a16="http://schemas.microsoft.com/office/drawing/2014/main" id="{E4282D34-CECC-47F8-AA80-F2CAB438CDDF}"/>
+              </a:ext>
+            </a:extLst>
+          </p:cNvPr>
+          <p:cNvSpPr/>
+          <p:nvPr/>
+        </p:nvSpPr>
+        <p:spPr>
+          <a:xfrm>
+            <a:off x="910080" y="0"/>
+            <a:ext cx="9848160" cy="1061280"/>
+          </a:xfrm>
+          <a:prstGeom prst="rect">
+            <a:avLst/>
+          </a:prstGeom>
+          <a:noFill/>
+          <a:ln cap="flat">
+            <a:noFill/>
+            <a:prstDash val="solid"/>
+          </a:ln>
+        </p:spPr>
+        <p:txBody>
+          <a:bodyPr vert="horz" wrap="square" lIns="90000" tIns="45000" rIns="90000" bIns="45000" anchorCtr="0" compatLnSpc="0"/>
+          <a:lstStyle/>
+          <a:p>
+            <a:pPr marL="0" marR="0" lvl="0" indent="0" rtl="0" hangingPunct="0">
+              <a:lnSpc>
+                <a:spcPct val="100000"/>
+              </a:lnSpc>
+              <a:spcBef>
+                <a:spcPts val="0"/>
+              </a:spcBef>
+              <a:spcAft>
+                <a:spcPts val="0"/>
+              </a:spcAft>
+              <a:buNone/>
+              <a:tabLst/>
+            </a:pPr>
+            <a:endParaRPr lang="en-US" sz="1800" b="0" i="0" u="none" strike="noStrike" kern="1200" cap="none">
+              <a:ln>
+                <a:noFill/>
+              </a:ln>
+              <a:latin typeface="Liberation Sans" pitchFamily="18"/>
+              <a:ea typeface="Noto Sans CJK SC" pitchFamily="2"/>
+              <a:cs typeface="Lohit Devanagari" pitchFamily="2"/>
+            </a:endParaRPr>
+          </a:p>
+        </p:txBody>
+      </p:sp>
+      <p:sp>
+        <p:nvSpPr>
+          <p:cNvPr id="3" name="CustomShape 2">
+            <a:extLst>
+              <a:ext uri="{FF2B5EF4-FFF2-40B4-BE49-F238E27FC236}">
+                <a16:creationId xmlns:a16="http://schemas.microsoft.com/office/drawing/2014/main" id="{B8666162-13B4-4E00-AA46-114CA8773DB4}"/>
+              </a:ext>
+            </a:extLst>
+          </p:cNvPr>
+          <p:cNvSpPr/>
+          <p:nvPr/>
+        </p:nvSpPr>
+        <p:spPr>
+          <a:xfrm>
+            <a:off x="838080" y="1375560"/>
+            <a:ext cx="10514520" cy="4350240"/>
+          </a:xfrm>
+          <a:prstGeom prst="rect">
+            <a:avLst/>
+          </a:prstGeom>
+          <a:noFill/>
+          <a:ln cap="flat">
+            <a:noFill/>
+            <a:prstDash val="solid"/>
+          </a:ln>
+        </p:spPr>
+        <p:txBody>
+          <a:bodyPr vert="horz" wrap="square" lIns="90000" tIns="45000" rIns="90000" bIns="45000" anchorCtr="0" compatLnSpc="0"/>
+          <a:lstStyle/>
+          <a:p>
+            <a:pPr marL="0" marR="0" lvl="0" indent="0" rtl="0" hangingPunct="0">
+              <a:lnSpc>
+                <a:spcPct val="100000"/>
+              </a:lnSpc>
+              <a:spcBef>
+                <a:spcPts val="0"/>
+              </a:spcBef>
+              <a:spcAft>
+                <a:spcPts val="0"/>
+              </a:spcAft>
+              <a:buNone/>
+              <a:tabLst/>
+            </a:pPr>
+            <a:endParaRPr lang="en-US" sz="1800" b="0" i="0" u="none" strike="noStrike" kern="1200" cap="none">
+              <a:ln>
+                <a:noFill/>
+              </a:ln>
+              <a:latin typeface="Liberation Sans" pitchFamily="18"/>
+              <a:ea typeface="Noto Sans CJK SC" pitchFamily="2"/>
+              <a:cs typeface="Lohit Devanagari" pitchFamily="2"/>
+            </a:endParaRPr>
+          </a:p>
+        </p:txBody>
+      </p:sp>
+      <p:sp>
+        <p:nvSpPr>
+          <p:cNvPr id="4" name="CustomShape 3">
+            <a:extLst>
+              <a:ext uri="{FF2B5EF4-FFF2-40B4-BE49-F238E27FC236}">
+                <a16:creationId xmlns:a16="http://schemas.microsoft.com/office/drawing/2014/main" id="{02057AA2-7B83-4A62-B299-29AC85CC51E4}"/>
+              </a:ext>
+            </a:extLst>
+          </p:cNvPr>
+          <p:cNvSpPr/>
+          <p:nvPr/>
+        </p:nvSpPr>
+        <p:spPr>
+          <a:xfrm>
+            <a:off x="10067399" y="6356520"/>
+            <a:ext cx="1285560" cy="363959"/>
+          </a:xfrm>
+          <a:prstGeom prst="rect">
+            <a:avLst/>
+          </a:prstGeom>
+          <a:noFill/>
+          <a:ln cap="flat">
+            <a:noFill/>
+            <a:prstDash val="solid"/>
+          </a:ln>
+        </p:spPr>
+        <p:txBody>
+          <a:bodyPr vert="horz" wrap="square" lIns="90000" tIns="45000" rIns="90000" bIns="45000" anchor="ctr" anchorCtr="0" compatLnSpc="0">
+            <a:noAutofit/>
+          </a:bodyPr>
+          <a:lstStyle/>
+          <a:p>
+            <a:pPr marL="0" marR="0" lvl="0" indent="0" algn="r" rtl="0" hangingPunct="1">
+              <a:lnSpc>
+                <a:spcPct val="100000"/>
+              </a:lnSpc>
+              <a:spcBef>
+                <a:spcPts val="0"/>
+              </a:spcBef>
+              <a:spcAft>
+                <a:spcPts val="0"/>
+              </a:spcAft>
+              <a:buNone/>
+              <a:tabLst/>
+            </a:pPr>
+            <a:fld id="{692320E0-2601-4A01-A26F-E1DBCFA5EC92}" type="slidenum">
+              <a:t>20</a:t>
+            </a:fld>
+            <a:endParaRPr lang="es-ES" sz="1600" b="0" i="0" u="none" strike="noStrike" kern="1200" cap="none" spc="0" baseline="0" dirty="0">
+              <a:ln>
+                <a:noFill/>
+              </a:ln>
+              <a:solidFill>
+                <a:srgbClr val="00FF00"/>
+              </a:solidFill>
+              <a:latin typeface="Adler" pitchFamily="18"/>
+              <a:ea typeface="DejaVu Sans" pitchFamily="2"/>
+              <a:cs typeface="DejaVu Sans" pitchFamily="2"/>
+            </a:endParaRPr>
+          </a:p>
+        </p:txBody>
+      </p:sp>
+      <p:sp>
+        <p:nvSpPr>
+          <p:cNvPr id="5" name="CustomShape 4">
+            <a:extLst>
+              <a:ext uri="{FF2B5EF4-FFF2-40B4-BE49-F238E27FC236}">
+                <a16:creationId xmlns:a16="http://schemas.microsoft.com/office/drawing/2014/main" id="{813F6BB3-BBD8-47DB-9D0D-605951995A22}"/>
+              </a:ext>
+            </a:extLst>
+          </p:cNvPr>
+          <p:cNvSpPr/>
+          <p:nvPr/>
+        </p:nvSpPr>
+        <p:spPr>
+          <a:xfrm>
+            <a:off x="910080" y="0"/>
+            <a:ext cx="9848520" cy="1061640"/>
+          </a:xfrm>
+          <a:prstGeom prst="rect">
+            <a:avLst/>
+          </a:prstGeom>
+          <a:noFill/>
+          <a:ln cap="flat">
+            <a:noFill/>
+            <a:prstDash val="solid"/>
+          </a:ln>
+        </p:spPr>
+        <p:txBody>
+          <a:bodyPr vert="horz" wrap="square" lIns="90000" tIns="45000" rIns="90000" bIns="45000" anchor="ctr" anchorCtr="0" compatLnSpc="0">
+            <a:noAutofit/>
+          </a:bodyPr>
+          <a:lstStyle/>
+          <a:p>
+            <a:pPr marL="0" marR="0" lvl="0" indent="0" algn="l" rtl="0" hangingPunct="1">
+              <a:lnSpc>
+                <a:spcPct val="90000"/>
+              </a:lnSpc>
+              <a:spcBef>
+                <a:spcPts val="0"/>
+              </a:spcBef>
+              <a:spcAft>
+                <a:spcPts val="0"/>
+              </a:spcAft>
+              <a:buNone/>
+              <a:tabLst/>
+            </a:pPr>
+            <a:r>
+              <a:rPr lang="es-ES" sz="2800" b="0" i="0" u="none" strike="noStrike" kern="1200" cap="none" spc="0" baseline="0">
+                <a:ln>
+                  <a:noFill/>
+                </a:ln>
+                <a:solidFill>
+                  <a:srgbClr val="00FF00"/>
+                </a:solidFill>
+                <a:latin typeface="OCR A Extended" pitchFamily="18"/>
+                <a:ea typeface="DejaVu Sans" pitchFamily="2"/>
+                <a:cs typeface="DejaVu Sans" pitchFamily="2"/>
+              </a:rPr>
+              <a:t>Diapositiva/slide 1</a:t>
+            </a:r>
+          </a:p>
+        </p:txBody>
+      </p:sp>
+      <p:sp>
+        <p:nvSpPr>
+          <p:cNvPr id="7" name="CustomShape 3">
+            <a:extLst>
+              <a:ext uri="{FF2B5EF4-FFF2-40B4-BE49-F238E27FC236}">
+                <a16:creationId xmlns:a16="http://schemas.microsoft.com/office/drawing/2014/main" id="{27D0551E-3D55-428C-87B2-9BD975F3F758}"/>
+              </a:ext>
+            </a:extLst>
+          </p:cNvPr>
+          <p:cNvSpPr/>
+          <p:nvPr/>
+        </p:nvSpPr>
+        <p:spPr>
+          <a:xfrm>
+            <a:off x="10169599" y="6268566"/>
+            <a:ext cx="1285560" cy="363960"/>
+          </a:xfrm>
+          <a:prstGeom prst="rect">
+            <a:avLst/>
+          </a:prstGeom>
+          <a:noFill/>
+          <a:ln>
+            <a:noFill/>
+          </a:ln>
+        </p:spPr>
+        <p:style>
+          <a:lnRef idx="0">
+            <a:scrgbClr r="0" g="0" b="0"/>
+          </a:lnRef>
+          <a:fillRef idx="0">
+            <a:scrgbClr r="0" g="0" b="0"/>
+          </a:fillRef>
+          <a:effectRef idx="0">
+            <a:scrgbClr r="0" g="0" b="0"/>
+          </a:effectRef>
+          <a:fontRef idx="minor"/>
+        </p:style>
+        <p:txBody>
+          <a:bodyPr lIns="90000" tIns="45000" rIns="90000" bIns="45000" anchor="ctr"/>
+          <a:lstStyle>
+            <a:defPPr>
+              <a:defRPr lang="es-ES"/>
+            </a:defPPr>
+            <a:lvl1pPr marL="0" algn="l" defTabSz="914400" rtl="0" eaLnBrk="1" latinLnBrk="0" hangingPunct="1">
+              <a:defRPr sz="1800" kern="1200">
+                <a:solidFill>
+                  <a:schemeClr val="tx1"/>
+                </a:solidFill>
+                <a:latin typeface="+mn-lt"/>
+                <a:ea typeface="+mn-ea"/>
+                <a:cs typeface="+mn-cs"/>
+              </a:defRPr>
+            </a:lvl1pPr>
+            <a:lvl2pPr marL="457200" algn="l" defTabSz="914400" rtl="0" eaLnBrk="1" latinLnBrk="0" hangingPunct="1">
+              <a:defRPr sz="1800" kern="1200">
+                <a:solidFill>
+                  <a:schemeClr val="tx1"/>
+                </a:solidFill>
+                <a:latin typeface="+mn-lt"/>
+                <a:ea typeface="+mn-ea"/>
+                <a:cs typeface="+mn-cs"/>
+              </a:defRPr>
+            </a:lvl2pPr>
+            <a:lvl3pPr marL="914400" algn="l" defTabSz="914400" rtl="0" eaLnBrk="1" latinLnBrk="0" hangingPunct="1">
+              <a:defRPr sz="1800" kern="1200">
+                <a:solidFill>
+                  <a:schemeClr val="tx1"/>
+                </a:solidFill>
+                <a:latin typeface="+mn-lt"/>
+                <a:ea typeface="+mn-ea"/>
+                <a:cs typeface="+mn-cs"/>
+              </a:defRPr>
+            </a:lvl3pPr>
+            <a:lvl4pPr marL="1371600" algn="l" defTabSz="914400" rtl="0" eaLnBrk="1" latinLnBrk="0" hangingPunct="1">
+              <a:defRPr sz="1800" kern="1200">
+                <a:solidFill>
+                  <a:schemeClr val="tx1"/>
+                </a:solidFill>
+                <a:latin typeface="+mn-lt"/>
+                <a:ea typeface="+mn-ea"/>
+                <a:cs typeface="+mn-cs"/>
+              </a:defRPr>
+            </a:lvl4pPr>
+            <a:lvl5pPr marL="1828800" algn="l" defTabSz="914400" rtl="0" eaLnBrk="1" latinLnBrk="0" hangingPunct="1">
+              <a:defRPr sz="1800" kern="1200">
+                <a:solidFill>
+                  <a:schemeClr val="tx1"/>
+                </a:solidFill>
+                <a:latin typeface="+mn-lt"/>
+                <a:ea typeface="+mn-ea"/>
+                <a:cs typeface="+mn-cs"/>
+              </a:defRPr>
+            </a:lvl5pPr>
+            <a:lvl6pPr marL="2286000" algn="l" defTabSz="914400" rtl="0" eaLnBrk="1" latinLnBrk="0" hangingPunct="1">
+              <a:defRPr sz="1800" kern="1200">
+                <a:solidFill>
+                  <a:schemeClr val="tx1"/>
+                </a:solidFill>
+                <a:latin typeface="+mn-lt"/>
+                <a:ea typeface="+mn-ea"/>
+                <a:cs typeface="+mn-cs"/>
+              </a:defRPr>
+            </a:lvl6pPr>
+            <a:lvl7pPr marL="2743200" algn="l" defTabSz="914400" rtl="0" eaLnBrk="1" latinLnBrk="0" hangingPunct="1">
+              <a:defRPr sz="1800" kern="1200">
+                <a:solidFill>
+                  <a:schemeClr val="tx1"/>
+                </a:solidFill>
+                <a:latin typeface="+mn-lt"/>
+                <a:ea typeface="+mn-ea"/>
+                <a:cs typeface="+mn-cs"/>
+              </a:defRPr>
+            </a:lvl7pPr>
+            <a:lvl8pPr marL="3200400" algn="l" defTabSz="914400" rtl="0" eaLnBrk="1" latinLnBrk="0" hangingPunct="1">
+              <a:defRPr sz="1800" kern="1200">
+                <a:solidFill>
+                  <a:schemeClr val="tx1"/>
+                </a:solidFill>
+                <a:latin typeface="+mn-lt"/>
+                <a:ea typeface="+mn-ea"/>
+                <a:cs typeface="+mn-cs"/>
+              </a:defRPr>
+            </a:lvl8pPr>
+            <a:lvl9pPr marL="3657600" algn="l" defTabSz="914400" rtl="0" eaLnBrk="1" latinLnBrk="0" hangingPunct="1">
+              <a:defRPr sz="1800" kern="1200">
+                <a:solidFill>
+                  <a:schemeClr val="tx1"/>
+                </a:solidFill>
+                <a:latin typeface="+mn-lt"/>
+                <a:ea typeface="+mn-ea"/>
+                <a:cs typeface="+mn-cs"/>
+              </a:defRPr>
+            </a:lvl9pPr>
+          </a:lstStyle>
+          <a:p>
+            <a:pPr algn="r">
+              <a:lnSpc>
+                <a:spcPct val="100000"/>
+              </a:lnSpc>
+            </a:pPr>
+            <a:fld id="{F4AF001D-1B90-4342-83A9-7082BA1E0464}" type="slidenum">
+              <a:rPr lang="es-ES" sz="1600" b="0" strike="noStrike" spc="-1">
+                <a:solidFill>
+                  <a:srgbClr val="00FF00"/>
+                </a:solidFill>
+                <a:latin typeface="Adler"/>
+                <a:ea typeface="DejaVu Sans"/>
+              </a:rPr>
+              <a:pPr algn="r">
+                <a:lnSpc>
+                  <a:spcPct val="100000"/>
+                </a:lnSpc>
+              </a:pPr>
+              <a:t>20</a:t>
+            </a:fld>
+            <a:endParaRPr lang="es-ES" sz="1600" b="0" strike="noStrike" spc="-1" dirty="0">
+              <a:latin typeface="Arial"/>
+            </a:endParaRPr>
+          </a:p>
+        </p:txBody>
+      </p:sp>
+    </p:spTree>
+  </p:cSld>
+  <p:clrMapOvr>
+    <a:masterClrMapping/>
+  </p:clrMapOvr>
+</p:sld>
+</file>
+
+<file path=ppt/slides/slide21.xml><?xml version="1.0" encoding="utf-8"?>
+<p:sld xmlns:a="http://schemas.openxmlformats.org/drawingml/2006/main" xmlns:r="http://schemas.openxmlformats.org/officeDocument/2006/relationships" xmlns:p="http://schemas.openxmlformats.org/presentationml/2006/main">
+  <p:cSld>
+    <p:spTree>
+      <p:nvGrpSpPr>
+        <p:cNvPr id="1" name=""/>
+        <p:cNvGrpSpPr/>
+        <p:nvPr/>
+      </p:nvGrpSpPr>
+      <p:grpSpPr>
+        <a:xfrm>
+          <a:off x="0" y="0"/>
+          <a:ext cx="0" cy="0"/>
+          <a:chOff x="0" y="0"/>
+          <a:chExt cx="0" cy="0"/>
+        </a:xfrm>
+      </p:grpSpPr>
+      <p:sp>
+        <p:nvSpPr>
+          <p:cNvPr id="3" name="CustomShape 2">
+            <a:extLst>
+              <a:ext uri="{FF2B5EF4-FFF2-40B4-BE49-F238E27FC236}">
+                <a16:creationId xmlns:a16="http://schemas.microsoft.com/office/drawing/2014/main" id="{30E35DF0-9288-484A-AA3E-195788FCACD4}"/>
+              </a:ext>
+            </a:extLst>
+          </p:cNvPr>
+          <p:cNvSpPr/>
+          <p:nvPr/>
+        </p:nvSpPr>
+        <p:spPr>
+          <a:xfrm>
+            <a:off x="10067399" y="6356520"/>
+            <a:ext cx="1285560" cy="363959"/>
+          </a:xfrm>
+          <a:prstGeom prst="rect">
+            <a:avLst/>
+          </a:prstGeom>
+          <a:noFill/>
+          <a:ln cap="flat">
+            <a:noFill/>
+            <a:prstDash val="solid"/>
+          </a:ln>
+        </p:spPr>
+        <p:txBody>
+          <a:bodyPr vert="horz" wrap="square" lIns="90000" tIns="45000" rIns="90000" bIns="45000" anchor="ctr" anchorCtr="0" compatLnSpc="0">
+            <a:noAutofit/>
+          </a:bodyPr>
+          <a:lstStyle/>
+          <a:p>
+            <a:pPr marL="0" marR="0" lvl="0" indent="0" algn="r" rtl="0" hangingPunct="1">
+              <a:lnSpc>
+                <a:spcPct val="100000"/>
+              </a:lnSpc>
+              <a:spcBef>
+                <a:spcPts val="0"/>
+              </a:spcBef>
+              <a:spcAft>
+                <a:spcPts val="0"/>
+              </a:spcAft>
+              <a:buNone/>
+              <a:tabLst/>
+            </a:pPr>
+            <a:fld id="{E6F4161E-36B0-4223-AADA-9981612B3FFA}" type="slidenum">
+              <a:t>21</a:t>
+            </a:fld>
+            <a:endParaRPr lang="es-ES" sz="1600" b="0" i="0" u="none" strike="noStrike" kern="1200" cap="none" spc="0" baseline="0" dirty="0">
+              <a:ln>
+                <a:noFill/>
+              </a:ln>
+              <a:solidFill>
+                <a:srgbClr val="00FF00"/>
+              </a:solidFill>
+              <a:latin typeface="Adler" pitchFamily="18"/>
+              <a:ea typeface="DejaVu Sans" pitchFamily="2"/>
+              <a:cs typeface="DejaVu Sans" pitchFamily="2"/>
+            </a:endParaRPr>
+          </a:p>
+        </p:txBody>
+      </p:sp>
+      <p:sp>
+        <p:nvSpPr>
+          <p:cNvPr id="4" name="CustomShape 3">
+            <a:extLst>
+              <a:ext uri="{FF2B5EF4-FFF2-40B4-BE49-F238E27FC236}">
+                <a16:creationId xmlns:a16="http://schemas.microsoft.com/office/drawing/2014/main" id="{890DF6CE-90CC-4D59-B8FE-336ABEA11E33}"/>
+              </a:ext>
+            </a:extLst>
+          </p:cNvPr>
+          <p:cNvSpPr/>
+          <p:nvPr/>
+        </p:nvSpPr>
+        <p:spPr>
+          <a:xfrm>
+            <a:off x="839879" y="1405080"/>
+            <a:ext cx="5156640" cy="822960"/>
+          </a:xfrm>
+          <a:prstGeom prst="rect">
+            <a:avLst/>
+          </a:prstGeom>
+          <a:noFill/>
+          <a:ln cap="flat">
+            <a:noFill/>
+            <a:prstDash val="solid"/>
+          </a:ln>
+        </p:spPr>
+        <p:txBody>
+          <a:bodyPr vert="horz" wrap="square" lIns="90000" tIns="45000" rIns="90000" bIns="45000" anchorCtr="0" compatLnSpc="0"/>
+          <a:lstStyle/>
+          <a:p>
+            <a:pPr marL="0" marR="0" lvl="0" indent="0" rtl="0" hangingPunct="0">
+              <a:lnSpc>
+                <a:spcPct val="100000"/>
+              </a:lnSpc>
+              <a:spcBef>
+                <a:spcPts val="0"/>
+              </a:spcBef>
+              <a:spcAft>
+                <a:spcPts val="0"/>
+              </a:spcAft>
+              <a:buNone/>
+              <a:tabLst/>
+            </a:pPr>
+            <a:endParaRPr lang="en-US" sz="1800" b="0" i="0" u="none" strike="noStrike" kern="1200" cap="none">
+              <a:ln>
+                <a:noFill/>
+              </a:ln>
+              <a:latin typeface="Liberation Sans" pitchFamily="18"/>
+              <a:ea typeface="Noto Sans CJK SC" pitchFamily="2"/>
+              <a:cs typeface="Lohit Devanagari" pitchFamily="2"/>
+            </a:endParaRPr>
+          </a:p>
+        </p:txBody>
+      </p:sp>
+      <p:sp>
+        <p:nvSpPr>
+          <p:cNvPr id="6" name="CustomShape 5">
+            <a:extLst>
+              <a:ext uri="{FF2B5EF4-FFF2-40B4-BE49-F238E27FC236}">
+                <a16:creationId xmlns:a16="http://schemas.microsoft.com/office/drawing/2014/main" id="{22F818AC-75DB-45C0-A9B7-0C827750A615}"/>
+              </a:ext>
+            </a:extLst>
+          </p:cNvPr>
+          <p:cNvSpPr/>
+          <p:nvPr/>
+        </p:nvSpPr>
+        <p:spPr>
+          <a:xfrm>
+            <a:off x="6172200" y="1405080"/>
+            <a:ext cx="5182200" cy="822960"/>
+          </a:xfrm>
+          <a:prstGeom prst="rect">
+            <a:avLst/>
+          </a:prstGeom>
+          <a:noFill/>
+          <a:ln cap="flat">
+            <a:noFill/>
+            <a:prstDash val="solid"/>
+          </a:ln>
+        </p:spPr>
+        <p:txBody>
+          <a:bodyPr vert="horz" wrap="square" lIns="90000" tIns="45000" rIns="90000" bIns="45000" anchorCtr="0" compatLnSpc="0"/>
+          <a:lstStyle/>
+          <a:p>
+            <a:pPr marL="0" marR="0" lvl="0" indent="0" rtl="0" hangingPunct="0">
+              <a:lnSpc>
+                <a:spcPct val="100000"/>
+              </a:lnSpc>
+              <a:spcBef>
+                <a:spcPts val="0"/>
+              </a:spcBef>
+              <a:spcAft>
+                <a:spcPts val="0"/>
+              </a:spcAft>
+              <a:buNone/>
+              <a:tabLst/>
+            </a:pPr>
+            <a:endParaRPr lang="en-US" sz="1800" b="0" i="0" u="none" strike="noStrike" kern="1200" cap="none">
+              <a:ln>
+                <a:noFill/>
+              </a:ln>
+              <a:latin typeface="Liberation Sans" pitchFamily="18"/>
+              <a:ea typeface="Noto Sans CJK SC" pitchFamily="2"/>
+              <a:cs typeface="Lohit Devanagari" pitchFamily="2"/>
+            </a:endParaRPr>
+          </a:p>
+        </p:txBody>
+      </p:sp>
+      <p:sp>
+        <p:nvSpPr>
+          <p:cNvPr id="9" name="CustomShape 8">
+            <a:extLst>
+              <a:ext uri="{FF2B5EF4-FFF2-40B4-BE49-F238E27FC236}">
+                <a16:creationId xmlns:a16="http://schemas.microsoft.com/office/drawing/2014/main" id="{FDA5F966-A6E4-4B8E-A161-C09AA8BA45F4}"/>
+              </a:ext>
+            </a:extLst>
+          </p:cNvPr>
+          <p:cNvSpPr/>
+          <p:nvPr/>
+        </p:nvSpPr>
+        <p:spPr>
+          <a:xfrm>
+            <a:off x="1372319" y="3657600"/>
+            <a:ext cx="9143280" cy="1348200"/>
+          </a:xfrm>
+          <a:prstGeom prst="rect">
+            <a:avLst/>
+          </a:prstGeom>
+          <a:noFill/>
+          <a:ln cap="flat">
+            <a:noFill/>
+            <a:prstDash val="solid"/>
+          </a:ln>
+        </p:spPr>
+        <p:txBody>
+          <a:bodyPr vert="horz" wrap="square" lIns="90000" tIns="45000" rIns="90000" bIns="45000" anchor="b" anchorCtr="1" compatLnSpc="0">
+            <a:normAutofit/>
+          </a:bodyPr>
+          <a:lstStyle/>
+          <a:p>
+            <a:pPr marL="0" marR="0" lvl="0" indent="0" algn="ctr" rtl="0" hangingPunct="1">
+              <a:lnSpc>
+                <a:spcPct val="90000"/>
+              </a:lnSpc>
+              <a:spcBef>
+                <a:spcPts val="0"/>
+              </a:spcBef>
+              <a:spcAft>
+                <a:spcPts val="0"/>
+              </a:spcAft>
+              <a:buNone/>
+              <a:tabLst/>
+              <a:defRPr sz="1800"/>
+            </a:pPr>
+            <a:r>
+              <a:rPr lang="es-ES" sz="4400" b="0" i="0" u="none" strike="noStrike" kern="1200" cap="none" spc="0" baseline="0" dirty="0">
+                <a:ln>
+                  <a:noFill/>
+                </a:ln>
+                <a:solidFill>
+                  <a:srgbClr val="FFFFFF"/>
+                </a:solidFill>
+                <a:latin typeface="OCR A Extended" pitchFamily="18"/>
+                <a:ea typeface="DejaVu Sans" pitchFamily="2"/>
+                <a:cs typeface="DejaVu Sans" pitchFamily="2"/>
+              </a:rPr>
+              <a:t>CHAPTER</a:t>
+            </a:r>
+          </a:p>
+          <a:p>
+            <a:pPr marL="0" marR="0" lvl="0" indent="0" algn="ctr" rtl="0" hangingPunct="1">
+              <a:lnSpc>
+                <a:spcPct val="90000"/>
+              </a:lnSpc>
+              <a:spcBef>
+                <a:spcPts val="0"/>
+              </a:spcBef>
+              <a:spcAft>
+                <a:spcPts val="0"/>
+              </a:spcAft>
+              <a:buNone/>
+              <a:tabLst/>
+              <a:defRPr sz="1800"/>
+            </a:pPr>
+            <a:endParaRPr lang="es-ES" sz="4400" b="0" i="0" u="none" strike="noStrike" kern="1200" cap="none" spc="0" baseline="0" dirty="0">
+              <a:ln>
+                <a:noFill/>
+              </a:ln>
+              <a:solidFill>
+                <a:srgbClr val="FFFFFF"/>
+              </a:solidFill>
+              <a:latin typeface="OCR A Extended" pitchFamily="18"/>
+              <a:ea typeface="DejaVu Sans" pitchFamily="2"/>
+              <a:cs typeface="DejaVu Sans" pitchFamily="2"/>
+            </a:endParaRPr>
+          </a:p>
+        </p:txBody>
+      </p:sp>
+      <p:sp>
+        <p:nvSpPr>
+          <p:cNvPr id="10" name="CustomShape 9">
+            <a:extLst>
+              <a:ext uri="{FF2B5EF4-FFF2-40B4-BE49-F238E27FC236}">
+                <a16:creationId xmlns:a16="http://schemas.microsoft.com/office/drawing/2014/main" id="{4EFB5B3C-A90F-4EE2-AB62-CC6E8C5DD106}"/>
+              </a:ext>
+            </a:extLst>
+          </p:cNvPr>
+          <p:cNvSpPr/>
+          <p:nvPr/>
+        </p:nvSpPr>
+        <p:spPr>
+          <a:xfrm>
+            <a:off x="277200" y="1460160"/>
+            <a:ext cx="3618720" cy="912239"/>
+          </a:xfrm>
+          <a:prstGeom prst="rect">
+            <a:avLst/>
+          </a:prstGeom>
+          <a:noFill/>
+          <a:ln cap="flat">
+            <a:noFill/>
+            <a:prstDash val="solid"/>
+          </a:ln>
+        </p:spPr>
+        <p:txBody>
+          <a:bodyPr vert="horz" wrap="square" lIns="90000" tIns="45000" rIns="90000" bIns="45000" anchor="t" anchorCtr="0" compatLnSpc="0">
+            <a:noAutofit/>
+          </a:bodyPr>
+          <a:lstStyle/>
+          <a:p>
+            <a:pPr marL="0" marR="0" lvl="0" indent="0" algn="l" rtl="0" hangingPunct="1">
+              <a:lnSpc>
+                <a:spcPct val="90000"/>
+              </a:lnSpc>
+              <a:spcBef>
+                <a:spcPts val="1001"/>
+              </a:spcBef>
+              <a:spcAft>
+                <a:spcPts val="0"/>
+              </a:spcAft>
+              <a:buNone/>
+              <a:tabLst/>
+              <a:defRPr sz="1800"/>
+            </a:pPr>
+            <a:r>
+              <a:rPr lang="es-ES" sz="2000" b="1" i="0" u="none" strike="noStrike" kern="1200" cap="none" spc="0" baseline="0" dirty="0" err="1">
+                <a:ln>
+                  <a:noFill/>
+                </a:ln>
+                <a:solidFill>
+                  <a:srgbClr val="FFFFFF"/>
+                </a:solidFill>
+                <a:latin typeface="Consolas" pitchFamily="18"/>
+                <a:ea typeface="DejaVu Sans" pitchFamily="2"/>
+                <a:cs typeface="DejaVu Sans" pitchFamily="2"/>
+              </a:rPr>
+              <a:t>Wha</a:t>
+            </a:r>
+            <a:r>
+              <a:rPr lang="es-ES" sz="2000" b="1" dirty="0" err="1">
+                <a:solidFill>
+                  <a:srgbClr val="FFFFFF"/>
+                </a:solidFill>
+                <a:latin typeface="Consolas" pitchFamily="18"/>
+                <a:ea typeface="DejaVu Sans" pitchFamily="2"/>
+                <a:cs typeface="DejaVu Sans" pitchFamily="2"/>
+              </a:rPr>
+              <a:t>t</a:t>
+            </a:r>
+            <a:r>
+              <a:rPr lang="es-ES" sz="2000" b="1" dirty="0">
+                <a:solidFill>
+                  <a:srgbClr val="FFFFFF"/>
+                </a:solidFill>
+                <a:latin typeface="Consolas" pitchFamily="18"/>
+                <a:ea typeface="DejaVu Sans" pitchFamily="2"/>
+                <a:cs typeface="DejaVu Sans" pitchFamily="2"/>
+              </a:rPr>
+              <a:t> </a:t>
+            </a:r>
+            <a:r>
+              <a:rPr lang="es-ES" sz="2000" b="1" dirty="0" err="1">
+                <a:solidFill>
+                  <a:srgbClr val="FFFFFF"/>
+                </a:solidFill>
+                <a:latin typeface="Consolas" pitchFamily="18"/>
+                <a:ea typeface="DejaVu Sans" pitchFamily="2"/>
+                <a:cs typeface="DejaVu Sans" pitchFamily="2"/>
+              </a:rPr>
+              <a:t>the</a:t>
+            </a:r>
+            <a:r>
+              <a:rPr lang="es-ES" sz="2000" b="1" dirty="0">
+                <a:solidFill>
+                  <a:srgbClr val="FFFFFF"/>
+                </a:solidFill>
+                <a:latin typeface="Consolas" pitchFamily="18"/>
+                <a:ea typeface="DejaVu Sans" pitchFamily="2"/>
+                <a:cs typeface="DejaVu Sans" pitchFamily="2"/>
+              </a:rPr>
+              <a:t> (WNF)</a:t>
+            </a:r>
+            <a:r>
+              <a:rPr lang="es-ES" sz="2000" b="1" dirty="0" err="1">
+                <a:solidFill>
+                  <a:srgbClr val="FFFFFF"/>
+                </a:solidFill>
+                <a:latin typeface="Consolas" pitchFamily="18"/>
+                <a:ea typeface="DejaVu Sans" pitchFamily="2"/>
+                <a:cs typeface="DejaVu Sans" pitchFamily="2"/>
+              </a:rPr>
+              <a:t>uck</a:t>
+            </a:r>
+            <a:r>
+              <a:rPr lang="es-ES" sz="2000" b="1" dirty="0">
+                <a:solidFill>
+                  <a:srgbClr val="FFFFFF"/>
+                </a:solidFill>
+                <a:latin typeface="Consolas" pitchFamily="18"/>
+                <a:ea typeface="DejaVu Sans" pitchFamily="2"/>
+                <a:cs typeface="DejaVu Sans" pitchFamily="2"/>
+              </a:rPr>
+              <a:t>?!</a:t>
+            </a:r>
+            <a:endParaRPr lang="es-ES" sz="2000" b="1" i="0" u="none" strike="noStrike" kern="1200" cap="none" spc="0" baseline="0" dirty="0">
+              <a:ln>
+                <a:noFill/>
+              </a:ln>
+              <a:solidFill>
+                <a:srgbClr val="FFFFFF"/>
+              </a:solidFill>
+              <a:latin typeface="Consolas" pitchFamily="18"/>
+              <a:ea typeface="DejaVu Sans" pitchFamily="2"/>
+              <a:cs typeface="DejaVu Sans" pitchFamily="2"/>
+            </a:endParaRPr>
+          </a:p>
+          <a:p>
+            <a:pPr marL="0" marR="0" lvl="0" indent="0" rtl="0" hangingPunct="1">
+              <a:lnSpc>
+                <a:spcPct val="90000"/>
+              </a:lnSpc>
+              <a:spcBef>
+                <a:spcPts val="1001"/>
+              </a:spcBef>
+              <a:spcAft>
+                <a:spcPts val="0"/>
+              </a:spcAft>
+              <a:buNone/>
+              <a:tabLst/>
+              <a:defRPr sz="1800"/>
+            </a:pPr>
+            <a:r>
+              <a:rPr lang="es-ES" sz="1400" b="1" i="0" u="none" strike="noStrike" kern="1200" cap="none" spc="0" baseline="0" dirty="0">
+                <a:ln>
+                  <a:noFill/>
+                </a:ln>
+                <a:solidFill>
+                  <a:srgbClr val="FFFFFF"/>
+                </a:solidFill>
+                <a:latin typeface="Consolas" pitchFamily="18"/>
+                <a:ea typeface="DejaVu Sans" pitchFamily="2"/>
+                <a:cs typeface="DejaVu Sans" pitchFamily="2"/>
+              </a:rPr>
+              <a:t>Nacho Gómez aka </a:t>
+            </a:r>
+            <a:r>
+              <a:rPr lang="es-ES" sz="1400" b="1" i="1" u="none" strike="noStrike" kern="1200" cap="none" spc="0" baseline="0" dirty="0">
+                <a:ln>
+                  <a:noFill/>
+                </a:ln>
+                <a:solidFill>
+                  <a:srgbClr val="FFFFFF"/>
+                </a:solidFill>
+                <a:latin typeface="Consolas" pitchFamily="18"/>
+                <a:ea typeface="DejaVu Sans" pitchFamily="2"/>
+                <a:cs typeface="DejaVu Sans" pitchFamily="2"/>
+              </a:rPr>
+              <a:t>nag0mez</a:t>
+            </a:r>
+          </a:p>
+        </p:txBody>
+      </p:sp>
+      <p:sp>
+        <p:nvSpPr>
+          <p:cNvPr id="7" name="CustomShape 3">
+            <a:extLst>
+              <a:ext uri="{FF2B5EF4-FFF2-40B4-BE49-F238E27FC236}">
+                <a16:creationId xmlns:a16="http://schemas.microsoft.com/office/drawing/2014/main" id="{50CCD1D1-F0B4-41CD-8B1D-27EF90DEE81F}"/>
+              </a:ext>
+            </a:extLst>
+          </p:cNvPr>
+          <p:cNvSpPr/>
+          <p:nvPr/>
+        </p:nvSpPr>
+        <p:spPr>
+          <a:xfrm>
+            <a:off x="10169599" y="6268566"/>
+            <a:ext cx="1285560" cy="363960"/>
+          </a:xfrm>
+          <a:prstGeom prst="rect">
+            <a:avLst/>
+          </a:prstGeom>
+          <a:noFill/>
+          <a:ln>
+            <a:noFill/>
+          </a:ln>
+        </p:spPr>
+        <p:style>
+          <a:lnRef idx="0">
+            <a:scrgbClr r="0" g="0" b="0"/>
+          </a:lnRef>
+          <a:fillRef idx="0">
+            <a:scrgbClr r="0" g="0" b="0"/>
+          </a:fillRef>
+          <a:effectRef idx="0">
+            <a:scrgbClr r="0" g="0" b="0"/>
+          </a:effectRef>
+          <a:fontRef idx="minor"/>
+        </p:style>
+        <p:txBody>
+          <a:bodyPr lIns="90000" tIns="45000" rIns="90000" bIns="45000" anchor="ctr"/>
+          <a:lstStyle>
+            <a:defPPr>
+              <a:defRPr lang="es-ES"/>
+            </a:defPPr>
+            <a:lvl1pPr marL="0" algn="l" defTabSz="914400" rtl="0" eaLnBrk="1" latinLnBrk="0" hangingPunct="1">
+              <a:defRPr sz="1800" kern="1200">
+                <a:solidFill>
+                  <a:schemeClr val="tx1"/>
+                </a:solidFill>
+                <a:latin typeface="+mn-lt"/>
+                <a:ea typeface="+mn-ea"/>
+                <a:cs typeface="+mn-cs"/>
+              </a:defRPr>
+            </a:lvl1pPr>
+            <a:lvl2pPr marL="457200" algn="l" defTabSz="914400" rtl="0" eaLnBrk="1" latinLnBrk="0" hangingPunct="1">
+              <a:defRPr sz="1800" kern="1200">
+                <a:solidFill>
+                  <a:schemeClr val="tx1"/>
+                </a:solidFill>
+                <a:latin typeface="+mn-lt"/>
+                <a:ea typeface="+mn-ea"/>
+                <a:cs typeface="+mn-cs"/>
+              </a:defRPr>
+            </a:lvl2pPr>
+            <a:lvl3pPr marL="914400" algn="l" defTabSz="914400" rtl="0" eaLnBrk="1" latinLnBrk="0" hangingPunct="1">
+              <a:defRPr sz="1800" kern="1200">
+                <a:solidFill>
+                  <a:schemeClr val="tx1"/>
+                </a:solidFill>
+                <a:latin typeface="+mn-lt"/>
+                <a:ea typeface="+mn-ea"/>
+                <a:cs typeface="+mn-cs"/>
+              </a:defRPr>
+            </a:lvl3pPr>
+            <a:lvl4pPr marL="1371600" algn="l" defTabSz="914400" rtl="0" eaLnBrk="1" latinLnBrk="0" hangingPunct="1">
+              <a:defRPr sz="1800" kern="1200">
+                <a:solidFill>
+                  <a:schemeClr val="tx1"/>
+                </a:solidFill>
+                <a:latin typeface="+mn-lt"/>
+                <a:ea typeface="+mn-ea"/>
+                <a:cs typeface="+mn-cs"/>
+              </a:defRPr>
+            </a:lvl4pPr>
+            <a:lvl5pPr marL="1828800" algn="l" defTabSz="914400" rtl="0" eaLnBrk="1" latinLnBrk="0" hangingPunct="1">
+              <a:defRPr sz="1800" kern="1200">
+                <a:solidFill>
+                  <a:schemeClr val="tx1"/>
+                </a:solidFill>
+                <a:latin typeface="+mn-lt"/>
+                <a:ea typeface="+mn-ea"/>
+                <a:cs typeface="+mn-cs"/>
+              </a:defRPr>
+            </a:lvl5pPr>
+            <a:lvl6pPr marL="2286000" algn="l" defTabSz="914400" rtl="0" eaLnBrk="1" latinLnBrk="0" hangingPunct="1">
+              <a:defRPr sz="1800" kern="1200">
+                <a:solidFill>
+                  <a:schemeClr val="tx1"/>
+                </a:solidFill>
+                <a:latin typeface="+mn-lt"/>
+                <a:ea typeface="+mn-ea"/>
+                <a:cs typeface="+mn-cs"/>
+              </a:defRPr>
+            </a:lvl6pPr>
+            <a:lvl7pPr marL="2743200" algn="l" defTabSz="914400" rtl="0" eaLnBrk="1" latinLnBrk="0" hangingPunct="1">
+              <a:defRPr sz="1800" kern="1200">
+                <a:solidFill>
+                  <a:schemeClr val="tx1"/>
+                </a:solidFill>
+                <a:latin typeface="+mn-lt"/>
+                <a:ea typeface="+mn-ea"/>
+                <a:cs typeface="+mn-cs"/>
+              </a:defRPr>
+            </a:lvl7pPr>
+            <a:lvl8pPr marL="3200400" algn="l" defTabSz="914400" rtl="0" eaLnBrk="1" latinLnBrk="0" hangingPunct="1">
+              <a:defRPr sz="1800" kern="1200">
+                <a:solidFill>
+                  <a:schemeClr val="tx1"/>
+                </a:solidFill>
+                <a:latin typeface="+mn-lt"/>
+                <a:ea typeface="+mn-ea"/>
+                <a:cs typeface="+mn-cs"/>
+              </a:defRPr>
+            </a:lvl8pPr>
+            <a:lvl9pPr marL="3657600" algn="l" defTabSz="914400" rtl="0" eaLnBrk="1" latinLnBrk="0" hangingPunct="1">
+              <a:defRPr sz="1800" kern="1200">
+                <a:solidFill>
+                  <a:schemeClr val="tx1"/>
+                </a:solidFill>
+                <a:latin typeface="+mn-lt"/>
+                <a:ea typeface="+mn-ea"/>
+                <a:cs typeface="+mn-cs"/>
+              </a:defRPr>
+            </a:lvl9pPr>
+          </a:lstStyle>
+          <a:p>
+            <a:pPr algn="r">
+              <a:lnSpc>
+                <a:spcPct val="100000"/>
+              </a:lnSpc>
+            </a:pPr>
+            <a:fld id="{F4AF001D-1B90-4342-83A9-7082BA1E0464}" type="slidenum">
+              <a:rPr lang="es-ES" sz="1600" b="0" strike="noStrike" spc="-1">
+                <a:solidFill>
+                  <a:srgbClr val="00FF00"/>
+                </a:solidFill>
+                <a:latin typeface="Adler"/>
+                <a:ea typeface="DejaVu Sans"/>
+              </a:rPr>
+              <a:pPr algn="r">
+                <a:lnSpc>
+                  <a:spcPct val="100000"/>
+                </a:lnSpc>
+              </a:pPr>
+              <a:t>21</a:t>
+            </a:fld>
+            <a:endParaRPr lang="es-ES" sz="1600" b="0" strike="noStrike" spc="-1" dirty="0">
+              <a:latin typeface="Arial"/>
+            </a:endParaRPr>
+          </a:p>
+        </p:txBody>
+      </p:sp>
+    </p:spTree>
+    <p:extLst>
+      <p:ext uri="{BB962C8B-B14F-4D97-AF65-F5344CB8AC3E}">
+        <p14:creationId xmlns:p14="http://schemas.microsoft.com/office/powerpoint/2010/main" val="1207601448"/>
       </p:ext>
     </p:extLst>
   </p:cSld>
